--- a/Entregables Proyecto B.pptx
+++ b/Entregables Proyecto B.pptx
@@ -258,7 +258,7 @@
           <a:p>
             <a:fld id="{88369B9F-131C-2846-AB8F-CEE154B4CAEB}" type="datetimeFigureOut">
               <a:rPr lang="es-CO" smtClean="0"/>
-              <a:t>28/03/2024</a:t>
+              <a:t>3/04/2024</a:t>
             </a:fld>
             <a:endParaRPr lang="es-CO" dirty="0"/>
           </a:p>
@@ -489,7 +489,7 @@
           <a:p>
             <a:fld id="{9660CB96-A603-FF42-AE46-F5F75F80A67B}" type="datetimeFigureOut">
               <a:rPr lang="es-CO" smtClean="0"/>
-              <a:t>28/03/2024</a:t>
+              <a:t>3/04/2024</a:t>
             </a:fld>
             <a:endParaRPr lang="es-CO" dirty="0"/>
           </a:p>
@@ -906,7 +906,7 @@
           <a:p>
             <a:fld id="{BD986248-06F7-A441-A47A-264EBD310E11}" type="datetimeFigureOut">
               <a:rPr lang="es-CO" smtClean="0"/>
-              <a:t>28/03/2024</a:t>
+              <a:t>3/04/2024</a:t>
             </a:fld>
             <a:endParaRPr lang="es-CO" dirty="0"/>
           </a:p>
@@ -1106,7 +1106,7 @@
           <a:p>
             <a:fld id="{BD986248-06F7-A441-A47A-264EBD310E11}" type="datetimeFigureOut">
               <a:rPr lang="es-CO" smtClean="0"/>
-              <a:t>28/03/2024</a:t>
+              <a:t>3/04/2024</a:t>
             </a:fld>
             <a:endParaRPr lang="es-CO" dirty="0"/>
           </a:p>
@@ -1316,7 +1316,7 @@
           <a:p>
             <a:fld id="{BD986248-06F7-A441-A47A-264EBD310E11}" type="datetimeFigureOut">
               <a:rPr lang="es-CO" smtClean="0"/>
-              <a:t>28/03/2024</a:t>
+              <a:t>3/04/2024</a:t>
             </a:fld>
             <a:endParaRPr lang="es-CO" dirty="0"/>
           </a:p>
@@ -1477,7 +1477,7 @@
           <a:p>
             <a:fld id="{BD986248-06F7-A441-A47A-264EBD310E11}" type="datetimeFigureOut">
               <a:rPr lang="es-CO" smtClean="0"/>
-              <a:t>28/03/2024</a:t>
+              <a:t>3/04/2024</a:t>
             </a:fld>
             <a:endParaRPr lang="es-CO" dirty="0"/>
           </a:p>
@@ -1677,7 +1677,7 @@
           <a:p>
             <a:fld id="{BD986248-06F7-A441-A47A-264EBD310E11}" type="datetimeFigureOut">
               <a:rPr lang="es-CO" smtClean="0"/>
-              <a:t>28/03/2024</a:t>
+              <a:t>3/04/2024</a:t>
             </a:fld>
             <a:endParaRPr lang="es-CO" dirty="0"/>
           </a:p>
@@ -1953,7 +1953,7 @@
           <a:p>
             <a:fld id="{BD986248-06F7-A441-A47A-264EBD310E11}" type="datetimeFigureOut">
               <a:rPr lang="es-CO" smtClean="0"/>
-              <a:t>28/03/2024</a:t>
+              <a:t>3/04/2024</a:t>
             </a:fld>
             <a:endParaRPr lang="es-CO" dirty="0"/>
           </a:p>
@@ -2221,7 +2221,7 @@
           <a:p>
             <a:fld id="{BD986248-06F7-A441-A47A-264EBD310E11}" type="datetimeFigureOut">
               <a:rPr lang="es-CO" smtClean="0"/>
-              <a:t>28/03/2024</a:t>
+              <a:t>3/04/2024</a:t>
             </a:fld>
             <a:endParaRPr lang="es-CO" dirty="0"/>
           </a:p>
@@ -2636,7 +2636,7 @@
           <a:p>
             <a:fld id="{BD986248-06F7-A441-A47A-264EBD310E11}" type="datetimeFigureOut">
               <a:rPr lang="es-CO" smtClean="0"/>
-              <a:t>28/03/2024</a:t>
+              <a:t>3/04/2024</a:t>
             </a:fld>
             <a:endParaRPr lang="es-CO" dirty="0"/>
           </a:p>
@@ -2778,7 +2778,7 @@
           <a:p>
             <a:fld id="{BD986248-06F7-A441-A47A-264EBD310E11}" type="datetimeFigureOut">
               <a:rPr lang="es-CO" smtClean="0"/>
-              <a:t>28/03/2024</a:t>
+              <a:t>3/04/2024</a:t>
             </a:fld>
             <a:endParaRPr lang="es-CO" dirty="0"/>
           </a:p>
@@ -2891,7 +2891,7 @@
           <a:p>
             <a:fld id="{BD986248-06F7-A441-A47A-264EBD310E11}" type="datetimeFigureOut">
               <a:rPr lang="es-CO" smtClean="0"/>
-              <a:t>28/03/2024</a:t>
+              <a:t>3/04/2024</a:t>
             </a:fld>
             <a:endParaRPr lang="es-CO" dirty="0"/>
           </a:p>
@@ -3204,7 +3204,7 @@
           <a:p>
             <a:fld id="{BD986248-06F7-A441-A47A-264EBD310E11}" type="datetimeFigureOut">
               <a:rPr lang="es-CO" smtClean="0"/>
-              <a:t>28/03/2024</a:t>
+              <a:t>3/04/2024</a:t>
             </a:fld>
             <a:endParaRPr lang="es-CO" dirty="0"/>
           </a:p>
@@ -3493,7 +3493,7 @@
           <a:p>
             <a:fld id="{BD986248-06F7-A441-A47A-264EBD310E11}" type="datetimeFigureOut">
               <a:rPr lang="es-CO" smtClean="0"/>
-              <a:t>28/03/2024</a:t>
+              <a:t>3/04/2024</a:t>
             </a:fld>
             <a:endParaRPr lang="es-CO" dirty="0"/>
           </a:p>
@@ -3736,7 +3736,7 @@
           <a:p>
             <a:fld id="{BD986248-06F7-A441-A47A-264EBD310E11}" type="datetimeFigureOut">
               <a:rPr lang="es-CO" smtClean="0"/>
-              <a:t>28/03/2024</a:t>
+              <a:t>3/04/2024</a:t>
             </a:fld>
             <a:endParaRPr lang="es-CO" dirty="0"/>
           </a:p>
@@ -8403,7 +8403,7 @@
           <p:nvPr>
             <p:extLst>
               <p:ext uri="{D42A27DB-BD31-4B8C-83A1-F6EECF244321}">
-                <p14:modId xmlns:p14="http://schemas.microsoft.com/office/powerpoint/2010/main" val="412448790"/>
+                <p14:modId xmlns:p14="http://schemas.microsoft.com/office/powerpoint/2010/main" val="1473544712"/>
               </p:ext>
             </p:extLst>
           </p:nvPr>
@@ -8575,7 +8575,7 @@
                     <a:p>
                       <a:r>
                         <a:rPr lang="es-ES" sz="1400" dirty="0"/>
-                        <a:t>COMO usuario NECESITO ingresar al sistema </a:t>
+                        <a:t>COMO cliente NECESITO ingresar al sistema </a:t>
                       </a:r>
                       <a:endParaRPr lang="es-CO" sz="1400" dirty="0"/>
                     </a:p>
@@ -8660,7 +8660,7 @@
                     <a:p>
                       <a:r>
                         <a:rPr lang="es-ES" sz="1400" dirty="0"/>
-                        <a:t>COMO usuario NECESITO recuperar la contraseña para poder ingresar en caso de olvidarla</a:t>
+                        <a:t>COMO cliente NECESITO recuperar la contraseña para poder ingresar en caso de olvidarla</a:t>
                       </a:r>
                       <a:endParaRPr lang="es-CO" sz="1400" dirty="0"/>
                     </a:p>
@@ -8939,7 +8939,7 @@
           <p:cNvPr id="4" name="Tabla 3">
             <a:extLst>
               <a:ext uri="{FF2B5EF4-FFF2-40B4-BE49-F238E27FC236}">
-                <a16:creationId xmlns:a16="http://schemas.microsoft.com/office/drawing/2014/main" id="{48111D47-7862-614E-F4C2-5EA4A70E2BA4}"/>
+                <a16:creationId xmlns:a16="http://schemas.microsoft.com/office/drawing/2014/main" id="{609F38F4-5359-1332-700F-4EBA17823B09}"/>
               </a:ext>
             </a:extLst>
           </p:cNvPr>
@@ -8949,14 +8949,14 @@
           <p:nvPr>
             <p:extLst>
               <p:ext uri="{D42A27DB-BD31-4B8C-83A1-F6EECF244321}">
-                <p14:modId xmlns:p14="http://schemas.microsoft.com/office/powerpoint/2010/main" val="1972277163"/>
+                <p14:modId xmlns:p14="http://schemas.microsoft.com/office/powerpoint/2010/main" val="609764605"/>
               </p:ext>
             </p:extLst>
           </p:nvPr>
         </p:nvGraphicFramePr>
         <p:xfrm>
-          <a:off x="715308" y="1453062"/>
-          <a:ext cx="10601439" cy="4497610"/>
+          <a:off x="318781" y="87848"/>
+          <a:ext cx="10620462" cy="6682304"/>
         </p:xfrm>
         <a:graphic>
           <a:graphicData uri="http://schemas.openxmlformats.org/drawingml/2006/table">
@@ -8965,28 +8965,28 @@
                 <a:tableStyleId>{5C22544A-7EE6-4342-B048-85BDC9FD1C3A}</a:tableStyleId>
               </a:tblPr>
               <a:tblGrid>
-                <a:gridCol w="1488477">
+                <a:gridCol w="1491148">
                   <a:extLst>
                     <a:ext uri="{9D8B030D-6E8A-4147-A177-3AD203B41FA5}">
                       <a16:colId xmlns:a16="http://schemas.microsoft.com/office/drawing/2014/main" val="259589353"/>
                     </a:ext>
                   </a:extLst>
                 </a:gridCol>
-                <a:gridCol w="1622106">
+                <a:gridCol w="1625017">
                   <a:extLst>
                     <a:ext uri="{9D8B030D-6E8A-4147-A177-3AD203B41FA5}">
                       <a16:colId xmlns:a16="http://schemas.microsoft.com/office/drawing/2014/main" val="1793119380"/>
                     </a:ext>
                   </a:extLst>
                 </a:gridCol>
-                <a:gridCol w="3543915">
+                <a:gridCol w="3550274">
                   <a:extLst>
                     <a:ext uri="{9D8B030D-6E8A-4147-A177-3AD203B41FA5}">
                       <a16:colId xmlns:a16="http://schemas.microsoft.com/office/drawing/2014/main" val="884031367"/>
                     </a:ext>
                   </a:extLst>
                 </a:gridCol>
-                <a:gridCol w="3946941">
+                <a:gridCol w="3954023">
                   <a:extLst>
                     <a:ext uri="{9D8B030D-6E8A-4147-A177-3AD203B41FA5}">
                       <a16:colId xmlns:a16="http://schemas.microsoft.com/office/drawing/2014/main" val="66629647"/>
@@ -8994,7 +8994,7 @@
                   </a:extLst>
                 </a:gridCol>
               </a:tblGrid>
-              <a:tr h="1407583">
+              <a:tr h="1262568">
                 <a:tc>
                   <a:txBody>
                     <a:bodyPr/>
@@ -9009,12 +9009,12 @@
                         </a:spcAft>
                       </a:pPr>
                       <a:r>
-                        <a:rPr lang="es-419" sz="1800" dirty="0">
+                        <a:rPr lang="es-419" sz="1400" dirty="0">
                           <a:effectLst/>
                         </a:rPr>
-                        <a:t>US005</a:t>
+                        <a:t>US005|</a:t>
                       </a:r>
-                      <a:endParaRPr lang="es-CO" sz="1800" dirty="0">
+                      <a:endParaRPr lang="es-CO" sz="1400" dirty="0">
                         <a:effectLst/>
                         <a:latin typeface="Calibri" panose="020F0502020204030204" pitchFamily="34" charset="0"/>
                         <a:ea typeface="Calibri" panose="020F0502020204030204" pitchFamily="34" charset="0"/>
@@ -9042,7 +9042,7 @@
                         </a:spcAft>
                       </a:pPr>
                       <a:r>
-                        <a:rPr lang="es-419" sz="1800" b="0" dirty="0">
+                        <a:rPr lang="es-419" sz="1400" b="0" dirty="0">
                           <a:solidFill>
                             <a:schemeClr val="tx1"/>
                           </a:solidFill>
@@ -9050,7 +9050,7 @@
                         </a:rPr>
                         <a:t>CU005</a:t>
                       </a:r>
-                      <a:endParaRPr lang="es-CO" sz="1800" b="0" dirty="0">
+                      <a:endParaRPr lang="es-CO" sz="1400" b="0" dirty="0">
                         <a:solidFill>
                           <a:schemeClr val="tx1"/>
                         </a:solidFill>
@@ -9083,7 +9083,7 @@
                         </a:spcAft>
                       </a:pPr>
                       <a:r>
-                        <a:rPr lang="es-MX" sz="1600" b="0" dirty="0">
+                        <a:rPr lang="es-MX" sz="1400" b="0" dirty="0">
                           <a:solidFill>
                             <a:schemeClr val="tx1"/>
                           </a:solidFill>
@@ -9094,7 +9094,7 @@
                         </a:rPr>
                         <a:t>COMO barbero NECESITO poder agendar la disponibilidad de turnos </a:t>
                       </a:r>
-                      <a:endParaRPr lang="es-CO" sz="1600" b="0" dirty="0">
+                      <a:endParaRPr lang="es-CO" sz="1400" b="0" dirty="0">
                         <a:solidFill>
                           <a:schemeClr val="tx1"/>
                         </a:solidFill>
@@ -9127,15 +9127,15 @@
                         </a:spcAft>
                       </a:pPr>
                       <a:r>
-                        <a:rPr lang="es-419" sz="1600" b="0" dirty="0">
+                        <a:rPr lang="es-419" sz="1400" b="0" dirty="0">
                           <a:solidFill>
                             <a:schemeClr val="tx1"/>
                           </a:solidFill>
                           <a:effectLst/>
                         </a:rPr>
-                        <a:t>ESCENARIOS: Poder generar la disponibilidad para el cliente, teniendo en cuenta la disponibilidad del barbero  </a:t>
+                        <a:t>ESCENARIOS: Poder generar la disponibilidad para el cliente, teniendo en cuenta la disponibilidad del barbero.  </a:t>
                       </a:r>
-                      <a:endParaRPr lang="es-CO" sz="1600" b="0" dirty="0">
+                      <a:endParaRPr lang="es-CO" sz="1400" b="0" dirty="0">
                         <a:solidFill>
                           <a:schemeClr val="tx1"/>
                         </a:solidFill>
@@ -9152,7 +9152,7 @@
                         </a:spcAft>
                       </a:pPr>
                       <a:r>
-                        <a:rPr lang="es-419" sz="1600" b="0" dirty="0">
+                        <a:rPr lang="es-419" sz="1400" b="0" dirty="0">
                           <a:solidFill>
                             <a:schemeClr val="tx1"/>
                           </a:solidFill>
@@ -9161,15 +9161,15 @@
                         <a:t>Necesitamos:</a:t>
                       </a:r>
                       <a:r>
-                        <a:rPr lang="es-CO" sz="1600" b="0" dirty="0">
+                        <a:rPr lang="es-CO" sz="1400" b="0" dirty="0">
                           <a:solidFill>
                             <a:schemeClr val="tx1"/>
                           </a:solidFill>
                           <a:effectLst/>
                         </a:rPr>
-                        <a:t> Establecer fechas y horas libres </a:t>
+                        <a:t> Establecer fechas y horas libres. </a:t>
                       </a:r>
-                      <a:endParaRPr lang="es-419" sz="1600" b="0" dirty="0">
+                      <a:endParaRPr lang="es-419" sz="1400" b="0" dirty="0">
                         <a:solidFill>
                           <a:schemeClr val="tx1"/>
                         </a:solidFill>
@@ -9191,7 +9191,7 @@
                   </a:ext>
                 </a:extLst>
               </a:tr>
-              <a:tr h="1434518">
+              <a:tr h="1324753">
                 <a:tc>
                   <a:txBody>
                     <a:bodyPr/>
@@ -9206,12 +9206,12 @@
                         </a:spcAft>
                       </a:pPr>
                       <a:r>
-                        <a:rPr lang="es-419" sz="1800" dirty="0">
+                        <a:rPr lang="es-419" sz="1400" dirty="0">
                           <a:effectLst/>
                         </a:rPr>
                         <a:t>US006</a:t>
                       </a:r>
-                      <a:endParaRPr lang="es-CO" sz="1800" dirty="0">
+                      <a:endParaRPr lang="es-CO" sz="1400" dirty="0">
                         <a:effectLst/>
                         <a:latin typeface="Calibri" panose="020F0502020204030204" pitchFamily="34" charset="0"/>
                         <a:ea typeface="Calibri" panose="020F0502020204030204" pitchFamily="34" charset="0"/>
@@ -9239,12 +9239,12 @@
                         </a:spcAft>
                       </a:pPr>
                       <a:r>
-                        <a:rPr lang="es-419" sz="1800" dirty="0">
+                        <a:rPr lang="es-419" sz="1400" dirty="0">
                           <a:effectLst/>
                         </a:rPr>
                         <a:t>CU006</a:t>
                       </a:r>
-                      <a:endParaRPr lang="es-CO" sz="1800" dirty="0">
+                      <a:endParaRPr lang="es-CO" sz="1400" dirty="0">
                         <a:effectLst/>
                         <a:latin typeface="Calibri" panose="020F0502020204030204" pitchFamily="34" charset="0"/>
                         <a:ea typeface="Calibri" panose="020F0502020204030204" pitchFamily="34" charset="0"/>
@@ -9268,7 +9268,7 @@
                         </a:spcAft>
                       </a:pPr>
                       <a:r>
-                        <a:rPr lang="es-MX" sz="1600" dirty="0">
+                        <a:rPr lang="es-MX" sz="1400" dirty="0">
                           <a:effectLst/>
                           <a:latin typeface="Calibri" panose="020F0502020204030204" pitchFamily="34" charset="0"/>
                           <a:ea typeface="Calibri" panose="020F0502020204030204" pitchFamily="34" charset="0"/>
@@ -9276,7 +9276,7 @@
                         </a:rPr>
                         <a:t>COMO cliente NESECITO poder hacer compras de productos </a:t>
                       </a:r>
-                      <a:endParaRPr lang="es-CO" sz="1600" dirty="0">
+                      <a:endParaRPr lang="es-CO" sz="1400" dirty="0">
                         <a:effectLst/>
                         <a:latin typeface="Calibri" panose="020F0502020204030204" pitchFamily="34" charset="0"/>
                         <a:ea typeface="Calibri" panose="020F0502020204030204" pitchFamily="34" charset="0"/>
@@ -9300,12 +9300,12 @@
                         </a:spcAft>
                       </a:pPr>
                       <a:r>
-                        <a:rPr lang="es-419" sz="1600" dirty="0">
+                        <a:rPr lang="es-419" sz="1400" dirty="0">
                           <a:effectLst/>
                         </a:rPr>
-                        <a:t>ESCENARIOS: poder escoger el producto, mirar las formas de pago y realizar el pago  </a:t>
+                        <a:t>ESCENARIOS: Poder escoger el producto, mirar las formas de pago y realizar el pago.  </a:t>
                       </a:r>
-                      <a:endParaRPr lang="es-CO" sz="1600" dirty="0">
+                      <a:endParaRPr lang="es-CO" sz="1400" dirty="0">
                         <a:effectLst/>
                       </a:endParaRPr>
                     </a:p>
@@ -9319,12 +9319,12 @@
                         </a:spcAft>
                       </a:pPr>
                       <a:r>
-                        <a:rPr lang="es-419" sz="1600" dirty="0">
+                        <a:rPr lang="es-419" sz="1400" dirty="0">
                           <a:effectLst/>
                         </a:rPr>
-                        <a:t>Necesitamos: Los métodos de pago, seleccionar el producto y hacer la compra   </a:t>
+                        <a:t>Necesitamos: Los métodos de pago, seleccionar el producto y hacer la compra.   </a:t>
                       </a:r>
-                      <a:endParaRPr lang="es-CO" sz="1600" dirty="0">
+                      <a:endParaRPr lang="es-CO" sz="1400" dirty="0">
                         <a:effectLst/>
                       </a:endParaRPr>
                     </a:p>
@@ -9337,7 +9337,7 @@
                   </a:ext>
                 </a:extLst>
               </a:tr>
-              <a:tr h="1384183">
+              <a:tr h="1528835">
                 <a:tc>
                   <a:txBody>
                     <a:bodyPr/>
@@ -9352,12 +9352,12 @@
                         </a:spcAft>
                       </a:pPr>
                       <a:r>
-                        <a:rPr lang="es-419" sz="1800" dirty="0">
+                        <a:rPr lang="es-419" sz="1400" dirty="0">
                           <a:effectLst/>
                         </a:rPr>
                         <a:t>US007</a:t>
                       </a:r>
-                      <a:endParaRPr lang="es-CO" sz="1800" dirty="0">
+                      <a:endParaRPr lang="es-CO" sz="1400" dirty="0">
                         <a:effectLst/>
                         <a:latin typeface="Calibri" panose="020F0502020204030204" pitchFamily="34" charset="0"/>
                         <a:ea typeface="Calibri" panose="020F0502020204030204" pitchFamily="34" charset="0"/>
@@ -9385,12 +9385,12 @@
                         </a:spcAft>
                       </a:pPr>
                       <a:r>
-                        <a:rPr lang="es-419" sz="1800" dirty="0">
+                        <a:rPr lang="es-419" sz="1400" dirty="0">
                           <a:effectLst/>
                         </a:rPr>
                         <a:t>CU007</a:t>
                       </a:r>
-                      <a:endParaRPr lang="es-CO" sz="1800" dirty="0">
+                      <a:endParaRPr lang="es-CO" sz="1400" dirty="0">
                         <a:effectLst/>
                         <a:latin typeface="Calibri" panose="020F0502020204030204" pitchFamily="34" charset="0"/>
                         <a:ea typeface="Calibri" panose="020F0502020204030204" pitchFamily="34" charset="0"/>
@@ -9414,15 +9414,15 @@
                         </a:spcAft>
                       </a:pPr>
                       <a:r>
-                        <a:rPr lang="es-MX" sz="1600" dirty="0">
+                        <a:rPr lang="es-MX" sz="1400" dirty="0">
                           <a:effectLst/>
                           <a:latin typeface="Calibri" panose="020F0502020204030204" pitchFamily="34" charset="0"/>
                           <a:ea typeface="Calibri" panose="020F0502020204030204" pitchFamily="34" charset="0"/>
                           <a:cs typeface="Times New Roman" panose="02020603050405020304" pitchFamily="18" charset="0"/>
                         </a:rPr>
-                        <a:t>COMO cliente NESECITO poder reservar turno </a:t>
+                        <a:t>COMO cliente NESECITO poder reservar turnos </a:t>
                       </a:r>
-                      <a:endParaRPr lang="es-CO" sz="1600" dirty="0">
+                      <a:endParaRPr lang="es-CO" sz="1400" dirty="0">
                         <a:effectLst/>
                         <a:latin typeface="Calibri" panose="020F0502020204030204" pitchFamily="34" charset="0"/>
                         <a:ea typeface="Calibri" panose="020F0502020204030204" pitchFamily="34" charset="0"/>
@@ -9446,12 +9446,12 @@
                         </a:spcAft>
                       </a:pPr>
                       <a:r>
-                        <a:rPr lang="es-419" sz="1600" dirty="0">
+                        <a:rPr lang="es-419" sz="1400" dirty="0">
                           <a:effectLst/>
                         </a:rPr>
-                        <a:t>ESCENARIOS: poder tener un apartado para saber la disponibilidad de barberos y poder reservar los turnos. </a:t>
+                        <a:t>ESCENARIOS: Poder tener un apartado para saber la disponibilidad de barberos y poder reservar los turnos. </a:t>
                       </a:r>
-                      <a:endParaRPr lang="es-CO" sz="1600" dirty="0">
+                      <a:endParaRPr lang="es-CO" sz="1400" dirty="0">
                         <a:effectLst/>
                       </a:endParaRPr>
                     </a:p>
@@ -9465,12 +9465,12 @@
                         </a:spcAft>
                       </a:pPr>
                       <a:r>
-                        <a:rPr lang="es-419" sz="1600" dirty="0">
+                        <a:rPr lang="es-419" sz="1400" dirty="0">
                           <a:effectLst/>
                         </a:rPr>
-                        <a:t>Necesitamos: Seleccionar fecha y hora que estén disponibles, corte que desea y barbero de confianza o en disponibilidad</a:t>
+                        <a:t>Necesitamos: Seleccionar fecha y hora que estén disponibles, corte que desea y barbero de confianza o en disponibilidad.</a:t>
                       </a:r>
-                      <a:endParaRPr lang="es-CO" sz="1600" dirty="0">
+                      <a:endParaRPr lang="es-CO" sz="1400" dirty="0">
                         <a:effectLst/>
                       </a:endParaRPr>
                     </a:p>
@@ -9480,6 +9480,304 @@
                 <a:extLst>
                   <a:ext uri="{0D108BD9-81ED-4DB2-BD59-A6C34878D82A}">
                     <a16:rowId xmlns:a16="http://schemas.microsoft.com/office/drawing/2014/main" val="2426386373"/>
+                  </a:ext>
+                </a:extLst>
+              </a:tr>
+              <a:tr h="1287878">
+                <a:tc>
+                  <a:txBody>
+                    <a:bodyPr/>
+                    <a:lstStyle/>
+                    <a:p>
+                      <a:pPr>
+                        <a:lnSpc>
+                          <a:spcPct val="107000"/>
+                        </a:lnSpc>
+                        <a:spcAft>
+                          <a:spcPts val="800"/>
+                        </a:spcAft>
+                      </a:pPr>
+                      <a:r>
+                        <a:rPr lang="es-MX" sz="1400" dirty="0">
+                          <a:effectLst/>
+                          <a:latin typeface="Calibri" panose="020F0502020204030204" pitchFamily="34" charset="0"/>
+                          <a:ea typeface="Calibri" panose="020F0502020204030204" pitchFamily="34" charset="0"/>
+                          <a:cs typeface="Times New Roman" panose="02020603050405020304" pitchFamily="18" charset="0"/>
+                        </a:rPr>
+                        <a:t>US008</a:t>
+                      </a:r>
+                      <a:endParaRPr lang="es-CO" sz="1400" dirty="0">
+                        <a:effectLst/>
+                        <a:latin typeface="Calibri" panose="020F0502020204030204" pitchFamily="34" charset="0"/>
+                        <a:ea typeface="Calibri" panose="020F0502020204030204" pitchFamily="34" charset="0"/>
+                        <a:cs typeface="Times New Roman" panose="02020603050405020304" pitchFamily="18" charset="0"/>
+                      </a:endParaRPr>
+                    </a:p>
+                  </a:txBody>
+                  <a:tcPr marL="68580" marR="68580" marT="0" marB="0">
+                    <a:solidFill>
+                      <a:schemeClr val="accent6"/>
+                    </a:solidFill>
+                  </a:tcPr>
+                </a:tc>
+                <a:tc>
+                  <a:txBody>
+                    <a:bodyPr/>
+                    <a:lstStyle/>
+                    <a:p>
+                      <a:pPr>
+                        <a:lnSpc>
+                          <a:spcPct val="107000"/>
+                        </a:lnSpc>
+                        <a:spcAft>
+                          <a:spcPts val="800"/>
+                        </a:spcAft>
+                      </a:pPr>
+                      <a:r>
+                        <a:rPr lang="es-MX" sz="1400" dirty="0">
+                          <a:effectLst/>
+                          <a:latin typeface="Calibri" panose="020F0502020204030204" pitchFamily="34" charset="0"/>
+                          <a:ea typeface="Calibri" panose="020F0502020204030204" pitchFamily="34" charset="0"/>
+                          <a:cs typeface="Times New Roman" panose="02020603050405020304" pitchFamily="18" charset="0"/>
+                        </a:rPr>
+                        <a:t>CU008</a:t>
+                      </a:r>
+                      <a:endParaRPr lang="es-CO" sz="1400" dirty="0">
+                        <a:effectLst/>
+                        <a:latin typeface="Calibri" panose="020F0502020204030204" pitchFamily="34" charset="0"/>
+                        <a:ea typeface="Calibri" panose="020F0502020204030204" pitchFamily="34" charset="0"/>
+                        <a:cs typeface="Times New Roman" panose="02020603050405020304" pitchFamily="18" charset="0"/>
+                      </a:endParaRPr>
+                    </a:p>
+                  </a:txBody>
+                  <a:tcPr marL="68580" marR="68580" marT="0" marB="0"/>
+                </a:tc>
+                <a:tc>
+                  <a:txBody>
+                    <a:bodyPr/>
+                    <a:lstStyle/>
+                    <a:p>
+                      <a:pPr>
+                        <a:lnSpc>
+                          <a:spcPct val="107000"/>
+                        </a:lnSpc>
+                        <a:spcAft>
+                          <a:spcPts val="800"/>
+                        </a:spcAft>
+                      </a:pPr>
+                      <a:r>
+                        <a:rPr lang="es-MX" sz="1400" dirty="0">
+                          <a:effectLst/>
+                          <a:latin typeface="Calibri" panose="020F0502020204030204" pitchFamily="34" charset="0"/>
+                          <a:ea typeface="Calibri" panose="020F0502020204030204" pitchFamily="34" charset="0"/>
+                          <a:cs typeface="Times New Roman" panose="02020603050405020304" pitchFamily="18" charset="0"/>
+                        </a:rPr>
+                        <a:t>COMO cliente NESECITO poder registrarme en el sistema </a:t>
+                      </a:r>
+                      <a:endParaRPr lang="es-CO" sz="1400" dirty="0">
+                        <a:effectLst/>
+                        <a:latin typeface="Calibri" panose="020F0502020204030204" pitchFamily="34" charset="0"/>
+                        <a:ea typeface="Calibri" panose="020F0502020204030204" pitchFamily="34" charset="0"/>
+                        <a:cs typeface="Times New Roman" panose="02020603050405020304" pitchFamily="18" charset="0"/>
+                      </a:endParaRPr>
+                    </a:p>
+                  </a:txBody>
+                  <a:tcPr marL="68580" marR="68580" marT="0" marB="0"/>
+                </a:tc>
+                <a:tc>
+                  <a:txBody>
+                    <a:bodyPr/>
+                    <a:lstStyle/>
+                    <a:p>
+                      <a:pPr>
+                        <a:lnSpc>
+                          <a:spcPct val="107000"/>
+                        </a:lnSpc>
+                        <a:spcAft>
+                          <a:spcPts val="800"/>
+                        </a:spcAft>
+                      </a:pPr>
+                      <a:r>
+                        <a:rPr lang="es-MX" sz="1400" dirty="0">
+                          <a:effectLst/>
+                        </a:rPr>
+                        <a:t>ESCENARIOS: Que se pueda registrar un usuario proporcionando su información personal .</a:t>
+                      </a:r>
+                    </a:p>
+                    <a:p>
+                      <a:pPr>
+                        <a:lnSpc>
+                          <a:spcPct val="107000"/>
+                        </a:lnSpc>
+                        <a:spcAft>
+                          <a:spcPts val="800"/>
+                        </a:spcAft>
+                      </a:pPr>
+                      <a:r>
+                        <a:rPr lang="es-MX" sz="1400" dirty="0">
+                          <a:effectLst/>
+                        </a:rPr>
+                        <a:t>Necesitamos Nombre de usuario, fecha de nacimiento, correo electrónico, contraseña.</a:t>
+                      </a:r>
+                      <a:endParaRPr lang="es-CO" sz="1400" dirty="0">
+                        <a:effectLst/>
+                      </a:endParaRPr>
+                    </a:p>
+                  </a:txBody>
+                  <a:tcPr marL="68580" marR="68580" marT="0" marB="0"/>
+                </a:tc>
+                <a:extLst>
+                  <a:ext uri="{0D108BD9-81ED-4DB2-BD59-A6C34878D82A}">
+                    <a16:rowId xmlns:a16="http://schemas.microsoft.com/office/drawing/2014/main" val="2015189317"/>
+                  </a:ext>
+                </a:extLst>
+              </a:tr>
+              <a:tr h="1278270">
+                <a:tc>
+                  <a:txBody>
+                    <a:bodyPr/>
+                    <a:lstStyle/>
+                    <a:p>
+                      <a:pPr>
+                        <a:lnSpc>
+                          <a:spcPct val="107000"/>
+                        </a:lnSpc>
+                        <a:spcAft>
+                          <a:spcPts val="800"/>
+                        </a:spcAft>
+                      </a:pPr>
+                      <a:r>
+                        <a:rPr lang="es-MX" sz="1400" dirty="0">
+                          <a:effectLst/>
+                          <a:latin typeface="Calibri" panose="020F0502020204030204" pitchFamily="34" charset="0"/>
+                          <a:ea typeface="Calibri" panose="020F0502020204030204" pitchFamily="34" charset="0"/>
+                          <a:cs typeface="Times New Roman" panose="02020603050405020304" pitchFamily="18" charset="0"/>
+                        </a:rPr>
+                        <a:t>US009</a:t>
+                      </a:r>
+                      <a:endParaRPr lang="es-CO" sz="1400" dirty="0">
+                        <a:effectLst/>
+                        <a:latin typeface="Calibri" panose="020F0502020204030204" pitchFamily="34" charset="0"/>
+                        <a:ea typeface="Calibri" panose="020F0502020204030204" pitchFamily="34" charset="0"/>
+                        <a:cs typeface="Times New Roman" panose="02020603050405020304" pitchFamily="18" charset="0"/>
+                      </a:endParaRPr>
+                    </a:p>
+                  </a:txBody>
+                  <a:tcPr marL="68580" marR="68580" marT="0" marB="0">
+                    <a:solidFill>
+                      <a:schemeClr val="accent6"/>
+                    </a:solidFill>
+                  </a:tcPr>
+                </a:tc>
+                <a:tc>
+                  <a:txBody>
+                    <a:bodyPr/>
+                    <a:lstStyle/>
+                    <a:p>
+                      <a:pPr>
+                        <a:lnSpc>
+                          <a:spcPct val="107000"/>
+                        </a:lnSpc>
+                        <a:spcAft>
+                          <a:spcPts val="800"/>
+                        </a:spcAft>
+                      </a:pPr>
+                      <a:r>
+                        <a:rPr lang="es-MX" sz="1400" dirty="0">
+                          <a:effectLst/>
+                          <a:latin typeface="Calibri" panose="020F0502020204030204" pitchFamily="34" charset="0"/>
+                          <a:ea typeface="Calibri" panose="020F0502020204030204" pitchFamily="34" charset="0"/>
+                          <a:cs typeface="Times New Roman" panose="02020603050405020304" pitchFamily="18" charset="0"/>
+                        </a:rPr>
+                        <a:t>CU009</a:t>
+                      </a:r>
+                      <a:endParaRPr lang="es-CO" sz="1400" dirty="0">
+                        <a:effectLst/>
+                        <a:latin typeface="Calibri" panose="020F0502020204030204" pitchFamily="34" charset="0"/>
+                        <a:ea typeface="Calibri" panose="020F0502020204030204" pitchFamily="34" charset="0"/>
+                        <a:cs typeface="Times New Roman" panose="02020603050405020304" pitchFamily="18" charset="0"/>
+                      </a:endParaRPr>
+                    </a:p>
+                  </a:txBody>
+                  <a:tcPr marL="68580" marR="68580" marT="0" marB="0"/>
+                </a:tc>
+                <a:tc>
+                  <a:txBody>
+                    <a:bodyPr/>
+                    <a:lstStyle/>
+                    <a:p>
+                      <a:pPr>
+                        <a:lnSpc>
+                          <a:spcPct val="107000"/>
+                        </a:lnSpc>
+                        <a:spcAft>
+                          <a:spcPts val="800"/>
+                        </a:spcAft>
+                      </a:pPr>
+                      <a:r>
+                        <a:rPr lang="es-MX" sz="1400" dirty="0">
+                          <a:effectLst/>
+                          <a:latin typeface="Calibri" panose="020F0502020204030204" pitchFamily="34" charset="0"/>
+                          <a:ea typeface="Calibri" panose="020F0502020204030204" pitchFamily="34" charset="0"/>
+                          <a:cs typeface="Times New Roman" panose="02020603050405020304" pitchFamily="18" charset="0"/>
+                        </a:rPr>
+                        <a:t>COMO cliente NECESITO agregar productos al carrito de compras</a:t>
+                      </a:r>
+                      <a:endParaRPr lang="es-CO" sz="1400" dirty="0">
+                        <a:effectLst/>
+                        <a:latin typeface="Calibri" panose="020F0502020204030204" pitchFamily="34" charset="0"/>
+                        <a:ea typeface="Calibri" panose="020F0502020204030204" pitchFamily="34" charset="0"/>
+                        <a:cs typeface="Times New Roman" panose="02020603050405020304" pitchFamily="18" charset="0"/>
+                      </a:endParaRPr>
+                    </a:p>
+                  </a:txBody>
+                  <a:tcPr marL="68580" marR="68580" marT="0" marB="0"/>
+                </a:tc>
+                <a:tc>
+                  <a:txBody>
+                    <a:bodyPr/>
+                    <a:lstStyle/>
+                    <a:p>
+                      <a:pPr>
+                        <a:lnSpc>
+                          <a:spcPct val="107000"/>
+                        </a:lnSpc>
+                        <a:spcAft>
+                          <a:spcPts val="800"/>
+                        </a:spcAft>
+                      </a:pPr>
+                      <a:r>
+                        <a:rPr lang="es-MX" sz="1400" dirty="0">
+                          <a:effectLst/>
+                        </a:rPr>
+                        <a:t>ESCENARIOS: Como usuario poder agregar productos de preferencia o que quiera comprar después.</a:t>
+                      </a:r>
+                    </a:p>
+                    <a:p>
+                      <a:pPr>
+                        <a:lnSpc>
+                          <a:spcPct val="107000"/>
+                        </a:lnSpc>
+                        <a:spcAft>
+                          <a:spcPts val="800"/>
+                        </a:spcAft>
+                      </a:pPr>
+                      <a:r>
+                        <a:rPr lang="es-MX" sz="1400" dirty="0">
+                          <a:effectLst/>
+                        </a:rPr>
+                        <a:t>Necesitamos: Seleccionar producto y la cantidad </a:t>
+                      </a:r>
+                      <a:endParaRPr lang="es-CO" sz="1400" dirty="0">
+                        <a:effectLst/>
+                      </a:endParaRPr>
+                    </a:p>
+                  </a:txBody>
+                  <a:tcPr marL="68580" marR="68580" marT="0" marB="0"/>
+                </a:tc>
+                <a:extLst>
+                  <a:ext uri="{0D108BD9-81ED-4DB2-BD59-A6C34878D82A}">
+                    <a16:rowId xmlns:a16="http://schemas.microsoft.com/office/drawing/2014/main" val="3954540753"/>
                   </a:ext>
                 </a:extLst>
               </a:tr>

--- a/Entregables Proyecto B.pptx
+++ b/Entregables Proyecto B.pptx
@@ -10030,10 +10030,10 @@
       </p:grpSpPr>
       <p:pic>
         <p:nvPicPr>
-          <p:cNvPr id="3" name="Imagen 2">
-            <a:extLst>
-              <a:ext uri="{FF2B5EF4-FFF2-40B4-BE49-F238E27FC236}">
-                <a16:creationId xmlns:a16="http://schemas.microsoft.com/office/drawing/2014/main" id="{8AA2DA0E-2660-92DC-AD43-768D4DAD0985}"/>
+          <p:cNvPr id="5" name="Imagen 4">
+            <a:extLst>
+              <a:ext uri="{FF2B5EF4-FFF2-40B4-BE49-F238E27FC236}">
+                <a16:creationId xmlns:a16="http://schemas.microsoft.com/office/drawing/2014/main" id="{E0A532B1-84F3-B167-16B7-C0BE87734BB7}"/>
               </a:ext>
             </a:extLst>
           </p:cNvPr>
@@ -10050,20 +10050,55 @@
         </p:blipFill>
         <p:spPr>
           <a:xfrm>
-            <a:off x="976581" y="580609"/>
-            <a:ext cx="8678486" cy="3448531"/>
+            <a:off x="1071844" y="4283221"/>
+            <a:ext cx="8583223" cy="771633"/>
           </a:xfrm>
           <a:prstGeom prst="rect">
             <a:avLst/>
           </a:prstGeom>
         </p:spPr>
       </p:pic>
+      <p:sp>
+        <p:nvSpPr>
+          <p:cNvPr id="7" name="CuadroTexto 6">
+            <a:extLst>
+              <a:ext uri="{FF2B5EF4-FFF2-40B4-BE49-F238E27FC236}">
+                <a16:creationId xmlns:a16="http://schemas.microsoft.com/office/drawing/2014/main" id="{65912F7B-B69A-F972-D2F2-F9FA3D5860AD}"/>
+              </a:ext>
+            </a:extLst>
+          </p:cNvPr>
+          <p:cNvSpPr txBox="1"/>
+          <p:nvPr/>
+        </p:nvSpPr>
+        <p:spPr>
+          <a:xfrm>
+            <a:off x="1120231" y="5226234"/>
+            <a:ext cx="6094602" cy="369332"/>
+          </a:xfrm>
+          <a:prstGeom prst="rect">
+            <a:avLst/>
+          </a:prstGeom>
+          <a:noFill/>
+        </p:spPr>
+        <p:txBody>
+          <a:bodyPr wrap="square">
+            <a:spAutoFit/>
+          </a:bodyPr>
+          <a:lstStyle/>
+          <a:p>
+            <a:r>
+              <a:rPr lang="es-CO" dirty="0"/>
+              <a:t>https://github.com/DavidV4iss/Master-Barber.git</a:t>
+            </a:r>
+          </a:p>
+        </p:txBody>
+      </p:sp>
       <p:pic>
         <p:nvPicPr>
-          <p:cNvPr id="5" name="Imagen 4">
-            <a:extLst>
-              <a:ext uri="{FF2B5EF4-FFF2-40B4-BE49-F238E27FC236}">
-                <a16:creationId xmlns:a16="http://schemas.microsoft.com/office/drawing/2014/main" id="{E0A532B1-84F3-B167-16B7-C0BE87734BB7}"/>
+          <p:cNvPr id="4" name="Imagen 3">
+            <a:extLst>
+              <a:ext uri="{FF2B5EF4-FFF2-40B4-BE49-F238E27FC236}">
+                <a16:creationId xmlns:a16="http://schemas.microsoft.com/office/drawing/2014/main" id="{3E60559A-3DD1-74C6-B8D5-6D3ECF695DF2}"/>
               </a:ext>
             </a:extLst>
           </p:cNvPr>
@@ -10080,49 +10115,14 @@
         </p:blipFill>
         <p:spPr>
           <a:xfrm>
-            <a:off x="976581" y="4029140"/>
-            <a:ext cx="8678486" cy="771633"/>
+            <a:off x="1071844" y="91636"/>
+            <a:ext cx="8583223" cy="4191585"/>
           </a:xfrm>
           <a:prstGeom prst="rect">
             <a:avLst/>
           </a:prstGeom>
         </p:spPr>
       </p:pic>
-      <p:sp>
-        <p:nvSpPr>
-          <p:cNvPr id="7" name="CuadroTexto 6">
-            <a:extLst>
-              <a:ext uri="{FF2B5EF4-FFF2-40B4-BE49-F238E27FC236}">
-                <a16:creationId xmlns:a16="http://schemas.microsoft.com/office/drawing/2014/main" id="{65912F7B-B69A-F972-D2F2-F9FA3D5860AD}"/>
-              </a:ext>
-            </a:extLst>
-          </p:cNvPr>
-          <p:cNvSpPr txBox="1"/>
-          <p:nvPr/>
-        </p:nvSpPr>
-        <p:spPr>
-          <a:xfrm>
-            <a:off x="976581" y="4991342"/>
-            <a:ext cx="6094602" cy="369332"/>
-          </a:xfrm>
-          <a:prstGeom prst="rect">
-            <a:avLst/>
-          </a:prstGeom>
-          <a:noFill/>
-        </p:spPr>
-        <p:txBody>
-          <a:bodyPr wrap="square">
-            <a:spAutoFit/>
-          </a:bodyPr>
-          <a:lstStyle/>
-          <a:p>
-            <a:r>
-              <a:rPr lang="es-CO" dirty="0"/>
-              <a:t>https://github.com/DavidV4iss/Master-Barber.git</a:t>
-            </a:r>
-          </a:p>
-        </p:txBody>
-      </p:sp>
     </p:spTree>
     <p:extLst>
       <p:ext uri="{BB962C8B-B14F-4D97-AF65-F5344CB8AC3E}">

--- a/Entregables Proyecto B.pptx
+++ b/Entregables Proyecto B.pptx
@@ -258,7 +258,7 @@
           <a:p>
             <a:fld id="{88369B9F-131C-2846-AB8F-CEE154B4CAEB}" type="datetimeFigureOut">
               <a:rPr lang="es-CO" smtClean="0"/>
-              <a:t>3/04/2024</a:t>
+              <a:t>4/04/2024</a:t>
             </a:fld>
             <a:endParaRPr lang="es-CO" dirty="0"/>
           </a:p>
@@ -489,7 +489,7 @@
           <a:p>
             <a:fld id="{9660CB96-A603-FF42-AE46-F5F75F80A67B}" type="datetimeFigureOut">
               <a:rPr lang="es-CO" smtClean="0"/>
-              <a:t>3/04/2024</a:t>
+              <a:t>4/04/2024</a:t>
             </a:fld>
             <a:endParaRPr lang="es-CO" dirty="0"/>
           </a:p>
@@ -906,7 +906,7 @@
           <a:p>
             <a:fld id="{BD986248-06F7-A441-A47A-264EBD310E11}" type="datetimeFigureOut">
               <a:rPr lang="es-CO" smtClean="0"/>
-              <a:t>3/04/2024</a:t>
+              <a:t>4/04/2024</a:t>
             </a:fld>
             <a:endParaRPr lang="es-CO" dirty="0"/>
           </a:p>
@@ -1106,7 +1106,7 @@
           <a:p>
             <a:fld id="{BD986248-06F7-A441-A47A-264EBD310E11}" type="datetimeFigureOut">
               <a:rPr lang="es-CO" smtClean="0"/>
-              <a:t>3/04/2024</a:t>
+              <a:t>4/04/2024</a:t>
             </a:fld>
             <a:endParaRPr lang="es-CO" dirty="0"/>
           </a:p>
@@ -1316,7 +1316,7 @@
           <a:p>
             <a:fld id="{BD986248-06F7-A441-A47A-264EBD310E11}" type="datetimeFigureOut">
               <a:rPr lang="es-CO" smtClean="0"/>
-              <a:t>3/04/2024</a:t>
+              <a:t>4/04/2024</a:t>
             </a:fld>
             <a:endParaRPr lang="es-CO" dirty="0"/>
           </a:p>
@@ -1477,7 +1477,7 @@
           <a:p>
             <a:fld id="{BD986248-06F7-A441-A47A-264EBD310E11}" type="datetimeFigureOut">
               <a:rPr lang="es-CO" smtClean="0"/>
-              <a:t>3/04/2024</a:t>
+              <a:t>4/04/2024</a:t>
             </a:fld>
             <a:endParaRPr lang="es-CO" dirty="0"/>
           </a:p>
@@ -1677,7 +1677,7 @@
           <a:p>
             <a:fld id="{BD986248-06F7-A441-A47A-264EBD310E11}" type="datetimeFigureOut">
               <a:rPr lang="es-CO" smtClean="0"/>
-              <a:t>3/04/2024</a:t>
+              <a:t>4/04/2024</a:t>
             </a:fld>
             <a:endParaRPr lang="es-CO" dirty="0"/>
           </a:p>
@@ -1953,7 +1953,7 @@
           <a:p>
             <a:fld id="{BD986248-06F7-A441-A47A-264EBD310E11}" type="datetimeFigureOut">
               <a:rPr lang="es-CO" smtClean="0"/>
-              <a:t>3/04/2024</a:t>
+              <a:t>4/04/2024</a:t>
             </a:fld>
             <a:endParaRPr lang="es-CO" dirty="0"/>
           </a:p>
@@ -2221,7 +2221,7 @@
           <a:p>
             <a:fld id="{BD986248-06F7-A441-A47A-264EBD310E11}" type="datetimeFigureOut">
               <a:rPr lang="es-CO" smtClean="0"/>
-              <a:t>3/04/2024</a:t>
+              <a:t>4/04/2024</a:t>
             </a:fld>
             <a:endParaRPr lang="es-CO" dirty="0"/>
           </a:p>
@@ -2636,7 +2636,7 @@
           <a:p>
             <a:fld id="{BD986248-06F7-A441-A47A-264EBD310E11}" type="datetimeFigureOut">
               <a:rPr lang="es-CO" smtClean="0"/>
-              <a:t>3/04/2024</a:t>
+              <a:t>4/04/2024</a:t>
             </a:fld>
             <a:endParaRPr lang="es-CO" dirty="0"/>
           </a:p>
@@ -2778,7 +2778,7 @@
           <a:p>
             <a:fld id="{BD986248-06F7-A441-A47A-264EBD310E11}" type="datetimeFigureOut">
               <a:rPr lang="es-CO" smtClean="0"/>
-              <a:t>3/04/2024</a:t>
+              <a:t>4/04/2024</a:t>
             </a:fld>
             <a:endParaRPr lang="es-CO" dirty="0"/>
           </a:p>
@@ -2891,7 +2891,7 @@
           <a:p>
             <a:fld id="{BD986248-06F7-A441-A47A-264EBD310E11}" type="datetimeFigureOut">
               <a:rPr lang="es-CO" smtClean="0"/>
-              <a:t>3/04/2024</a:t>
+              <a:t>4/04/2024</a:t>
             </a:fld>
             <a:endParaRPr lang="es-CO" dirty="0"/>
           </a:p>
@@ -3204,7 +3204,7 @@
           <a:p>
             <a:fld id="{BD986248-06F7-A441-A47A-264EBD310E11}" type="datetimeFigureOut">
               <a:rPr lang="es-CO" smtClean="0"/>
-              <a:t>3/04/2024</a:t>
+              <a:t>4/04/2024</a:t>
             </a:fld>
             <a:endParaRPr lang="es-CO" dirty="0"/>
           </a:p>
@@ -3493,7 +3493,7 @@
           <a:p>
             <a:fld id="{BD986248-06F7-A441-A47A-264EBD310E11}" type="datetimeFigureOut">
               <a:rPr lang="es-CO" smtClean="0"/>
-              <a:t>3/04/2024</a:t>
+              <a:t>4/04/2024</a:t>
             </a:fld>
             <a:endParaRPr lang="es-CO" dirty="0"/>
           </a:p>
@@ -3736,7 +3736,7 @@
           <a:p>
             <a:fld id="{BD986248-06F7-A441-A47A-264EBD310E11}" type="datetimeFigureOut">
               <a:rPr lang="es-CO" smtClean="0"/>
-              <a:t>3/04/2024</a:t>
+              <a:t>4/04/2024</a:t>
             </a:fld>
             <a:endParaRPr lang="es-CO" dirty="0"/>
           </a:p>
@@ -6861,10 +6861,10 @@
       </p:cxnSp>
       <p:graphicFrame>
         <p:nvGraphicFramePr>
-          <p:cNvPr id="6" name="Tabla 6">
-            <a:extLst>
-              <a:ext uri="{FF2B5EF4-FFF2-40B4-BE49-F238E27FC236}">
-                <a16:creationId xmlns:a16="http://schemas.microsoft.com/office/drawing/2014/main" id="{DAC85411-19E0-03F0-9C15-28B4C3BCDA8C}"/>
+          <p:cNvPr id="4" name="Tabla 6">
+            <a:extLst>
+              <a:ext uri="{FF2B5EF4-FFF2-40B4-BE49-F238E27FC236}">
+                <a16:creationId xmlns:a16="http://schemas.microsoft.com/office/drawing/2014/main" id="{CD380F61-566C-D328-4F66-8424D963062B}"/>
               </a:ext>
             </a:extLst>
           </p:cNvPr>
@@ -6874,14 +6874,14 @@
           <p:nvPr>
             <p:extLst>
               <p:ext uri="{D42A27DB-BD31-4B8C-83A1-F6EECF244321}">
-                <p14:modId xmlns:p14="http://schemas.microsoft.com/office/powerpoint/2010/main" val="2325220870"/>
+                <p14:modId xmlns:p14="http://schemas.microsoft.com/office/powerpoint/2010/main" val="4289129498"/>
               </p:ext>
             </p:extLst>
           </p:nvPr>
         </p:nvGraphicFramePr>
         <p:xfrm>
-          <a:off x="731998" y="1684962"/>
-          <a:ext cx="9997521" cy="4837318"/>
+          <a:off x="706044" y="1312763"/>
+          <a:ext cx="9997521" cy="5241789"/>
         </p:xfrm>
         <a:graphic>
           <a:graphicData uri="http://schemas.openxmlformats.org/drawingml/2006/table">
@@ -6974,12 +6974,12 @@
                     <a:p>
                       <a:pPr algn="ctr"/>
                       <a:r>
-                        <a:rPr lang="es-ES" dirty="0">
+                        <a:rPr lang="es-MX" dirty="0">
                           <a:solidFill>
                             <a:schemeClr val="tx1"/>
                           </a:solidFill>
                         </a:rPr>
-                        <a:t>Categoría</a:t>
+                        <a:t>Prioridad</a:t>
                       </a:r>
                       <a:endParaRPr lang="es-CO" dirty="0">
                         <a:solidFill>
@@ -7039,7 +7039,7 @@
                       <a:pPr algn="ctr"/>
                       <a:r>
                         <a:rPr lang="es-MX" dirty="0"/>
-                        <a:t>Autenticación</a:t>
+                        <a:t>Alta</a:t>
                       </a:r>
                       <a:endParaRPr lang="es-CO" dirty="0"/>
                     </a:p>
@@ -7052,7 +7052,7 @@
                   </a:ext>
                 </a:extLst>
               </a:tr>
-              <a:tr h="601369">
+              <a:tr h="0">
                 <a:tc>
                   <a:txBody>
                     <a:bodyPr/>
@@ -7072,10 +7072,38 @@
                     <a:bodyPr/>
                     <a:lstStyle/>
                     <a:p>
+                      <a:pPr marL="0" marR="0" lvl="0" indent="0" algn="l" defTabSz="914400" rtl="0" eaLnBrk="1" fontAlgn="auto" latinLnBrk="0" hangingPunct="1">
+                        <a:lnSpc>
+                          <a:spcPct val="100000"/>
+                        </a:lnSpc>
+                        <a:spcBef>
+                          <a:spcPts val="0"/>
+                        </a:spcBef>
+                        <a:spcAft>
+                          <a:spcPts val="0"/>
+                        </a:spcAft>
+                        <a:buClrTx/>
+                        <a:buSzTx/>
+                        <a:buFontTx/>
+                        <a:buNone/>
+                        <a:tabLst/>
+                        <a:defRPr/>
+                      </a:pPr>
                       <a:r>
-                        <a:rPr lang="es-MX" sz="1600" dirty="0"/>
-                        <a:t>Los clientes podrán reservar turnos seleccionando una fecha y hora disponibles</a:t>
+                        <a:rPr lang="es-MX" sz="1600" b="0" dirty="0">
+                          <a:solidFill>
+                            <a:schemeClr val="tx1"/>
+                          </a:solidFill>
+                        </a:rPr>
+                        <a:t>El sistema permitirá a los clientes iniciar sesión proporcionando los datos requeridos como lo son (Correo electrónico y Contraseña)</a:t>
                       </a:r>
+                      <a:endParaRPr lang="es-CO" sz="1600" b="0" dirty="0">
+                        <a:solidFill>
+                          <a:schemeClr val="tx1"/>
+                        </a:solidFill>
+                      </a:endParaRPr>
+                    </a:p>
+                    <a:p>
                       <a:endParaRPr lang="es-CO" sz="1600" dirty="0"/>
                     </a:p>
                   </a:txBody>
@@ -7089,7 +7117,7 @@
                       <a:pPr algn="ctr"/>
                       <a:r>
                         <a:rPr lang="es-MX" dirty="0"/>
-                        <a:t>Usabilidad</a:t>
+                        <a:t>Alta </a:t>
                       </a:r>
                       <a:endParaRPr lang="es-CO" dirty="0"/>
                     </a:p>
@@ -7124,7 +7152,7 @@
                     <a:p>
                       <a:r>
                         <a:rPr lang="es-MX" sz="1600" dirty="0"/>
-                        <a:t>El administrador podrá editar y publicar los productos en venta </a:t>
+                        <a:t>El sistema permitirá a los barberos ingresar y obtener sus propias funciones </a:t>
                       </a:r>
                       <a:endParaRPr lang="es-CO" sz="1600" dirty="0"/>
                     </a:p>
@@ -7139,7 +7167,7 @@
                       <a:pPr algn="ctr"/>
                       <a:r>
                         <a:rPr lang="es-MX" dirty="0"/>
-                        <a:t>Autorización</a:t>
+                        <a:t>Alta</a:t>
                       </a:r>
                       <a:endParaRPr lang="es-CO" dirty="0"/>
                     </a:p>
@@ -7189,7 +7217,7 @@
                       <a:pPr algn="ctr"/>
                       <a:r>
                         <a:rPr lang="es-MX" dirty="0"/>
-                        <a:t>Usabilidad</a:t>
+                        <a:t>Alta </a:t>
                       </a:r>
                       <a:endParaRPr lang="es-CO" dirty="0"/>
                     </a:p>
@@ -7239,7 +7267,7 @@
                       <a:pPr algn="ctr"/>
                       <a:r>
                         <a:rPr lang="es-ES" dirty="0"/>
-                        <a:t>Usabilidad</a:t>
+                        <a:t>Alta</a:t>
                       </a:r>
                       <a:endParaRPr lang="es-CO" dirty="0"/>
                     </a:p>
@@ -7289,7 +7317,7 @@
                       <a:pPr algn="ctr"/>
                       <a:r>
                         <a:rPr lang="es-MX" dirty="0"/>
-                        <a:t>Transacciones y operaciones</a:t>
+                        <a:t>Alta</a:t>
                       </a:r>
                       <a:endParaRPr lang="es-CO" dirty="0"/>
                     </a:p>
@@ -7339,7 +7367,7 @@
                       <a:pPr algn="ctr"/>
                       <a:r>
                         <a:rPr lang="es-MX" dirty="0"/>
-                        <a:t>Accesibilidad</a:t>
+                        <a:t>Media</a:t>
                       </a:r>
                       <a:endParaRPr lang="es-CO" dirty="0"/>
                     </a:p>

--- a/Entregables Proyecto B.pptx
+++ b/Entregables Proyecto B.pptx
@@ -258,7 +258,7 @@
           <a:p>
             <a:fld id="{88369B9F-131C-2846-AB8F-CEE154B4CAEB}" type="datetimeFigureOut">
               <a:rPr lang="es-CO" smtClean="0"/>
-              <a:t>4/04/2024</a:t>
+              <a:t>5/04/2024</a:t>
             </a:fld>
             <a:endParaRPr lang="es-CO" dirty="0"/>
           </a:p>
@@ -489,7 +489,7 @@
           <a:p>
             <a:fld id="{9660CB96-A603-FF42-AE46-F5F75F80A67B}" type="datetimeFigureOut">
               <a:rPr lang="es-CO" smtClean="0"/>
-              <a:t>4/04/2024</a:t>
+              <a:t>5/04/2024</a:t>
             </a:fld>
             <a:endParaRPr lang="es-CO" dirty="0"/>
           </a:p>
@@ -906,7 +906,7 @@
           <a:p>
             <a:fld id="{BD986248-06F7-A441-A47A-264EBD310E11}" type="datetimeFigureOut">
               <a:rPr lang="es-CO" smtClean="0"/>
-              <a:t>4/04/2024</a:t>
+              <a:t>5/04/2024</a:t>
             </a:fld>
             <a:endParaRPr lang="es-CO" dirty="0"/>
           </a:p>
@@ -1106,7 +1106,7 @@
           <a:p>
             <a:fld id="{BD986248-06F7-A441-A47A-264EBD310E11}" type="datetimeFigureOut">
               <a:rPr lang="es-CO" smtClean="0"/>
-              <a:t>4/04/2024</a:t>
+              <a:t>5/04/2024</a:t>
             </a:fld>
             <a:endParaRPr lang="es-CO" dirty="0"/>
           </a:p>
@@ -1316,7 +1316,7 @@
           <a:p>
             <a:fld id="{BD986248-06F7-A441-A47A-264EBD310E11}" type="datetimeFigureOut">
               <a:rPr lang="es-CO" smtClean="0"/>
-              <a:t>4/04/2024</a:t>
+              <a:t>5/04/2024</a:t>
             </a:fld>
             <a:endParaRPr lang="es-CO" dirty="0"/>
           </a:p>
@@ -1477,7 +1477,7 @@
           <a:p>
             <a:fld id="{BD986248-06F7-A441-A47A-264EBD310E11}" type="datetimeFigureOut">
               <a:rPr lang="es-CO" smtClean="0"/>
-              <a:t>4/04/2024</a:t>
+              <a:t>5/04/2024</a:t>
             </a:fld>
             <a:endParaRPr lang="es-CO" dirty="0"/>
           </a:p>
@@ -1677,7 +1677,7 @@
           <a:p>
             <a:fld id="{BD986248-06F7-A441-A47A-264EBD310E11}" type="datetimeFigureOut">
               <a:rPr lang="es-CO" smtClean="0"/>
-              <a:t>4/04/2024</a:t>
+              <a:t>5/04/2024</a:t>
             </a:fld>
             <a:endParaRPr lang="es-CO" dirty="0"/>
           </a:p>
@@ -1953,7 +1953,7 @@
           <a:p>
             <a:fld id="{BD986248-06F7-A441-A47A-264EBD310E11}" type="datetimeFigureOut">
               <a:rPr lang="es-CO" smtClean="0"/>
-              <a:t>4/04/2024</a:t>
+              <a:t>5/04/2024</a:t>
             </a:fld>
             <a:endParaRPr lang="es-CO" dirty="0"/>
           </a:p>
@@ -2221,7 +2221,7 @@
           <a:p>
             <a:fld id="{BD986248-06F7-A441-A47A-264EBD310E11}" type="datetimeFigureOut">
               <a:rPr lang="es-CO" smtClean="0"/>
-              <a:t>4/04/2024</a:t>
+              <a:t>5/04/2024</a:t>
             </a:fld>
             <a:endParaRPr lang="es-CO" dirty="0"/>
           </a:p>
@@ -2636,7 +2636,7 @@
           <a:p>
             <a:fld id="{BD986248-06F7-A441-A47A-264EBD310E11}" type="datetimeFigureOut">
               <a:rPr lang="es-CO" smtClean="0"/>
-              <a:t>4/04/2024</a:t>
+              <a:t>5/04/2024</a:t>
             </a:fld>
             <a:endParaRPr lang="es-CO" dirty="0"/>
           </a:p>
@@ -2778,7 +2778,7 @@
           <a:p>
             <a:fld id="{BD986248-06F7-A441-A47A-264EBD310E11}" type="datetimeFigureOut">
               <a:rPr lang="es-CO" smtClean="0"/>
-              <a:t>4/04/2024</a:t>
+              <a:t>5/04/2024</a:t>
             </a:fld>
             <a:endParaRPr lang="es-CO" dirty="0"/>
           </a:p>
@@ -2891,7 +2891,7 @@
           <a:p>
             <a:fld id="{BD986248-06F7-A441-A47A-264EBD310E11}" type="datetimeFigureOut">
               <a:rPr lang="es-CO" smtClean="0"/>
-              <a:t>4/04/2024</a:t>
+              <a:t>5/04/2024</a:t>
             </a:fld>
             <a:endParaRPr lang="es-CO" dirty="0"/>
           </a:p>
@@ -3204,7 +3204,7 @@
           <a:p>
             <a:fld id="{BD986248-06F7-A441-A47A-264EBD310E11}" type="datetimeFigureOut">
               <a:rPr lang="es-CO" smtClean="0"/>
-              <a:t>4/04/2024</a:t>
+              <a:t>5/04/2024</a:t>
             </a:fld>
             <a:endParaRPr lang="es-CO" dirty="0"/>
           </a:p>
@@ -3493,7 +3493,7 @@
           <a:p>
             <a:fld id="{BD986248-06F7-A441-A47A-264EBD310E11}" type="datetimeFigureOut">
               <a:rPr lang="es-CO" smtClean="0"/>
-              <a:t>4/04/2024</a:t>
+              <a:t>5/04/2024</a:t>
             </a:fld>
             <a:endParaRPr lang="es-CO" dirty="0"/>
           </a:p>
@@ -3736,7 +3736,7 @@
           <a:p>
             <a:fld id="{BD986248-06F7-A441-A47A-264EBD310E11}" type="datetimeFigureOut">
               <a:rPr lang="es-CO" smtClean="0"/>
-              <a:t>4/04/2024</a:t>
+              <a:t>5/04/2024</a:t>
             </a:fld>
             <a:endParaRPr lang="es-CO" dirty="0"/>
           </a:p>
@@ -8326,102 +8326,12 @@
           <a:chExt cx="0" cy="0"/>
         </a:xfrm>
       </p:grpSpPr>
-      <p:sp>
-        <p:nvSpPr>
-          <p:cNvPr id="2" name="CuadroTexto 1">
-            <a:extLst>
-              <a:ext uri="{FF2B5EF4-FFF2-40B4-BE49-F238E27FC236}">
-                <a16:creationId xmlns:a16="http://schemas.microsoft.com/office/drawing/2014/main" id="{91FEF253-53C4-B5FA-07C7-0B039B14F52F}"/>
-              </a:ext>
-            </a:extLst>
-          </p:cNvPr>
-          <p:cNvSpPr txBox="1"/>
-          <p:nvPr/>
-        </p:nvSpPr>
-        <p:spPr>
-          <a:xfrm>
-            <a:off x="-727947" y="748064"/>
-            <a:ext cx="12120196" cy="769441"/>
-          </a:xfrm>
-          <a:prstGeom prst="rect">
-            <a:avLst/>
-          </a:prstGeom>
-          <a:noFill/>
-        </p:spPr>
-        <p:txBody>
-          <a:bodyPr wrap="square" rtlCol="0">
-            <a:spAutoFit/>
-          </a:bodyPr>
-          <a:lstStyle/>
-          <a:p>
-            <a:r>
-              <a:rPr lang="es-CO" sz="4400" b="1" dirty="0">
-                <a:solidFill>
-                  <a:srgbClr val="38AA00"/>
-                </a:solidFill>
-                <a:latin typeface="WORK SANS BOLD ROMAN" pitchFamily="2" charset="77"/>
-              </a:rPr>
-              <a:t>		HISTORIAS DE USUARIO</a:t>
-            </a:r>
-            <a:endParaRPr lang="es-CO" sz="4000" b="1" dirty="0">
-              <a:solidFill>
-                <a:srgbClr val="38AA00"/>
-              </a:solidFill>
-              <a:latin typeface="Times New Roman" panose="02020603050405020304" pitchFamily="18" charset="0"/>
-              <a:cs typeface="Times New Roman" panose="02020603050405020304" pitchFamily="18" charset="0"/>
-            </a:endParaRPr>
-          </a:p>
-        </p:txBody>
-      </p:sp>
-      <p:cxnSp>
-        <p:nvCxnSpPr>
-          <p:cNvPr id="3" name="Conector recto 2">
-            <a:extLst>
-              <a:ext uri="{FF2B5EF4-FFF2-40B4-BE49-F238E27FC236}">
-                <a16:creationId xmlns:a16="http://schemas.microsoft.com/office/drawing/2014/main" id="{AE0C963B-97B4-4F66-1B49-0B47BC7F0F1A}"/>
-              </a:ext>
-            </a:extLst>
-          </p:cNvPr>
-          <p:cNvCxnSpPr>
-            <a:cxnSpLocks/>
-          </p:cNvCxnSpPr>
-          <p:nvPr/>
-        </p:nvCxnSpPr>
-        <p:spPr>
-          <a:xfrm>
-            <a:off x="1143059" y="1516603"/>
-            <a:ext cx="2247544" cy="0"/>
-          </a:xfrm>
-          <a:prstGeom prst="line">
-            <a:avLst/>
-          </a:prstGeom>
-          <a:ln w="12700">
-            <a:solidFill>
-              <a:srgbClr val="38AA00"/>
-            </a:solidFill>
-          </a:ln>
-        </p:spPr>
-        <p:style>
-          <a:lnRef idx="1">
-            <a:schemeClr val="accent1"/>
-          </a:lnRef>
-          <a:fillRef idx="0">
-            <a:schemeClr val="accent1"/>
-          </a:fillRef>
-          <a:effectRef idx="0">
-            <a:schemeClr val="accent1"/>
-          </a:effectRef>
-          <a:fontRef idx="minor">
-            <a:schemeClr val="tx1"/>
-          </a:fontRef>
-        </p:style>
-      </p:cxnSp>
       <p:graphicFrame>
         <p:nvGraphicFramePr>
-          <p:cNvPr id="4" name="Tabla 10">
-            <a:extLst>
-              <a:ext uri="{FF2B5EF4-FFF2-40B4-BE49-F238E27FC236}">
-                <a16:creationId xmlns:a16="http://schemas.microsoft.com/office/drawing/2014/main" id="{DE46065B-F26B-6A24-900A-C45CA39B4E9F}"/>
+          <p:cNvPr id="5" name="Tabla 10">
+            <a:extLst>
+              <a:ext uri="{FF2B5EF4-FFF2-40B4-BE49-F238E27FC236}">
+                <a16:creationId xmlns:a16="http://schemas.microsoft.com/office/drawing/2014/main" id="{3CE3063F-ABF7-5258-1FE0-EE0DC5768AC2}"/>
               </a:ext>
             </a:extLst>
           </p:cNvPr>
@@ -8431,14 +8341,14 @@
           <p:nvPr>
             <p:extLst>
               <p:ext uri="{D42A27DB-BD31-4B8C-83A1-F6EECF244321}">
-                <p14:modId xmlns:p14="http://schemas.microsoft.com/office/powerpoint/2010/main" val="1473544712"/>
+                <p14:modId xmlns:p14="http://schemas.microsoft.com/office/powerpoint/2010/main" val="976730481"/>
               </p:ext>
             </p:extLst>
           </p:nvPr>
         </p:nvGraphicFramePr>
         <p:xfrm>
-          <a:off x="306182" y="177721"/>
-          <a:ext cx="10742759" cy="6502558"/>
+          <a:off x="306181" y="119742"/>
+          <a:ext cx="10742759" cy="6618515"/>
         </p:xfrm>
         <a:graphic>
           <a:graphicData uri="http://schemas.openxmlformats.org/drawingml/2006/table">
@@ -8476,17 +8386,17 @@
                   </a:extLst>
                 </a:gridCol>
               </a:tblGrid>
-              <a:tr h="839860">
+              <a:tr h="628283">
                 <a:tc>
                   <a:txBody>
                     <a:bodyPr/>
                     <a:lstStyle/>
                     <a:p>
                       <a:r>
-                        <a:rPr lang="es-ES" sz="1400" dirty="0"/>
+                        <a:rPr lang="es-ES" sz="1000" dirty="0"/>
                         <a:t>CODIGO HISTORIA DE USUARIO</a:t>
                       </a:r>
-                      <a:endParaRPr lang="es-CO" sz="1400" dirty="0"/>
+                      <a:endParaRPr lang="es-CO" sz="1000" dirty="0"/>
                     </a:p>
                   </a:txBody>
                   <a:tcPr>
@@ -8501,10 +8411,10 @@
                     <a:lstStyle/>
                     <a:p>
                       <a:r>
-                        <a:rPr lang="es-ES" sz="1400" dirty="0"/>
+                        <a:rPr lang="es-ES" sz="1000" dirty="0"/>
                         <a:t>CODIGO CASO DE USO</a:t>
                       </a:r>
-                      <a:endParaRPr lang="es-CO" sz="1400" dirty="0"/>
+                      <a:endParaRPr lang="es-CO" sz="1000" dirty="0"/>
                     </a:p>
                   </a:txBody>
                   <a:tcPr>
@@ -8519,10 +8429,10 @@
                     <a:lstStyle/>
                     <a:p>
                       <a:r>
-                        <a:rPr lang="es-ES" sz="1400" dirty="0"/>
+                        <a:rPr lang="es-ES" sz="1000" dirty="0"/>
                         <a:t>HISTORIA DE USUARIO</a:t>
                       </a:r>
-                      <a:endParaRPr lang="es-CO" sz="1400" dirty="0"/>
+                      <a:endParaRPr lang="es-CO" sz="1000" dirty="0"/>
                     </a:p>
                   </a:txBody>
                   <a:tcPr>
@@ -8537,10 +8447,10 @@
                     <a:lstStyle/>
                     <a:p>
                       <a:r>
-                        <a:rPr lang="es-ES" sz="1400" dirty="0"/>
+                        <a:rPr lang="es-ES" sz="1000" dirty="0"/>
                         <a:t>CRITERIOS DE ACEPTACION</a:t>
                       </a:r>
-                      <a:endParaRPr lang="es-CO" sz="1400" dirty="0"/>
+                      <a:endParaRPr lang="es-CO" sz="1000" dirty="0"/>
                     </a:p>
                   </a:txBody>
                   <a:tcPr>
@@ -8555,21 +8465,21 @@
                   </a:ext>
                 </a:extLst>
               </a:tr>
-              <a:tr h="1291637">
+              <a:tr h="900072">
                 <a:tc>
                   <a:txBody>
                     <a:bodyPr/>
                     <a:lstStyle/>
                     <a:p>
                       <a:r>
-                        <a:rPr lang="es-ES" sz="1400" dirty="0">
+                        <a:rPr lang="es-ES" sz="1000" dirty="0">
                           <a:solidFill>
                             <a:schemeClr val="bg1"/>
                           </a:solidFill>
                         </a:rPr>
                         <a:t>US001</a:t>
                       </a:r>
-                      <a:endParaRPr lang="es-CO" sz="1400" dirty="0">
+                      <a:endParaRPr lang="es-CO" sz="1000" dirty="0">
                         <a:solidFill>
                           <a:schemeClr val="bg1"/>
                         </a:solidFill>
@@ -8588,10 +8498,10 @@
                     <a:lstStyle/>
                     <a:p>
                       <a:r>
-                        <a:rPr lang="es-ES" sz="1400" dirty="0"/>
+                        <a:rPr lang="es-ES" sz="1000" dirty="0"/>
                         <a:t>CU001</a:t>
                       </a:r>
-                      <a:endParaRPr lang="es-CO" sz="1400" dirty="0"/>
+                      <a:endParaRPr lang="es-CO" sz="1000" dirty="0"/>
                     </a:p>
                   </a:txBody>
                   <a:tcPr/>
@@ -8602,10 +8512,10 @@
                     <a:lstStyle/>
                     <a:p>
                       <a:r>
-                        <a:rPr lang="es-ES" sz="1400" dirty="0"/>
-                        <a:t>COMO cliente NECESITO ingresar al sistema </a:t>
-                      </a:r>
-                      <a:endParaRPr lang="es-CO" sz="1400" dirty="0"/>
+                        <a:rPr lang="es-ES" sz="1000" dirty="0"/>
+                        <a:t>COMO usuario NECESITO poder ingresar al sistema </a:t>
+                      </a:r>
+                      <a:endParaRPr lang="es-CO" sz="1000" dirty="0"/>
                     </a:p>
                   </a:txBody>
                   <a:tcPr/>
@@ -8616,20 +8526,36 @@
                     <a:lstStyle/>
                     <a:p>
                       <a:r>
-                        <a:rPr lang="es-ES" sz="1400" dirty="0"/>
-                        <a:t>Escenarios: se presenta un formulario (Login) solicitando correo electrónico y contraseña</a:t>
-                      </a:r>
-                    </a:p>
-                    <a:p>
-                      <a:r>
-                        <a:rPr lang="es-ES" sz="1400" b="1" dirty="0"/>
+                        <a:rPr lang="es-ES" sz="1000" dirty="0"/>
+                        <a:t>Escenarios:</a:t>
+                      </a:r>
+                    </a:p>
+                    <a:p>
+                      <a:pPr marL="171450" indent="-171450">
+                        <a:buFont typeface="Arial" panose="020B0604020202020204" pitchFamily="34" charset="0"/>
+                        <a:buChar char="•"/>
+                      </a:pPr>
+                      <a:r>
+                        <a:rPr lang="es-ES" sz="1000" dirty="0"/>
+                        <a:t>Se pueda ingresar exitosamente con los datos requeridos en el login. </a:t>
+                      </a:r>
+                    </a:p>
+                    <a:p>
+                      <a:r>
+                        <a:rPr lang="es-ES" sz="1000" b="1" dirty="0"/>
                         <a:t>Necesitamos</a:t>
                       </a:r>
                       <a:r>
-                        <a:rPr lang="es-ES" sz="1400" dirty="0"/>
-                        <a:t>: Correo electrónico, contraseña</a:t>
-                      </a:r>
-                      <a:endParaRPr lang="es-CO" sz="1400" dirty="0"/>
+                        <a:rPr lang="es-ES" sz="1000" dirty="0"/>
+                        <a:t>: </a:t>
+                      </a:r>
+                    </a:p>
+                    <a:p>
+                      <a:r>
+                        <a:rPr lang="es-ES" sz="1000" dirty="0"/>
+                        <a:t>Correo electrónico, contraseña</a:t>
+                      </a:r>
+                      <a:endParaRPr lang="es-CO" sz="1000" dirty="0"/>
                     </a:p>
                   </a:txBody>
                   <a:tcPr/>
@@ -8647,14 +8573,14 @@
                     <a:lstStyle/>
                     <a:p>
                       <a:r>
-                        <a:rPr lang="es-ES" sz="1400" dirty="0">
+                        <a:rPr lang="es-ES" sz="1000" dirty="0">
                           <a:solidFill>
                             <a:schemeClr val="bg1"/>
                           </a:solidFill>
                         </a:rPr>
                         <a:t>US002</a:t>
                       </a:r>
-                      <a:endParaRPr lang="es-CO" sz="1400" dirty="0">
+                      <a:endParaRPr lang="es-CO" sz="1000" dirty="0">
                         <a:solidFill>
                           <a:schemeClr val="bg1"/>
                         </a:solidFill>
@@ -8673,10 +8599,10 @@
                     <a:lstStyle/>
                     <a:p>
                       <a:r>
-                        <a:rPr lang="es-ES" sz="1400" dirty="0"/>
+                        <a:rPr lang="es-ES" sz="1000" dirty="0"/>
                         <a:t>CU002</a:t>
                       </a:r>
-                      <a:endParaRPr lang="es-CO" sz="1400" dirty="0"/>
+                      <a:endParaRPr lang="es-CO" sz="1000" dirty="0"/>
                     </a:p>
                   </a:txBody>
                   <a:tcPr/>
@@ -8687,10 +8613,10 @@
                     <a:lstStyle/>
                     <a:p>
                       <a:r>
-                        <a:rPr lang="es-ES" sz="1400" dirty="0"/>
-                        <a:t>COMO cliente NECESITO recuperar la contraseña para poder ingresar en caso de olvidarla</a:t>
-                      </a:r>
-                      <a:endParaRPr lang="es-CO" sz="1400" dirty="0"/>
+                        <a:rPr lang="es-ES" sz="1000" dirty="0"/>
+                        <a:t>COMO usuario NECESITO recuperar la contraseña para poder ingresar en caso de olvidarla</a:t>
+                      </a:r>
+                      <a:endParaRPr lang="es-CO" sz="1000" dirty="0"/>
                     </a:p>
                   </a:txBody>
                   <a:tcPr/>
@@ -8701,26 +8627,46 @@
                     <a:lstStyle/>
                     <a:p>
                       <a:r>
-                        <a:rPr lang="es-ES" sz="1400" dirty="0"/>
-                        <a:t>Escenarios: Se puede recuperar la contraseña olvidada solicitando correo electrónico y también se le enviara un código de verificación</a:t>
-                      </a:r>
-                    </a:p>
-                    <a:p>
-                      <a:r>
-                        <a:rPr lang="es-ES" sz="1400" b="1" dirty="0"/>
+                        <a:rPr lang="es-ES" sz="1000" dirty="0"/>
+                        <a:t>Escenarios: </a:t>
+                      </a:r>
+                    </a:p>
+                    <a:p>
+                      <a:pPr marL="171450" indent="-171450">
+                        <a:buFont typeface="Arial" panose="020B0604020202020204" pitchFamily="34" charset="0"/>
+                        <a:buChar char="•"/>
+                      </a:pPr>
+                      <a:r>
+                        <a:rPr lang="es-ES" sz="1000" dirty="0"/>
+                        <a:t>Que se pueda recuperar usando los datos pedidos en el sistema</a:t>
+                      </a:r>
+                    </a:p>
+                    <a:p>
+                      <a:pPr marL="171450" indent="-171450">
+                        <a:buFont typeface="Arial" panose="020B0604020202020204" pitchFamily="34" charset="0"/>
+                        <a:buChar char="•"/>
+                      </a:pPr>
+                      <a:r>
+                        <a:rPr lang="es-ES" sz="1000" dirty="0"/>
+                        <a:t>Cuando ya haya cambiado mi contraseña me deje ingresar correctamente las veces que vuelva a ingresar </a:t>
+                      </a:r>
+                    </a:p>
+                    <a:p>
+                      <a:r>
+                        <a:rPr lang="es-ES" sz="1000" b="1" dirty="0"/>
                         <a:t>Necesitamos</a:t>
                       </a:r>
                       <a:r>
-                        <a:rPr lang="es-ES" sz="1400" dirty="0"/>
+                        <a:rPr lang="es-ES" sz="1000" dirty="0"/>
                         <a:t>:</a:t>
                       </a:r>
                     </a:p>
                     <a:p>
                       <a:r>
-                        <a:rPr lang="es-ES" sz="1400" dirty="0"/>
+                        <a:rPr lang="es-ES" sz="1000" dirty="0"/>
                         <a:t>Correo electrónico</a:t>
                       </a:r>
-                      <a:endParaRPr lang="es-CO" sz="1400" dirty="0"/>
+                      <a:endParaRPr lang="es-CO" sz="1000" dirty="0"/>
                     </a:p>
                   </a:txBody>
                   <a:tcPr/>
@@ -8738,14 +8684,14 @@
                     <a:lstStyle/>
                     <a:p>
                       <a:r>
-                        <a:rPr lang="es-ES" sz="1400" dirty="0">
+                        <a:rPr lang="es-ES" sz="1000" dirty="0">
                           <a:solidFill>
                             <a:schemeClr val="bg1"/>
                           </a:solidFill>
                         </a:rPr>
                         <a:t>US003</a:t>
                       </a:r>
-                      <a:endParaRPr lang="es-CO" sz="1400" dirty="0">
+                      <a:endParaRPr lang="es-CO" sz="1000" dirty="0">
                         <a:solidFill>
                           <a:schemeClr val="bg1"/>
                         </a:solidFill>
@@ -8764,10 +8710,10 @@
                     <a:lstStyle/>
                     <a:p>
                       <a:r>
-                        <a:rPr lang="es-ES" sz="1400" dirty="0"/>
+                        <a:rPr lang="es-ES" sz="1000" dirty="0"/>
                         <a:t>CU003</a:t>
                       </a:r>
-                      <a:endParaRPr lang="es-CO" sz="1400" dirty="0"/>
+                      <a:endParaRPr lang="es-CO" sz="1000" dirty="0"/>
                     </a:p>
                   </a:txBody>
                   <a:tcPr/>
@@ -8778,10 +8724,10 @@
                     <a:lstStyle/>
                     <a:p>
                       <a:r>
-                        <a:rPr lang="es-ES" sz="1400" dirty="0"/>
-                        <a:t>COMO Administrador NECESITO gestionar las ventas </a:t>
-                      </a:r>
-                      <a:endParaRPr lang="es-CO" sz="1400" dirty="0"/>
+                        <a:rPr lang="es-ES" sz="1000" dirty="0"/>
+                        <a:t>COMO Administrador NECESITO agregar nuevos productos para disponibilidad de la Barberia </a:t>
+                      </a:r>
+                      <a:endParaRPr lang="es-CO" sz="1000" dirty="0"/>
                     </a:p>
                   </a:txBody>
                   <a:tcPr/>
@@ -8792,24 +8738,44 @@
                     <a:lstStyle/>
                     <a:p>
                       <a:r>
-                        <a:rPr lang="es-ES" sz="1400" dirty="0"/>
-                        <a:t>Escenarios: Se pueden crear editar, eliminar y cambiar los productos en venta</a:t>
-                      </a:r>
-                    </a:p>
-                    <a:p>
-                      <a:r>
-                        <a:rPr lang="es-ES" sz="1400" b="1" dirty="0"/>
+                        <a:rPr lang="es-ES" sz="1000" dirty="0"/>
+                        <a:t>Escenarios: </a:t>
+                      </a:r>
+                    </a:p>
+                    <a:p>
+                      <a:pPr marL="285750" indent="-285750">
+                        <a:buFont typeface="Arial" panose="020B0604020202020204" pitchFamily="34" charset="0"/>
+                        <a:buChar char="•"/>
+                      </a:pPr>
+                      <a:r>
+                        <a:rPr lang="es-ES" sz="1000" dirty="0"/>
+                        <a:t>Se puedan agregar productos ingresando el código, nombre del producto, precio, cantidades</a:t>
+                      </a:r>
+                    </a:p>
+                    <a:p>
+                      <a:pPr marL="285750" indent="-285750">
+                        <a:buFont typeface="Arial" panose="020B0604020202020204" pitchFamily="34" charset="0"/>
+                        <a:buChar char="•"/>
+                      </a:pPr>
+                      <a:r>
+                        <a:rPr lang="es-ES" sz="1000" dirty="0"/>
+                        <a:t>Después de agregar un producto, el producto debería ser reflejado en el stock. </a:t>
+                      </a:r>
+                    </a:p>
+                    <a:p>
+                      <a:r>
+                        <a:rPr lang="es-ES" sz="1000" b="1" dirty="0"/>
                         <a:t>Necesitamos</a:t>
                       </a:r>
                       <a:r>
-                        <a:rPr lang="es-ES" sz="1400" dirty="0"/>
+                        <a:rPr lang="es-ES" sz="1000" dirty="0"/>
                         <a:t>:</a:t>
                       </a:r>
                     </a:p>
                     <a:p>
                       <a:r>
-                        <a:rPr lang="es-ES" sz="1400" dirty="0"/>
-                        <a:t>Nombres y precios de los productos vendidos </a:t>
+                        <a:rPr lang="es-ES" sz="1000" dirty="0"/>
+                        <a:t> Productos, nombre del producto, cantidad del producto y precio del producto.</a:t>
                       </a:r>
                     </a:p>
                   </a:txBody>
@@ -8821,21 +8787,21 @@
                   </a:ext>
                 </a:extLst>
               </a:tr>
-              <a:tr h="1522841">
+              <a:tr h="195646">
                 <a:tc>
                   <a:txBody>
                     <a:bodyPr/>
                     <a:lstStyle/>
                     <a:p>
                       <a:r>
-                        <a:rPr lang="es-ES" sz="1400" dirty="0">
+                        <a:rPr lang="es-ES" sz="1000" dirty="0">
                           <a:solidFill>
                             <a:schemeClr val="bg1"/>
                           </a:solidFill>
                         </a:rPr>
                         <a:t>US004</a:t>
                       </a:r>
-                      <a:endParaRPr lang="es-CO" sz="1400" dirty="0">
+                      <a:endParaRPr lang="es-CO" sz="1000" dirty="0">
                         <a:solidFill>
                           <a:schemeClr val="bg1"/>
                         </a:solidFill>
@@ -8854,10 +8820,10 @@
                     <a:lstStyle/>
                     <a:p>
                       <a:r>
-                        <a:rPr lang="es-ES" sz="1400" dirty="0"/>
+                        <a:rPr lang="es-ES" sz="1000" dirty="0"/>
                         <a:t>CU004</a:t>
                       </a:r>
-                      <a:endParaRPr lang="es-CO" sz="1400" dirty="0"/>
+                      <a:endParaRPr lang="es-CO" sz="1000" dirty="0"/>
                     </a:p>
                   </a:txBody>
                   <a:tcPr/>
@@ -8868,10 +8834,10 @@
                     <a:lstStyle/>
                     <a:p>
                       <a:r>
-                        <a:rPr lang="es-ES" sz="1400" dirty="0"/>
-                        <a:t>COMO administrador NECESITO generar estadísticas de las ventas </a:t>
-                      </a:r>
-                      <a:endParaRPr lang="es-CO" sz="1400" dirty="0"/>
+                        <a:rPr lang="es-ES" sz="1000" dirty="0"/>
+                        <a:t>COMO Administrador NECESITO generar estadísticas de las ventas de los productos de la Barberia  </a:t>
+                      </a:r>
+                      <a:endParaRPr lang="es-CO" sz="1000" dirty="0"/>
                     </a:p>
                   </a:txBody>
                   <a:tcPr/>
@@ -8882,28 +8848,48 @@
                     <a:lstStyle/>
                     <a:p>
                       <a:r>
-                        <a:rPr lang="es-ES" sz="1400" dirty="0"/>
-                        <a:t>Escenarios: Se genera una estadística de ventas </a:t>
-                      </a:r>
-                    </a:p>
-                    <a:p>
-                      <a:r>
-                        <a:rPr lang="es-ES" sz="1400" b="1" dirty="0"/>
+                        <a:rPr lang="es-ES" sz="1000" dirty="0"/>
+                        <a:t>Escenarios: </a:t>
+                      </a:r>
+                    </a:p>
+                    <a:p>
+                      <a:pPr marL="171450" indent="-171450">
+                        <a:buFont typeface="Arial" panose="020B0604020202020204" pitchFamily="34" charset="0"/>
+                        <a:buChar char="•"/>
+                      </a:pPr>
+                      <a:r>
+                        <a:rPr lang="es-ES" sz="1000" dirty="0"/>
+                        <a:t>Se pueda generar estadísticas de los productos vendidos </a:t>
+                      </a:r>
+                    </a:p>
+                    <a:p>
+                      <a:pPr marL="171450" indent="-171450">
+                        <a:buFont typeface="Arial" panose="020B0604020202020204" pitchFamily="34" charset="0"/>
+                        <a:buChar char="•"/>
+                      </a:pPr>
+                      <a:r>
+                        <a:rPr lang="es-ES" sz="1000" dirty="0"/>
+                        <a:t>Después de ser generada las estadísticas poder visualizarlas solo en el rol de Administrador </a:t>
+                      </a:r>
+                    </a:p>
+                    <a:p>
+                      <a:r>
+                        <a:rPr lang="es-ES" sz="1000" b="1" dirty="0"/>
                         <a:t>Necesitamos</a:t>
                       </a:r>
                       <a:r>
-                        <a:rPr lang="es-ES" sz="1400" dirty="0"/>
+                        <a:rPr lang="es-ES" sz="1000" dirty="0"/>
                         <a:t>:</a:t>
                       </a:r>
                     </a:p>
                     <a:p>
                       <a:r>
-                        <a:rPr lang="es-ES" sz="1400" dirty="0"/>
-                        <a:t>Nombres y precios de los productos vendidos </a:t>
-                      </a:r>
-                    </a:p>
-                    <a:p>
-                      <a:endParaRPr lang="es-CO" sz="1400" dirty="0"/>
+                        <a:rPr lang="es-ES" sz="1000" dirty="0"/>
+                        <a:t>Nombres de los productos, precios y las cantidades vendidas </a:t>
+                      </a:r>
+                    </a:p>
+                    <a:p>
+                      <a:endParaRPr lang="es-CO" sz="1000" dirty="0"/>
                     </a:p>
                   </a:txBody>
                   <a:tcPr/>
@@ -8911,6 +8897,101 @@
                 <a:extLst>
                   <a:ext uri="{0D108BD9-81ED-4DB2-BD59-A6C34878D82A}">
                     <a16:rowId xmlns:a16="http://schemas.microsoft.com/office/drawing/2014/main" val="3864823895"/>
+                  </a:ext>
+                </a:extLst>
+              </a:tr>
+              <a:tr h="195646">
+                <a:tc>
+                  <a:txBody>
+                    <a:bodyPr/>
+                    <a:lstStyle/>
+                    <a:p>
+                      <a:r>
+                        <a:rPr lang="es-MX" sz="1000" dirty="0">
+                          <a:solidFill>
+                            <a:schemeClr val="bg1"/>
+                          </a:solidFill>
+                        </a:rPr>
+                        <a:t>US005</a:t>
+                      </a:r>
+                      <a:endParaRPr lang="es-CO" sz="1000" dirty="0">
+                        <a:solidFill>
+                          <a:schemeClr val="bg1"/>
+                        </a:solidFill>
+                      </a:endParaRPr>
+                    </a:p>
+                  </a:txBody>
+                  <a:tcPr>
+                    <a:solidFill>
+                      <a:schemeClr val="accent6"/>
+                    </a:solidFill>
+                  </a:tcPr>
+                </a:tc>
+                <a:tc>
+                  <a:txBody>
+                    <a:bodyPr/>
+                    <a:lstStyle/>
+                    <a:p>
+                      <a:r>
+                        <a:rPr lang="es-MX" sz="1000" dirty="0"/>
+                        <a:t>CU005</a:t>
+                      </a:r>
+                      <a:endParaRPr lang="es-CO" sz="1000" dirty="0"/>
+                    </a:p>
+                  </a:txBody>
+                  <a:tcPr/>
+                </a:tc>
+                <a:tc>
+                  <a:txBody>
+                    <a:bodyPr/>
+                    <a:lstStyle/>
+                    <a:p>
+                      <a:r>
+                        <a:rPr lang="es-MX" sz="1000" dirty="0"/>
+                        <a:t>COMO Administrador NECESITO actualizar la cantidad de productos que se encuentran disponibles en el inventario para tener un Stock real </a:t>
+                      </a:r>
+                      <a:endParaRPr lang="es-CO" sz="1000" dirty="0"/>
+                    </a:p>
+                  </a:txBody>
+                  <a:tcPr/>
+                </a:tc>
+                <a:tc>
+                  <a:txBody>
+                    <a:bodyPr/>
+                    <a:lstStyle/>
+                    <a:p>
+                      <a:r>
+                        <a:rPr lang="es-MX" sz="1000" dirty="0"/>
+                        <a:t>Escenarios:</a:t>
+                      </a:r>
+                    </a:p>
+                    <a:p>
+                      <a:pPr marL="171450" indent="-171450">
+                        <a:buFont typeface="Arial" panose="020B0604020202020204" pitchFamily="34" charset="0"/>
+                        <a:buChar char="•"/>
+                      </a:pPr>
+                      <a:r>
+                        <a:rPr lang="es-MX" sz="1000" dirty="0"/>
+                        <a:t>Que cuando se registre una venta se disminuya la cantidad del producto en el inventario y genere una alerta de esto</a:t>
+                      </a:r>
+                    </a:p>
+                    <a:p>
+                      <a:pPr marL="0" indent="0">
+                        <a:buFont typeface="Arial" panose="020B0604020202020204" pitchFamily="34" charset="0"/>
+                        <a:buNone/>
+                      </a:pPr>
+                      <a:r>
+                        <a:rPr lang="es-MX" sz="1000" dirty="0"/>
+                        <a:t>Necesitamos: nombre , precio y cantidades del producto vendido </a:t>
+                      </a:r>
+                      <a:endParaRPr lang="es-CO" sz="1000" dirty="0"/>
+                    </a:p>
+                  </a:txBody>
+                  <a:tcPr/>
+                </a:tc>
+                <a:extLst>
+                  <a:ext uri="{0D108BD9-81ED-4DB2-BD59-A6C34878D82A}">
+                    <a16:rowId xmlns:a16="http://schemas.microsoft.com/office/drawing/2014/main" val="2744033250"/>
                   </a:ext>
                 </a:extLst>
               </a:tr>
@@ -8964,10 +9045,10 @@
       </p:grpSpPr>
       <p:graphicFrame>
         <p:nvGraphicFramePr>
-          <p:cNvPr id="4" name="Tabla 3">
-            <a:extLst>
-              <a:ext uri="{FF2B5EF4-FFF2-40B4-BE49-F238E27FC236}">
-                <a16:creationId xmlns:a16="http://schemas.microsoft.com/office/drawing/2014/main" id="{609F38F4-5359-1332-700F-4EBA17823B09}"/>
+          <p:cNvPr id="2" name="Tabla 1">
+            <a:extLst>
+              <a:ext uri="{FF2B5EF4-FFF2-40B4-BE49-F238E27FC236}">
+                <a16:creationId xmlns:a16="http://schemas.microsoft.com/office/drawing/2014/main" id="{7C111445-25DE-8A82-90FB-22E1CC569841}"/>
               </a:ext>
             </a:extLst>
           </p:cNvPr>
@@ -8977,80 +9058,73 @@
           <p:nvPr>
             <p:extLst>
               <p:ext uri="{D42A27DB-BD31-4B8C-83A1-F6EECF244321}">
-                <p14:modId xmlns:p14="http://schemas.microsoft.com/office/powerpoint/2010/main" val="609764605"/>
+                <p14:modId xmlns:p14="http://schemas.microsoft.com/office/powerpoint/2010/main" val="499253288"/>
               </p:ext>
             </p:extLst>
           </p:nvPr>
         </p:nvGraphicFramePr>
         <p:xfrm>
-          <a:off x="318781" y="87848"/>
-          <a:ext cx="10620462" cy="6682304"/>
+          <a:off x="317824" y="0"/>
+          <a:ext cx="10742759" cy="6853877"/>
         </p:xfrm>
         <a:graphic>
           <a:graphicData uri="http://schemas.openxmlformats.org/drawingml/2006/table">
             <a:tbl>
-              <a:tblPr firstRow="1" firstCol="1" bandRow="1">
+              <a:tblPr firstRow="1" bandRow="1">
                 <a:tableStyleId>{5C22544A-7EE6-4342-B048-85BDC9FD1C3A}</a:tableStyleId>
               </a:tblPr>
               <a:tblGrid>
-                <a:gridCol w="1491148">
+                <a:gridCol w="1103240">
                   <a:extLst>
                     <a:ext uri="{9D8B030D-6E8A-4147-A177-3AD203B41FA5}">
-                      <a16:colId xmlns:a16="http://schemas.microsoft.com/office/drawing/2014/main" val="259589353"/>
+                      <a16:colId xmlns:a16="http://schemas.microsoft.com/office/drawing/2014/main" val="1670626766"/>
                     </a:ext>
                   </a:extLst>
                 </a:gridCol>
-                <a:gridCol w="1625017">
+                <a:gridCol w="1927904">
                   <a:extLst>
                     <a:ext uri="{9D8B030D-6E8A-4147-A177-3AD203B41FA5}">
-                      <a16:colId xmlns:a16="http://schemas.microsoft.com/office/drawing/2014/main" val="1793119380"/>
+                      <a16:colId xmlns:a16="http://schemas.microsoft.com/office/drawing/2014/main" val="3262603485"/>
                     </a:ext>
                   </a:extLst>
                 </a:gridCol>
-                <a:gridCol w="3550274">
+                <a:gridCol w="4695758">
                   <a:extLst>
                     <a:ext uri="{9D8B030D-6E8A-4147-A177-3AD203B41FA5}">
-                      <a16:colId xmlns:a16="http://schemas.microsoft.com/office/drawing/2014/main" val="884031367"/>
+                      <a16:colId xmlns:a16="http://schemas.microsoft.com/office/drawing/2014/main" val="731734115"/>
                     </a:ext>
                   </a:extLst>
                 </a:gridCol>
-                <a:gridCol w="3954023">
+                <a:gridCol w="3015857">
                   <a:extLst>
                     <a:ext uri="{9D8B030D-6E8A-4147-A177-3AD203B41FA5}">
-                      <a16:colId xmlns:a16="http://schemas.microsoft.com/office/drawing/2014/main" val="66629647"/>
+                      <a16:colId xmlns:a16="http://schemas.microsoft.com/office/drawing/2014/main" val="398558240"/>
                     </a:ext>
                   </a:extLst>
                 </a:gridCol>
               </a:tblGrid>
-              <a:tr h="1262568">
+              <a:tr h="1001900">
                 <a:tc>
                   <a:txBody>
                     <a:bodyPr/>
                     <a:lstStyle/>
                     <a:p>
-                      <a:pPr>
-                        <a:lnSpc>
-                          <a:spcPct val="107000"/>
-                        </a:lnSpc>
-                        <a:spcAft>
-                          <a:spcPts val="800"/>
-                        </a:spcAft>
-                      </a:pPr>
-                      <a:r>
-                        <a:rPr lang="es-419" sz="1400" dirty="0">
-                          <a:effectLst/>
+                      <a:r>
+                        <a:rPr lang="es-ES" sz="1000" dirty="0">
+                          <a:solidFill>
+                            <a:schemeClr val="bg1"/>
+                          </a:solidFill>
                         </a:rPr>
-                        <a:t>US005|</a:t>
-                      </a:r>
-                      <a:endParaRPr lang="es-CO" sz="1400" dirty="0">
-                        <a:effectLst/>
-                        <a:latin typeface="Calibri" panose="020F0502020204030204" pitchFamily="34" charset="0"/>
-                        <a:ea typeface="Calibri" panose="020F0502020204030204" pitchFamily="34" charset="0"/>
-                        <a:cs typeface="Times New Roman" panose="02020603050405020304" pitchFamily="18" charset="0"/>
+                        <a:t>US001</a:t>
+                      </a:r>
+                      <a:endParaRPr lang="es-CO" sz="1000" dirty="0">
+                        <a:solidFill>
+                          <a:schemeClr val="bg1"/>
+                        </a:solidFill>
                       </a:endParaRPr>
                     </a:p>
                   </a:txBody>
-                  <a:tcPr marL="68580" marR="68580" marT="0" marB="0">
+                  <a:tcPr>
                     <a:solidFill>
                       <a:schemeClr val="accent6"/>
                     </a:solidFill>
@@ -9061,38 +9135,26 @@
                     <a:bodyPr/>
                     <a:lstStyle/>
                     <a:p>
-                      <a:pPr>
-                        <a:lnSpc>
-                          <a:spcPct val="107000"/>
-                        </a:lnSpc>
-                        <a:spcAft>
-                          <a:spcPts val="800"/>
-                        </a:spcAft>
-                      </a:pPr>
-                      <a:r>
-                        <a:rPr lang="es-419" sz="1400" b="0" dirty="0">
+                      <a:r>
+                        <a:rPr lang="es-ES" sz="1000" b="0" dirty="0">
                           <a:solidFill>
                             <a:schemeClr val="tx1"/>
                           </a:solidFill>
-                          <a:effectLst/>
                         </a:rPr>
                         <a:t>CU005</a:t>
                       </a:r>
-                      <a:endParaRPr lang="es-CO" sz="1400" b="0" dirty="0">
+                      <a:endParaRPr lang="es-CO" sz="1000" b="0" dirty="0">
                         <a:solidFill>
                           <a:schemeClr val="tx1"/>
                         </a:solidFill>
-                        <a:effectLst/>
-                        <a:latin typeface="Calibri" panose="020F0502020204030204" pitchFamily="34" charset="0"/>
-                        <a:ea typeface="Calibri" panose="020F0502020204030204" pitchFamily="34" charset="0"/>
-                        <a:cs typeface="Times New Roman" panose="02020603050405020304" pitchFamily="18" charset="0"/>
                       </a:endParaRPr>
                     </a:p>
                   </a:txBody>
-                  <a:tcPr marL="68580" marR="68580" marT="0" marB="0">
+                  <a:tcPr>
                     <a:solidFill>
-                      <a:schemeClr val="bg1">
-                        <a:lumMod val="95000"/>
+                      <a:schemeClr val="accent1">
+                        <a:lumMod val="40000"/>
+                        <a:lumOff val="60000"/>
                       </a:schemeClr>
                     </a:solidFill>
                   </a:tcPr>
@@ -9102,41 +9164,26 @@
                     <a:bodyPr/>
                     <a:lstStyle/>
                     <a:p>
-                      <a:pPr>
-                        <a:lnSpc>
-                          <a:spcPct val="107000"/>
-                        </a:lnSpc>
-                        <a:spcAft>
-                          <a:spcPts val="800"/>
-                        </a:spcAft>
-                      </a:pPr>
-                      <a:r>
-                        <a:rPr lang="es-MX" sz="1400" b="0" dirty="0">
+                      <a:r>
+                        <a:rPr lang="es-ES" sz="1000" b="0" dirty="0">
                           <a:solidFill>
                             <a:schemeClr val="tx1"/>
                           </a:solidFill>
-                          <a:effectLst/>
-                          <a:latin typeface="Calibri" panose="020F0502020204030204" pitchFamily="34" charset="0"/>
-                          <a:ea typeface="Calibri" panose="020F0502020204030204" pitchFamily="34" charset="0"/>
-                          <a:cs typeface="Times New Roman" panose="02020603050405020304" pitchFamily="18" charset="0"/>
                         </a:rPr>
                         <a:t>COMO barbero NECESITO poder agendar la disponibilidad de turnos </a:t>
                       </a:r>
-                      <a:endParaRPr lang="es-CO" sz="1400" b="0" dirty="0">
+                      <a:endParaRPr lang="es-CO" sz="1000" b="0" dirty="0">
                         <a:solidFill>
                           <a:schemeClr val="tx1"/>
                         </a:solidFill>
-                        <a:effectLst/>
-                        <a:latin typeface="Calibri" panose="020F0502020204030204" pitchFamily="34" charset="0"/>
-                        <a:ea typeface="Calibri" panose="020F0502020204030204" pitchFamily="34" charset="0"/>
-                        <a:cs typeface="Times New Roman" panose="02020603050405020304" pitchFamily="18" charset="0"/>
                       </a:endParaRPr>
                     </a:p>
                   </a:txBody>
-                  <a:tcPr marL="68580" marR="68580" marT="0" marB="0">
+                  <a:tcPr>
                     <a:solidFill>
-                      <a:schemeClr val="bg1">
-                        <a:lumMod val="95000"/>
+                      <a:schemeClr val="accent1">
+                        <a:lumMod val="40000"/>
+                        <a:lumOff val="60000"/>
                       </a:schemeClr>
                     </a:solidFill>
                   </a:tcPr>
@@ -9146,108 +9193,120 @@
                     <a:bodyPr/>
                     <a:lstStyle/>
                     <a:p>
-                      <a:pPr>
-                        <a:lnSpc>
-                          <a:spcPct val="107000"/>
-                        </a:lnSpc>
-                        <a:spcAft>
-                          <a:spcPts val="800"/>
-                        </a:spcAft>
-                      </a:pPr>
-                      <a:r>
-                        <a:rPr lang="es-419" sz="1400" b="0" dirty="0">
+                      <a:r>
+                        <a:rPr lang="es-ES" sz="1000" b="0" dirty="0">
                           <a:solidFill>
                             <a:schemeClr val="tx1"/>
                           </a:solidFill>
-                          <a:effectLst/>
                         </a:rPr>
-                        <a:t>ESCENARIOS: Poder generar la disponibilidad para el cliente, teniendo en cuenta la disponibilidad del barbero.  </a:t>
-                      </a:r>
-                      <a:endParaRPr lang="es-CO" sz="1400" b="0" dirty="0">
+                        <a:t>Escenarios:</a:t>
+                      </a:r>
+                    </a:p>
+                    <a:p>
+                      <a:pPr marL="171450" indent="-171450">
+                        <a:buFont typeface="Arial" panose="020B0604020202020204" pitchFamily="34" charset="0"/>
+                        <a:buChar char="•"/>
+                      </a:pPr>
+                      <a:r>
+                        <a:rPr lang="es-ES" sz="1000" b="0" dirty="0">
+                          <a:solidFill>
+                            <a:schemeClr val="tx1"/>
+                          </a:solidFill>
+                        </a:rPr>
+                        <a:t>Se pueda generar la disponibilidad para el cliente </a:t>
+                      </a:r>
+                    </a:p>
+                    <a:p>
+                      <a:pPr marL="171450" indent="-171450">
+                        <a:buFont typeface="Arial" panose="020B0604020202020204" pitchFamily="34" charset="0"/>
+                        <a:buChar char="•"/>
+                      </a:pPr>
+                      <a:r>
+                        <a:rPr lang="es-ES" sz="1000" b="0" dirty="0">
+                          <a:solidFill>
+                            <a:schemeClr val="tx1"/>
+                          </a:solidFill>
+                        </a:rPr>
+                        <a:t>Poder actualizar los horarios disponibles</a:t>
+                      </a:r>
+                    </a:p>
+                    <a:p>
+                      <a:pPr marL="171450" indent="-171450">
+                        <a:buFont typeface="Arial" panose="020B0604020202020204" pitchFamily="34" charset="0"/>
+                        <a:buChar char="•"/>
+                      </a:pPr>
+                      <a:r>
+                        <a:rPr lang="es-ES" sz="1000" b="0" dirty="0">
+                          <a:solidFill>
+                            <a:schemeClr val="tx1"/>
+                          </a:solidFill>
+                        </a:rPr>
+                        <a:t>Que se genere una disponibilidad actualizada para los clientes</a:t>
+                      </a:r>
+                    </a:p>
+                    <a:p>
+                      <a:r>
+                        <a:rPr lang="es-ES" sz="1000" b="0" dirty="0">
+                          <a:solidFill>
+                            <a:schemeClr val="tx1"/>
+                          </a:solidFill>
+                        </a:rPr>
+                        <a:t>Necesitamos: </a:t>
+                      </a:r>
+                    </a:p>
+                    <a:p>
+                      <a:r>
+                        <a:rPr lang="es-ES" sz="1000" b="0" dirty="0">
+                          <a:solidFill>
+                            <a:schemeClr val="tx1"/>
+                          </a:solidFill>
+                        </a:rPr>
+                        <a:t>Establecer fechas y horarios actuales </a:t>
+                      </a:r>
+                      <a:endParaRPr lang="es-CO" sz="1000" b="0" dirty="0">
                         <a:solidFill>
                           <a:schemeClr val="tx1"/>
                         </a:solidFill>
-                        <a:effectLst/>
                       </a:endParaRPr>
                     </a:p>
-                    <a:p>
-                      <a:pPr>
-                        <a:lnSpc>
-                          <a:spcPct val="107000"/>
-                        </a:lnSpc>
-                        <a:spcAft>
-                          <a:spcPts val="800"/>
-                        </a:spcAft>
-                      </a:pPr>
-                      <a:r>
-                        <a:rPr lang="es-419" sz="1400" b="0" dirty="0">
-                          <a:solidFill>
-                            <a:schemeClr val="tx1"/>
-                          </a:solidFill>
-                          <a:effectLst/>
-                        </a:rPr>
-                        <a:t>Necesitamos:</a:t>
-                      </a:r>
-                      <a:r>
-                        <a:rPr lang="es-CO" sz="1400" b="0" dirty="0">
-                          <a:solidFill>
-                            <a:schemeClr val="tx1"/>
-                          </a:solidFill>
-                          <a:effectLst/>
-                        </a:rPr>
-                        <a:t> Establecer fechas y horas libres. </a:t>
-                      </a:r>
-                      <a:endParaRPr lang="es-419" sz="1400" b="0" dirty="0">
-                        <a:solidFill>
-                          <a:schemeClr val="tx1"/>
-                        </a:solidFill>
-                        <a:effectLst/>
-                      </a:endParaRPr>
-                    </a:p>
                   </a:txBody>
-                  <a:tcPr marL="68580" marR="68580" marT="0" marB="0">
+                  <a:tcPr>
                     <a:solidFill>
-                      <a:schemeClr val="bg1">
-                        <a:lumMod val="95000"/>
+                      <a:schemeClr val="accent1">
+                        <a:lumMod val="40000"/>
+                        <a:lumOff val="60000"/>
                       </a:schemeClr>
                     </a:solidFill>
                   </a:tcPr>
                 </a:tc>
                 <a:extLst>
                   <a:ext uri="{0D108BD9-81ED-4DB2-BD59-A6C34878D82A}">
-                    <a16:rowId xmlns:a16="http://schemas.microsoft.com/office/drawing/2014/main" val="2672813399"/>
+                    <a16:rowId xmlns:a16="http://schemas.microsoft.com/office/drawing/2014/main" val="1870690571"/>
                   </a:ext>
                 </a:extLst>
               </a:tr>
-              <a:tr h="1324753">
+              <a:tr h="1458917">
                 <a:tc>
                   <a:txBody>
                     <a:bodyPr/>
                     <a:lstStyle/>
                     <a:p>
-                      <a:pPr>
-                        <a:lnSpc>
-                          <a:spcPct val="107000"/>
-                        </a:lnSpc>
-                        <a:spcAft>
-                          <a:spcPts val="800"/>
-                        </a:spcAft>
-                      </a:pPr>
-                      <a:r>
-                        <a:rPr lang="es-419" sz="1400" dirty="0">
-                          <a:effectLst/>
+                      <a:r>
+                        <a:rPr lang="es-ES" sz="1000" dirty="0">
+                          <a:solidFill>
+                            <a:schemeClr val="bg1"/>
+                          </a:solidFill>
                         </a:rPr>
-                        <a:t>US006</a:t>
-                      </a:r>
-                      <a:endParaRPr lang="es-CO" sz="1400" dirty="0">
-                        <a:effectLst/>
-                        <a:latin typeface="Calibri" panose="020F0502020204030204" pitchFamily="34" charset="0"/>
-                        <a:ea typeface="Calibri" panose="020F0502020204030204" pitchFamily="34" charset="0"/>
-                        <a:cs typeface="Times New Roman" panose="02020603050405020304" pitchFamily="18" charset="0"/>
+                        <a:t>US002</a:t>
+                      </a:r>
+                      <a:endParaRPr lang="es-CO" sz="1000" dirty="0">
+                        <a:solidFill>
+                          <a:schemeClr val="bg1"/>
+                        </a:solidFill>
                       </a:endParaRPr>
                     </a:p>
                   </a:txBody>
-                  <a:tcPr marL="68580" marR="68580" marT="0" marB="0">
+                  <a:tcPr>
                     <a:solidFill>
                       <a:schemeClr val="accent6"/>
                     </a:solidFill>
@@ -9258,142 +9317,106 @@
                     <a:bodyPr/>
                     <a:lstStyle/>
                     <a:p>
-                      <a:pPr>
-                        <a:lnSpc>
-                          <a:spcPct val="107000"/>
-                        </a:lnSpc>
-                        <a:spcAft>
-                          <a:spcPts val="800"/>
-                        </a:spcAft>
-                      </a:pPr>
-                      <a:r>
-                        <a:rPr lang="es-419" sz="1400" dirty="0">
-                          <a:effectLst/>
-                        </a:rPr>
+                      <a:r>
+                        <a:rPr lang="es-ES" sz="1000" dirty="0"/>
                         <a:t>CU006</a:t>
                       </a:r>
-                      <a:endParaRPr lang="es-CO" sz="1400" dirty="0">
-                        <a:effectLst/>
-                        <a:latin typeface="Calibri" panose="020F0502020204030204" pitchFamily="34" charset="0"/>
-                        <a:ea typeface="Calibri" panose="020F0502020204030204" pitchFamily="34" charset="0"/>
-                        <a:cs typeface="Times New Roman" panose="02020603050405020304" pitchFamily="18" charset="0"/>
-                      </a:endParaRPr>
+                      <a:endParaRPr lang="es-CO" sz="1000" dirty="0"/>
                     </a:p>
                   </a:txBody>
-                  <a:tcPr marL="68580" marR="68580" marT="0" marB="0"/>
+                  <a:tcPr/>
                 </a:tc>
                 <a:tc>
                   <a:txBody>
                     <a:bodyPr/>
                     <a:lstStyle/>
                     <a:p>
-                      <a:pPr>
-                        <a:lnSpc>
-                          <a:spcPct val="107000"/>
-                        </a:lnSpc>
-                        <a:spcAft>
-                          <a:spcPts val="800"/>
-                        </a:spcAft>
-                      </a:pPr>
-                      <a:r>
-                        <a:rPr lang="es-MX" sz="1400" dirty="0">
-                          <a:effectLst/>
-                          <a:latin typeface="Calibri" panose="020F0502020204030204" pitchFamily="34" charset="0"/>
-                          <a:ea typeface="Calibri" panose="020F0502020204030204" pitchFamily="34" charset="0"/>
-                          <a:cs typeface="Times New Roman" panose="02020603050405020304" pitchFamily="18" charset="0"/>
-                        </a:rPr>
+                      <a:r>
+                        <a:rPr lang="es-MX" sz="1000" dirty="0"/>
                         <a:t>COMO cliente NESECITO poder hacer compras de productos </a:t>
                       </a:r>
-                      <a:endParaRPr lang="es-CO" sz="1400" dirty="0">
-                        <a:effectLst/>
-                        <a:latin typeface="Calibri" panose="020F0502020204030204" pitchFamily="34" charset="0"/>
-                        <a:ea typeface="Calibri" panose="020F0502020204030204" pitchFamily="34" charset="0"/>
-                        <a:cs typeface="Times New Roman" panose="02020603050405020304" pitchFamily="18" charset="0"/>
-                      </a:endParaRPr>
                     </a:p>
                   </a:txBody>
-                  <a:tcPr marL="68580" marR="68580" marT="0" marB="0"/>
+                  <a:tcPr/>
                 </a:tc>
                 <a:tc>
                   <a:txBody>
                     <a:bodyPr/>
                     <a:lstStyle/>
                     <a:p>
-                      <a:pPr>
-                        <a:lnSpc>
-                          <a:spcPct val="107000"/>
-                        </a:lnSpc>
-                        <a:spcAft>
-                          <a:spcPts val="800"/>
-                        </a:spcAft>
+                      <a:r>
+                        <a:rPr lang="es-ES" sz="1000" dirty="0"/>
+                        <a:t>Escenarios: </a:t>
+                      </a:r>
+                    </a:p>
+                    <a:p>
+                      <a:pPr marL="171450" indent="-171450">
+                        <a:buFont typeface="Arial" panose="020B0604020202020204" pitchFamily="34" charset="0"/>
+                        <a:buChar char="•"/>
                       </a:pPr>
                       <a:r>
-                        <a:rPr lang="es-419" sz="1400" dirty="0">
-                          <a:effectLst/>
-                        </a:rPr>
-                        <a:t>ESCENARIOS: Poder escoger el producto, mirar las formas de pago y realizar el pago.  </a:t>
-                      </a:r>
-                      <a:endParaRPr lang="es-CO" sz="1400" dirty="0">
-                        <a:effectLst/>
-                      </a:endParaRPr>
-                    </a:p>
-                    <a:p>
-                      <a:pPr>
-                        <a:lnSpc>
-                          <a:spcPct val="107000"/>
-                        </a:lnSpc>
-                        <a:spcAft>
-                          <a:spcPts val="800"/>
-                        </a:spcAft>
+                        <a:rPr lang="es-ES" sz="1000" dirty="0"/>
+                        <a:t>Que se genere un stock para poder visualizar los productos que estén en venta</a:t>
+                      </a:r>
+                    </a:p>
+                    <a:p>
+                      <a:pPr marL="171450" indent="-171450">
+                        <a:buFont typeface="Arial" panose="020B0604020202020204" pitchFamily="34" charset="0"/>
+                        <a:buChar char="•"/>
                       </a:pPr>
                       <a:r>
-                        <a:rPr lang="es-419" sz="1400" dirty="0">
-                          <a:effectLst/>
-                        </a:rPr>
-                        <a:t>Necesitamos: Los métodos de pago, seleccionar el producto y hacer la compra.   </a:t>
-                      </a:r>
-                      <a:endParaRPr lang="es-CO" sz="1400" dirty="0">
-                        <a:effectLst/>
-                      </a:endParaRPr>
+                        <a:rPr lang="es-ES" sz="1000" dirty="0"/>
+                        <a:t>Que se pueda hacer la compra de un producto dependiendo de la cantidad y el precio   </a:t>
+                      </a:r>
+                    </a:p>
+                    <a:p>
+                      <a:r>
+                        <a:rPr lang="es-ES" sz="1000" b="1" dirty="0"/>
+                        <a:t>Necesitamos</a:t>
+                      </a:r>
+                      <a:r>
+                        <a:rPr lang="es-ES" sz="1000" dirty="0"/>
+                        <a:t>:</a:t>
+                      </a:r>
+                    </a:p>
+                    <a:p>
+                      <a:r>
+                        <a:rPr lang="es-ES" sz="1000" dirty="0"/>
+                        <a:t>Contar con los productos actuales en venta </a:t>
+                      </a:r>
+                      <a:endParaRPr lang="es-CO" sz="1000" dirty="0"/>
                     </a:p>
                   </a:txBody>
-                  <a:tcPr marL="68580" marR="68580" marT="0" marB="0"/>
+                  <a:tcPr/>
                 </a:tc>
                 <a:extLst>
                   <a:ext uri="{0D108BD9-81ED-4DB2-BD59-A6C34878D82A}">
-                    <a16:rowId xmlns:a16="http://schemas.microsoft.com/office/drawing/2014/main" val="3779118241"/>
+                    <a16:rowId xmlns:a16="http://schemas.microsoft.com/office/drawing/2014/main" val="4084501124"/>
                   </a:ext>
                 </a:extLst>
               </a:tr>
-              <a:tr h="1528835">
+              <a:tr h="1458917">
                 <a:tc>
                   <a:txBody>
                     <a:bodyPr/>
                     <a:lstStyle/>
                     <a:p>
-                      <a:pPr>
-                        <a:lnSpc>
-                          <a:spcPct val="107000"/>
-                        </a:lnSpc>
-                        <a:spcAft>
-                          <a:spcPts val="800"/>
-                        </a:spcAft>
-                      </a:pPr>
-                      <a:r>
-                        <a:rPr lang="es-419" sz="1400" dirty="0">
-                          <a:effectLst/>
+                      <a:r>
+                        <a:rPr lang="es-ES" sz="1000" dirty="0">
+                          <a:solidFill>
+                            <a:schemeClr val="bg1"/>
+                          </a:solidFill>
                         </a:rPr>
-                        <a:t>US007</a:t>
-                      </a:r>
-                      <a:endParaRPr lang="es-CO" sz="1400" dirty="0">
-                        <a:effectLst/>
-                        <a:latin typeface="Calibri" panose="020F0502020204030204" pitchFamily="34" charset="0"/>
-                        <a:ea typeface="Calibri" panose="020F0502020204030204" pitchFamily="34" charset="0"/>
-                        <a:cs typeface="Times New Roman" panose="02020603050405020304" pitchFamily="18" charset="0"/>
+                        <a:t>US003</a:t>
+                      </a:r>
+                      <a:endParaRPr lang="es-CO" sz="1000" dirty="0">
+                        <a:solidFill>
+                          <a:schemeClr val="bg1"/>
+                        </a:solidFill>
                       </a:endParaRPr>
                     </a:p>
                   </a:txBody>
-                  <a:tcPr marL="68580" marR="68580" marT="0" marB="0">
+                  <a:tcPr>
                     <a:solidFill>
                       <a:schemeClr val="accent6"/>
                     </a:solidFill>
@@ -9404,145 +9427,115 @@
                     <a:bodyPr/>
                     <a:lstStyle/>
                     <a:p>
-                      <a:pPr>
-                        <a:lnSpc>
-                          <a:spcPct val="107000"/>
-                        </a:lnSpc>
-                        <a:spcAft>
-                          <a:spcPts val="800"/>
-                        </a:spcAft>
-                      </a:pPr>
-                      <a:r>
-                        <a:rPr lang="es-419" sz="1400" dirty="0">
-                          <a:effectLst/>
-                        </a:rPr>
+                      <a:r>
+                        <a:rPr lang="es-ES" sz="1000" dirty="0"/>
                         <a:t>CU007</a:t>
                       </a:r>
-                      <a:endParaRPr lang="es-CO" sz="1400" dirty="0">
-                        <a:effectLst/>
-                        <a:latin typeface="Calibri" panose="020F0502020204030204" pitchFamily="34" charset="0"/>
-                        <a:ea typeface="Calibri" panose="020F0502020204030204" pitchFamily="34" charset="0"/>
-                        <a:cs typeface="Times New Roman" panose="02020603050405020304" pitchFamily="18" charset="0"/>
-                      </a:endParaRPr>
+                      <a:endParaRPr lang="es-CO" sz="1000" dirty="0"/>
                     </a:p>
                   </a:txBody>
-                  <a:tcPr marL="68580" marR="68580" marT="0" marB="0"/>
+                  <a:tcPr/>
                 </a:tc>
                 <a:tc>
                   <a:txBody>
                     <a:bodyPr/>
                     <a:lstStyle/>
                     <a:p>
-                      <a:pPr>
-                        <a:lnSpc>
-                          <a:spcPct val="107000"/>
-                        </a:lnSpc>
-                        <a:spcAft>
-                          <a:spcPts val="800"/>
-                        </a:spcAft>
-                      </a:pPr>
-                      <a:r>
-                        <a:rPr lang="es-MX" sz="1400" dirty="0">
-                          <a:effectLst/>
-                          <a:latin typeface="Calibri" panose="020F0502020204030204" pitchFamily="34" charset="0"/>
-                          <a:ea typeface="Calibri" panose="020F0502020204030204" pitchFamily="34" charset="0"/>
-                          <a:cs typeface="Times New Roman" panose="02020603050405020304" pitchFamily="18" charset="0"/>
-                        </a:rPr>
-                        <a:t>COMO cliente NESECITO poder reservar turnos </a:t>
-                      </a:r>
-                      <a:endParaRPr lang="es-CO" sz="1400" dirty="0">
-                        <a:effectLst/>
-                        <a:latin typeface="Calibri" panose="020F0502020204030204" pitchFamily="34" charset="0"/>
-                        <a:ea typeface="Calibri" panose="020F0502020204030204" pitchFamily="34" charset="0"/>
-                        <a:cs typeface="Times New Roman" panose="02020603050405020304" pitchFamily="18" charset="0"/>
-                      </a:endParaRPr>
+                      <a:r>
+                        <a:rPr lang="pt-BR" sz="1000" dirty="0"/>
+                        <a:t>COMO cliente NESECITO poder tener una opcion para hacer las reservas de turnos </a:t>
+                      </a:r>
                     </a:p>
                   </a:txBody>
-                  <a:tcPr marL="68580" marR="68580" marT="0" marB="0"/>
+                  <a:tcPr/>
                 </a:tc>
                 <a:tc>
                   <a:txBody>
                     <a:bodyPr/>
                     <a:lstStyle/>
                     <a:p>
-                      <a:pPr>
-                        <a:lnSpc>
-                          <a:spcPct val="107000"/>
-                        </a:lnSpc>
-                        <a:spcAft>
-                          <a:spcPts val="800"/>
-                        </a:spcAft>
+                      <a:r>
+                        <a:rPr lang="es-ES" sz="1000" dirty="0"/>
+                        <a:t>Escenarios: </a:t>
+                      </a:r>
+                    </a:p>
+                    <a:p>
+                      <a:pPr marL="285750" indent="-285750">
+                        <a:buFont typeface="Arial" panose="020B0604020202020204" pitchFamily="34" charset="0"/>
+                        <a:buChar char="•"/>
                       </a:pPr>
                       <a:r>
-                        <a:rPr lang="es-419" sz="1400" dirty="0">
-                          <a:effectLst/>
-                        </a:rPr>
-                        <a:t>ESCENARIOS: Poder tener un apartado para saber la disponibilidad de barberos y poder reservar los turnos. </a:t>
-                      </a:r>
-                      <a:endParaRPr lang="es-CO" sz="1400" dirty="0">
-                        <a:effectLst/>
-                      </a:endParaRPr>
-                    </a:p>
-                    <a:p>
-                      <a:pPr>
-                        <a:lnSpc>
-                          <a:spcPct val="107000"/>
-                        </a:lnSpc>
-                        <a:spcAft>
-                          <a:spcPts val="800"/>
-                        </a:spcAft>
+                        <a:rPr lang="es-ES" sz="1000" dirty="0"/>
+                        <a:t>Se pueda generar una reserva a partir de los horarios disponibles</a:t>
+                      </a:r>
+                    </a:p>
+                    <a:p>
+                      <a:pPr marL="285750" indent="-285750">
+                        <a:buFont typeface="Arial" panose="020B0604020202020204" pitchFamily="34" charset="0"/>
+                        <a:buChar char="•"/>
                       </a:pPr>
                       <a:r>
-                        <a:rPr lang="es-419" sz="1400" dirty="0">
-                          <a:effectLst/>
-                        </a:rPr>
-                        <a:t>Necesitamos: Seleccionar fecha y hora que estén disponibles, corte que desea y barbero de confianza o en disponibilidad.</a:t>
-                      </a:r>
-                      <a:endParaRPr lang="es-CO" sz="1400" dirty="0">
-                        <a:effectLst/>
-                      </a:endParaRPr>
+                        <a:rPr lang="es-ES" sz="1000" dirty="0"/>
+                        <a:t>Poder saber la disponibilidad de los barberos y así poder generar la reserva </a:t>
+                      </a:r>
+                    </a:p>
+                    <a:p>
+                      <a:pPr marL="285750" indent="-285750">
+                        <a:buFont typeface="Arial" panose="020B0604020202020204" pitchFamily="34" charset="0"/>
+                        <a:buChar char="•"/>
+                      </a:pPr>
+                      <a:r>
+                        <a:rPr lang="es-ES" sz="1000" dirty="0"/>
+                        <a:t>Asignar el corte que requiere </a:t>
+                      </a:r>
+                    </a:p>
+                    <a:p>
+                      <a:r>
+                        <a:rPr lang="es-ES" sz="1000" b="1" dirty="0"/>
+                        <a:t>Necesitamos</a:t>
+                      </a:r>
+                      <a:r>
+                        <a:rPr lang="es-ES" sz="1000" dirty="0"/>
+                        <a:t>:</a:t>
+                      </a:r>
+                    </a:p>
+                    <a:p>
+                      <a:r>
+                        <a:rPr lang="es-ES" sz="1000" dirty="0"/>
+                        <a:t> Seleccionar la fecha, hora y día que este disponible, corte a realizar el barbero el cual desea o este disponible  </a:t>
+                      </a:r>
                     </a:p>
                   </a:txBody>
-                  <a:tcPr marL="68580" marR="68580" marT="0" marB="0"/>
+                  <a:tcPr/>
                 </a:tc>
                 <a:extLst>
                   <a:ext uri="{0D108BD9-81ED-4DB2-BD59-A6C34878D82A}">
-                    <a16:rowId xmlns:a16="http://schemas.microsoft.com/office/drawing/2014/main" val="2426386373"/>
+                    <a16:rowId xmlns:a16="http://schemas.microsoft.com/office/drawing/2014/main" val="4177710064"/>
                   </a:ext>
                 </a:extLst>
               </a:tr>
-              <a:tr h="1287878">
+              <a:tr h="899277">
                 <a:tc>
                   <a:txBody>
                     <a:bodyPr/>
                     <a:lstStyle/>
                     <a:p>
-                      <a:pPr>
-                        <a:lnSpc>
-                          <a:spcPct val="107000"/>
-                        </a:lnSpc>
-                        <a:spcAft>
-                          <a:spcPts val="800"/>
-                        </a:spcAft>
-                      </a:pPr>
-                      <a:r>
-                        <a:rPr lang="es-MX" sz="1400" dirty="0">
-                          <a:effectLst/>
-                          <a:latin typeface="Calibri" panose="020F0502020204030204" pitchFamily="34" charset="0"/>
-                          <a:ea typeface="Calibri" panose="020F0502020204030204" pitchFamily="34" charset="0"/>
-                          <a:cs typeface="Times New Roman" panose="02020603050405020304" pitchFamily="18" charset="0"/>
+                      <a:r>
+                        <a:rPr lang="es-ES" sz="1000" dirty="0">
+                          <a:solidFill>
+                            <a:schemeClr val="bg1"/>
+                          </a:solidFill>
                         </a:rPr>
-                        <a:t>US008</a:t>
-                      </a:r>
-                      <a:endParaRPr lang="es-CO" sz="1400" dirty="0">
-                        <a:effectLst/>
-                        <a:latin typeface="Calibri" panose="020F0502020204030204" pitchFamily="34" charset="0"/>
-                        <a:ea typeface="Calibri" panose="020F0502020204030204" pitchFamily="34" charset="0"/>
-                        <a:cs typeface="Times New Roman" panose="02020603050405020304" pitchFamily="18" charset="0"/>
+                        <a:t>US004</a:t>
+                      </a:r>
+                      <a:endParaRPr lang="es-CO" sz="1000" dirty="0">
+                        <a:solidFill>
+                          <a:schemeClr val="bg1"/>
+                        </a:solidFill>
                       </a:endParaRPr>
                     </a:p>
                   </a:txBody>
-                  <a:tcPr marL="68580" marR="68580" marT="0" marB="0">
+                  <a:tcPr>
                     <a:solidFill>
                       <a:schemeClr val="accent6"/>
                     </a:solidFill>
@@ -9553,145 +9546,135 @@
                     <a:bodyPr/>
                     <a:lstStyle/>
                     <a:p>
-                      <a:pPr>
-                        <a:lnSpc>
-                          <a:spcPct val="107000"/>
-                        </a:lnSpc>
-                        <a:spcAft>
-                          <a:spcPts val="800"/>
-                        </a:spcAft>
-                      </a:pPr>
-                      <a:r>
-                        <a:rPr lang="es-MX" sz="1400" dirty="0">
-                          <a:effectLst/>
-                          <a:latin typeface="Calibri" panose="020F0502020204030204" pitchFamily="34" charset="0"/>
-                          <a:ea typeface="Calibri" panose="020F0502020204030204" pitchFamily="34" charset="0"/>
-                          <a:cs typeface="Times New Roman" panose="02020603050405020304" pitchFamily="18" charset="0"/>
-                        </a:rPr>
+                      <a:r>
+                        <a:rPr lang="es-ES" sz="1000" dirty="0"/>
                         <a:t>CU008</a:t>
                       </a:r>
-                      <a:endParaRPr lang="es-CO" sz="1400" dirty="0">
-                        <a:effectLst/>
-                        <a:latin typeface="Calibri" panose="020F0502020204030204" pitchFamily="34" charset="0"/>
-                        <a:ea typeface="Calibri" panose="020F0502020204030204" pitchFamily="34" charset="0"/>
-                        <a:cs typeface="Times New Roman" panose="02020603050405020304" pitchFamily="18" charset="0"/>
-                      </a:endParaRPr>
+                      <a:endParaRPr lang="es-CO" sz="1000" dirty="0"/>
                     </a:p>
                   </a:txBody>
-                  <a:tcPr marL="68580" marR="68580" marT="0" marB="0"/>
+                  <a:tcPr/>
                 </a:tc>
                 <a:tc>
                   <a:txBody>
                     <a:bodyPr/>
                     <a:lstStyle/>
                     <a:p>
-                      <a:pPr>
-                        <a:lnSpc>
-                          <a:spcPct val="107000"/>
-                        </a:lnSpc>
-                        <a:spcAft>
-                          <a:spcPts val="800"/>
-                        </a:spcAft>
-                      </a:pPr>
-                      <a:r>
-                        <a:rPr lang="es-MX" sz="1400" dirty="0">
-                          <a:effectLst/>
-                          <a:latin typeface="Calibri" panose="020F0502020204030204" pitchFamily="34" charset="0"/>
-                          <a:ea typeface="Calibri" panose="020F0502020204030204" pitchFamily="34" charset="0"/>
-                          <a:cs typeface="Times New Roman" panose="02020603050405020304" pitchFamily="18" charset="0"/>
-                        </a:rPr>
+                      <a:r>
+                        <a:rPr lang="es-MX" sz="1000" dirty="0"/>
                         <a:t>COMO cliente NESECITO poder registrarme en el sistema </a:t>
                       </a:r>
-                      <a:endParaRPr lang="es-CO" sz="1400" dirty="0">
-                        <a:effectLst/>
-                        <a:latin typeface="Calibri" panose="020F0502020204030204" pitchFamily="34" charset="0"/>
-                        <a:ea typeface="Calibri" panose="020F0502020204030204" pitchFamily="34" charset="0"/>
-                        <a:cs typeface="Times New Roman" panose="02020603050405020304" pitchFamily="18" charset="0"/>
-                      </a:endParaRPr>
                     </a:p>
                   </a:txBody>
-                  <a:tcPr marL="68580" marR="68580" marT="0" marB="0"/>
+                  <a:tcPr/>
                 </a:tc>
                 <a:tc>
                   <a:txBody>
                     <a:bodyPr/>
                     <a:lstStyle/>
                     <a:p>
-                      <a:pPr>
+                      <a:r>
+                        <a:rPr lang="es-ES" sz="1000" dirty="0"/>
+                        <a:t>Escenarios: </a:t>
+                      </a:r>
+                    </a:p>
+                    <a:p>
+                      <a:pPr marL="171450" indent="-171450">
+                        <a:buFont typeface="Arial" panose="020B0604020202020204" pitchFamily="34" charset="0"/>
+                        <a:buChar char="•"/>
+                      </a:pPr>
+                      <a:r>
+                        <a:rPr lang="es-ES" sz="1000" b="0" dirty="0"/>
+                        <a:t>Que se pueda registrar con los datos requeridos</a:t>
+                      </a:r>
+                    </a:p>
+                    <a:p>
+                      <a:pPr marL="171450" indent="-171450">
+                        <a:buFont typeface="Arial" panose="020B0604020202020204" pitchFamily="34" charset="0"/>
+                        <a:buChar char="•"/>
+                      </a:pPr>
+                      <a:r>
+                        <a:rPr lang="es-ES" sz="1000" b="0" dirty="0"/>
+                        <a:t>Cuando ya este registrado pueda hacer su sesión con los mismos datos  </a:t>
+                      </a:r>
+                      <a:endParaRPr lang="es-ES" sz="1000" b="1" dirty="0"/>
+                    </a:p>
+                    <a:p>
+                      <a:pPr marL="0" indent="0">
+                        <a:buFont typeface="Arial" panose="020B0604020202020204" pitchFamily="34" charset="0"/>
+                        <a:buNone/>
+                      </a:pPr>
+                      <a:r>
+                        <a:rPr lang="es-ES" sz="1000" b="1" dirty="0"/>
+                        <a:t>Necesitamos</a:t>
+                      </a:r>
+                      <a:r>
+                        <a:rPr lang="es-ES" sz="1000" dirty="0"/>
+                        <a:t>:</a:t>
+                      </a:r>
+                    </a:p>
+                    <a:p>
+                      <a:pPr marL="0" marR="0" lvl="0" indent="0" algn="l" defTabSz="914400" rtl="0" eaLnBrk="1" fontAlgn="auto" latinLnBrk="0" hangingPunct="1">
                         <a:lnSpc>
-                          <a:spcPct val="107000"/>
+                          <a:spcPct val="100000"/>
                         </a:lnSpc>
+                        <a:spcBef>
+                          <a:spcPts val="0"/>
+                        </a:spcBef>
                         <a:spcAft>
-                          <a:spcPts val="800"/>
+                          <a:spcPts val="0"/>
                         </a:spcAft>
+                        <a:buClrTx/>
+                        <a:buSzTx/>
+                        <a:buFontTx/>
+                        <a:buNone/>
+                        <a:tabLst/>
+                        <a:defRPr/>
                       </a:pPr>
                       <a:r>
-                        <a:rPr lang="es-MX" sz="1400" dirty="0">
+                        <a:rPr lang="es-MX" sz="1000" dirty="0">
                           <a:effectLst/>
                         </a:rPr>
-                        <a:t>ESCENARIOS: Que se pueda registrar un usuario proporcionando su información personal .</a:t>
-                      </a:r>
-                    </a:p>
-                    <a:p>
-                      <a:pPr>
-                        <a:lnSpc>
-                          <a:spcPct val="107000"/>
-                        </a:lnSpc>
-                        <a:spcAft>
-                          <a:spcPts val="800"/>
-                        </a:spcAft>
-                      </a:pPr>
-                      <a:r>
-                        <a:rPr lang="es-MX" sz="1400" dirty="0">
-                          <a:effectLst/>
-                        </a:rPr>
-                        <a:t>Necesitamos Nombre de usuario, fecha de nacimiento, correo electrónico, contraseña.</a:t>
-                      </a:r>
-                      <a:endParaRPr lang="es-CO" sz="1400" dirty="0">
+                        <a:t>Nombre de usuario, fecha de nacimiento, correo electrónico, contraseña.</a:t>
+                      </a:r>
+                      <a:endParaRPr lang="es-CO" sz="1000" dirty="0">
                         <a:effectLst/>
                       </a:endParaRPr>
                     </a:p>
+                    <a:p>
+                      <a:endParaRPr lang="es-CO" sz="1000" dirty="0"/>
+                    </a:p>
                   </a:txBody>
-                  <a:tcPr marL="68580" marR="68580" marT="0" marB="0"/>
+                  <a:tcPr/>
                 </a:tc>
                 <a:extLst>
                   <a:ext uri="{0D108BD9-81ED-4DB2-BD59-A6C34878D82A}">
-                    <a16:rowId xmlns:a16="http://schemas.microsoft.com/office/drawing/2014/main" val="2015189317"/>
+                    <a16:rowId xmlns:a16="http://schemas.microsoft.com/office/drawing/2014/main" val="3922010544"/>
                   </a:ext>
                 </a:extLst>
               </a:tr>
-              <a:tr h="1278270">
+              <a:tr h="899277">
                 <a:tc>
                   <a:txBody>
                     <a:bodyPr/>
                     <a:lstStyle/>
                     <a:p>
-                      <a:pPr>
-                        <a:lnSpc>
-                          <a:spcPct val="107000"/>
-                        </a:lnSpc>
-                        <a:spcAft>
-                          <a:spcPts val="800"/>
-                        </a:spcAft>
-                      </a:pPr>
-                      <a:r>
-                        <a:rPr lang="es-MX" sz="1400" dirty="0">
-                          <a:effectLst/>
-                          <a:latin typeface="Calibri" panose="020F0502020204030204" pitchFamily="34" charset="0"/>
-                          <a:ea typeface="Calibri" panose="020F0502020204030204" pitchFamily="34" charset="0"/>
-                          <a:cs typeface="Times New Roman" panose="02020603050405020304" pitchFamily="18" charset="0"/>
+                      <a:r>
+                        <a:rPr lang="es-ES" sz="1000" dirty="0">
+                          <a:solidFill>
+                            <a:schemeClr val="bg1"/>
+                          </a:solidFill>
                         </a:rPr>
-                        <a:t>US009</a:t>
-                      </a:r>
-                      <a:endParaRPr lang="es-CO" sz="1400" dirty="0">
-                        <a:effectLst/>
-                        <a:latin typeface="Calibri" panose="020F0502020204030204" pitchFamily="34" charset="0"/>
-                        <a:ea typeface="Calibri" panose="020F0502020204030204" pitchFamily="34" charset="0"/>
-                        <a:cs typeface="Times New Roman" panose="02020603050405020304" pitchFamily="18" charset="0"/>
+                        <a:t>US004</a:t>
+                      </a:r>
+                      <a:endParaRPr lang="es-CO" sz="1000" dirty="0">
+                        <a:solidFill>
+                          <a:schemeClr val="bg1"/>
+                        </a:solidFill>
                       </a:endParaRPr>
                     </a:p>
                   </a:txBody>
-                  <a:tcPr marL="68580" marR="68580" marT="0" marB="0">
+                  <a:tcPr>
                     <a:solidFill>
                       <a:schemeClr val="accent6"/>
                     </a:solidFill>
@@ -9702,110 +9685,117 @@
                     <a:bodyPr/>
                     <a:lstStyle/>
                     <a:p>
-                      <a:pPr>
-                        <a:lnSpc>
-                          <a:spcPct val="107000"/>
-                        </a:lnSpc>
-                        <a:spcAft>
-                          <a:spcPts val="800"/>
-                        </a:spcAft>
-                      </a:pPr>
-                      <a:r>
-                        <a:rPr lang="es-MX" sz="1400" dirty="0">
-                          <a:effectLst/>
-                          <a:latin typeface="Calibri" panose="020F0502020204030204" pitchFamily="34" charset="0"/>
-                          <a:ea typeface="Calibri" panose="020F0502020204030204" pitchFamily="34" charset="0"/>
-                          <a:cs typeface="Times New Roman" panose="02020603050405020304" pitchFamily="18" charset="0"/>
-                        </a:rPr>
-                        <a:t>CU009</a:t>
-                      </a:r>
-                      <a:endParaRPr lang="es-CO" sz="1400" dirty="0">
-                        <a:effectLst/>
-                        <a:latin typeface="Calibri" panose="020F0502020204030204" pitchFamily="34" charset="0"/>
-                        <a:ea typeface="Calibri" panose="020F0502020204030204" pitchFamily="34" charset="0"/>
-                        <a:cs typeface="Times New Roman" panose="02020603050405020304" pitchFamily="18" charset="0"/>
-                      </a:endParaRPr>
+                      <a:r>
+                        <a:rPr lang="es-ES" sz="1000" dirty="0"/>
+                        <a:t>CU008</a:t>
+                      </a:r>
+                      <a:endParaRPr lang="es-CO" sz="1000" dirty="0"/>
                     </a:p>
                   </a:txBody>
-                  <a:tcPr marL="68580" marR="68580" marT="0" marB="0"/>
+                  <a:tcPr/>
                 </a:tc>
                 <a:tc>
                   <a:txBody>
                     <a:bodyPr/>
                     <a:lstStyle/>
                     <a:p>
-                      <a:pPr>
-                        <a:lnSpc>
-                          <a:spcPct val="107000"/>
-                        </a:lnSpc>
-                        <a:spcAft>
-                          <a:spcPts val="800"/>
-                        </a:spcAft>
-                      </a:pPr>
-                      <a:r>
-                        <a:rPr lang="es-MX" sz="1400" dirty="0">
-                          <a:effectLst/>
-                          <a:latin typeface="Calibri" panose="020F0502020204030204" pitchFamily="34" charset="0"/>
-                          <a:ea typeface="Calibri" panose="020F0502020204030204" pitchFamily="34" charset="0"/>
-                          <a:cs typeface="Times New Roman" panose="02020603050405020304" pitchFamily="18" charset="0"/>
-                        </a:rPr>
-                        <a:t>COMO cliente NECESITO agregar productos al carrito de compras</a:t>
-                      </a:r>
-                      <a:endParaRPr lang="es-CO" sz="1400" dirty="0">
-                        <a:effectLst/>
-                        <a:latin typeface="Calibri" panose="020F0502020204030204" pitchFamily="34" charset="0"/>
-                        <a:ea typeface="Calibri" panose="020F0502020204030204" pitchFamily="34" charset="0"/>
-                        <a:cs typeface="Times New Roman" panose="02020603050405020304" pitchFamily="18" charset="0"/>
-                      </a:endParaRPr>
+                      <a:r>
+                        <a:rPr lang="es-MX" sz="1000" dirty="0"/>
+                        <a:t>COMO cliente NESECITO agregar productos al carrito de compras</a:t>
+                      </a:r>
                     </a:p>
                   </a:txBody>
-                  <a:tcPr marL="68580" marR="68580" marT="0" marB="0"/>
+                  <a:tcPr/>
                 </a:tc>
                 <a:tc>
                   <a:txBody>
                     <a:bodyPr/>
                     <a:lstStyle/>
                     <a:p>
-                      <a:pPr>
+                      <a:r>
+                        <a:rPr lang="es-ES" sz="1000" dirty="0"/>
+                        <a:t>Escenarios: </a:t>
+                      </a:r>
+                    </a:p>
+                    <a:p>
+                      <a:pPr marL="171450" indent="-171450">
+                        <a:buFont typeface="Arial" panose="020B0604020202020204" pitchFamily="34" charset="0"/>
+                        <a:buChar char="•"/>
+                      </a:pPr>
+                      <a:r>
+                        <a:rPr lang="es-ES" sz="1000" b="0" dirty="0"/>
+                        <a:t>Poder agregar productos de preferencia </a:t>
+                      </a:r>
+                    </a:p>
+                    <a:p>
+                      <a:pPr marL="171450" indent="-171450">
+                        <a:buFont typeface="Arial" panose="020B0604020202020204" pitchFamily="34" charset="0"/>
+                        <a:buChar char="•"/>
+                      </a:pPr>
+                      <a:r>
+                        <a:rPr lang="es-ES" sz="1000" b="0" dirty="0"/>
+                        <a:t>Que los productos agregados se almacenen en el carrito </a:t>
+                      </a:r>
+                    </a:p>
+                    <a:p>
+                      <a:pPr marL="171450" indent="-171450">
+                        <a:buFont typeface="Arial" panose="020B0604020202020204" pitchFamily="34" charset="0"/>
+                        <a:buChar char="•"/>
+                      </a:pPr>
+                      <a:r>
+                        <a:rPr lang="es-ES" sz="1000" b="0" dirty="0"/>
+                        <a:t>Que se pueda comprar dentro del carrito de compras</a:t>
+                      </a:r>
+                      <a:endParaRPr lang="es-ES" sz="1000" b="1" dirty="0"/>
+                    </a:p>
+                    <a:p>
+                      <a:pPr marL="0" indent="0">
+                        <a:buFont typeface="Arial" panose="020B0604020202020204" pitchFamily="34" charset="0"/>
+                        <a:buNone/>
+                      </a:pPr>
+                      <a:r>
+                        <a:rPr lang="es-ES" sz="1000" b="1" dirty="0"/>
+                        <a:t>Necesitamos</a:t>
+                      </a:r>
+                      <a:r>
+                        <a:rPr lang="es-ES" sz="1000" dirty="0"/>
+                        <a:t>:</a:t>
+                      </a:r>
+                    </a:p>
+                    <a:p>
+                      <a:pPr marL="0" marR="0" lvl="0" indent="0" algn="l" defTabSz="914400" rtl="0" eaLnBrk="1" fontAlgn="auto" latinLnBrk="0" hangingPunct="1">
                         <a:lnSpc>
-                          <a:spcPct val="107000"/>
+                          <a:spcPct val="100000"/>
                         </a:lnSpc>
+                        <a:spcBef>
+                          <a:spcPts val="0"/>
+                        </a:spcBef>
                         <a:spcAft>
-                          <a:spcPts val="800"/>
+                          <a:spcPts val="0"/>
                         </a:spcAft>
+                        <a:buClrTx/>
+                        <a:buSzTx/>
+                        <a:buFontTx/>
+                        <a:buNone/>
+                        <a:tabLst/>
+                        <a:defRPr/>
                       </a:pPr>
                       <a:r>
-                        <a:rPr lang="es-MX" sz="1400" dirty="0">
+                        <a:rPr lang="es-MX" sz="1000" dirty="0">
                           <a:effectLst/>
                         </a:rPr>
-                        <a:t>ESCENARIOS: Como usuario poder agregar productos de preferencia o que quiera comprar después.</a:t>
-                      </a:r>
-                    </a:p>
-                    <a:p>
-                      <a:pPr>
-                        <a:lnSpc>
-                          <a:spcPct val="107000"/>
-                        </a:lnSpc>
-                        <a:spcAft>
-                          <a:spcPts val="800"/>
-                        </a:spcAft>
-                      </a:pPr>
-                      <a:r>
-                        <a:rPr lang="es-MX" sz="1400" dirty="0">
-                          <a:effectLst/>
-                        </a:rPr>
-                        <a:t>Necesitamos: Seleccionar producto y la cantidad </a:t>
-                      </a:r>
-                      <a:endParaRPr lang="es-CO" sz="1400" dirty="0">
+                        <a:t>Seleccionar los productos y la cantidad.</a:t>
+                      </a:r>
+                      <a:endParaRPr lang="es-CO" sz="1000" dirty="0">
                         <a:effectLst/>
                       </a:endParaRPr>
                     </a:p>
                   </a:txBody>
-                  <a:tcPr marL="68580" marR="68580" marT="0" marB="0"/>
+                  <a:tcPr/>
                 </a:tc>
                 <a:extLst>
                   <a:ext uri="{0D108BD9-81ED-4DB2-BD59-A6C34878D82A}">
-                    <a16:rowId xmlns:a16="http://schemas.microsoft.com/office/drawing/2014/main" val="3954540753"/>
+                    <a16:rowId xmlns:a16="http://schemas.microsoft.com/office/drawing/2014/main" val="1982062746"/>
                   </a:ext>
                 </a:extLst>
               </a:tr>

--- a/Entregables Proyecto B.pptx
+++ b/Entregables Proyecto B.pptx
@@ -9058,7 +9058,7 @@
           <p:nvPr>
             <p:extLst>
               <p:ext uri="{D42A27DB-BD31-4B8C-83A1-F6EECF244321}">
-                <p14:modId xmlns:p14="http://schemas.microsoft.com/office/powerpoint/2010/main" val="499253288"/>
+                <p14:modId xmlns:p14="http://schemas.microsoft.com/office/powerpoint/2010/main" val="1803726200"/>
               </p:ext>
             </p:extLst>
           </p:nvPr>
@@ -9333,7 +9333,7 @@
                     <a:p>
                       <a:r>
                         <a:rPr lang="es-MX" sz="1000" dirty="0"/>
-                        <a:t>COMO cliente NESECITO poder hacer compras de productos </a:t>
+                        <a:t>COMO cliente NECESITO poder hacer compras de productos </a:t>
                       </a:r>
                     </a:p>
                   </a:txBody>
@@ -9443,7 +9443,7 @@
                     <a:p>
                       <a:r>
                         <a:rPr lang="pt-BR" sz="1000" dirty="0"/>
-                        <a:t>COMO cliente NESECITO poder tener una opcion para hacer las reservas de turnos </a:t>
+                        <a:t>COMO cliente NECESITO poder tener una opcion para hacer las reservas de turnos </a:t>
                       </a:r>
                     </a:p>
                   </a:txBody>
@@ -9562,7 +9562,7 @@
                     <a:p>
                       <a:r>
                         <a:rPr lang="es-MX" sz="1000" dirty="0"/>
-                        <a:t>COMO cliente NESECITO poder registrarme en el sistema </a:t>
+                        <a:t>COMO cliente NECESITO poder registrarme en el sistema </a:t>
                       </a:r>
                     </a:p>
                   </a:txBody>
@@ -9701,7 +9701,15 @@
                     <a:p>
                       <a:r>
                         <a:rPr lang="es-MX" sz="1000" dirty="0"/>
-                        <a:t>COMO cliente NESECITO agregar productos al carrito de compras</a:t>
+                        <a:t>COMO </a:t>
+                      </a:r>
+                      <a:r>
+                        <a:rPr lang="es-MX" sz="1000"/>
+                        <a:t>cliente NECESITO </a:t>
+                      </a:r>
+                      <a:r>
+                        <a:rPr lang="es-MX" sz="1000" dirty="0"/>
+                        <a:t>agregar productos al carrito de compras</a:t>
                       </a:r>
                     </a:p>
                   </a:txBody>

--- a/Entregables Proyecto B.pptx
+++ b/Entregables Proyecto B.pptx
@@ -5,10 +5,10 @@
     <p:sldMasterId id="2147483648" r:id="rId1"/>
   </p:sldMasterIdLst>
   <p:notesMasterIdLst>
-    <p:notesMasterId r:id="rId30"/>
+    <p:notesMasterId r:id="rId31"/>
   </p:notesMasterIdLst>
   <p:handoutMasterIdLst>
-    <p:handoutMasterId r:id="rId31"/>
+    <p:handoutMasterId r:id="rId32"/>
   </p:handoutMasterIdLst>
   <p:sldIdLst>
     <p:sldId id="538" r:id="rId2"/>
@@ -35,10 +35,11 @@
     <p:sldId id="562" r:id="rId23"/>
     <p:sldId id="559" r:id="rId24"/>
     <p:sldId id="564" r:id="rId25"/>
-    <p:sldId id="563" r:id="rId26"/>
-    <p:sldId id="561" r:id="rId27"/>
-    <p:sldId id="557" r:id="rId28"/>
-    <p:sldId id="531" r:id="rId29"/>
+    <p:sldId id="566" r:id="rId26"/>
+    <p:sldId id="563" r:id="rId27"/>
+    <p:sldId id="561" r:id="rId28"/>
+    <p:sldId id="557" r:id="rId29"/>
+    <p:sldId id="531" r:id="rId30"/>
   </p:sldIdLst>
   <p:sldSz cx="12192000" cy="6858000"/>
   <p:notesSz cx="6858000" cy="9144000"/>
@@ -8328,10 +8329,10 @@
       </p:grpSpPr>
       <p:graphicFrame>
         <p:nvGraphicFramePr>
-          <p:cNvPr id="5" name="Tabla 10">
-            <a:extLst>
-              <a:ext uri="{FF2B5EF4-FFF2-40B4-BE49-F238E27FC236}">
-                <a16:creationId xmlns:a16="http://schemas.microsoft.com/office/drawing/2014/main" id="{3CE3063F-ABF7-5258-1FE0-EE0DC5768AC2}"/>
+          <p:cNvPr id="2" name="Tabla 10">
+            <a:extLst>
+              <a:ext uri="{FF2B5EF4-FFF2-40B4-BE49-F238E27FC236}">
+                <a16:creationId xmlns:a16="http://schemas.microsoft.com/office/drawing/2014/main" id="{B8BE35A2-A6B2-6D08-99CA-BCCC40DE3C77}"/>
               </a:ext>
             </a:extLst>
           </p:cNvPr>
@@ -8341,14 +8342,14 @@
           <p:nvPr>
             <p:extLst>
               <p:ext uri="{D42A27DB-BD31-4B8C-83A1-F6EECF244321}">
-                <p14:modId xmlns:p14="http://schemas.microsoft.com/office/powerpoint/2010/main" val="976730481"/>
+                <p14:modId xmlns:p14="http://schemas.microsoft.com/office/powerpoint/2010/main" val="647504908"/>
               </p:ext>
             </p:extLst>
           </p:nvPr>
         </p:nvGraphicFramePr>
         <p:xfrm>
-          <a:off x="306181" y="119742"/>
-          <a:ext cx="10742759" cy="6618515"/>
+          <a:off x="440404" y="153298"/>
+          <a:ext cx="10742759" cy="6480443"/>
         </p:xfrm>
         <a:graphic>
           <a:graphicData uri="http://schemas.openxmlformats.org/drawingml/2006/table">
@@ -8526,7 +8527,7 @@
                     <a:lstStyle/>
                     <a:p>
                       <a:r>
-                        <a:rPr lang="es-ES" sz="1000" dirty="0"/>
+                        <a:rPr lang="es-MX" sz="1000" dirty="0"/>
                         <a:t>Escenarios:</a:t>
                       </a:r>
                     </a:p>
@@ -8536,8 +8537,28 @@
                         <a:buChar char="•"/>
                       </a:pPr>
                       <a:r>
-                        <a:rPr lang="es-ES" sz="1000" dirty="0"/>
-                        <a:t>Se pueda ingresar exitosamente con los datos requeridos en el login. </a:t>
+                        <a:rPr lang="es-MX" sz="1000" dirty="0"/>
+                        <a:t>Que se cuente con un botón de Inicio de Sesión el cual despliega un formulario que diga correo y contraseña</a:t>
+                      </a:r>
+                    </a:p>
+                    <a:p>
+                      <a:pPr marL="171450" indent="-171450">
+                        <a:buFont typeface="Arial" panose="020B0604020202020204" pitchFamily="34" charset="0"/>
+                        <a:buChar char="•"/>
+                      </a:pPr>
+                      <a:r>
+                        <a:rPr lang="es-MX" sz="1000" dirty="0"/>
+                        <a:t>El campo correo electrónico debe ser único </a:t>
+                      </a:r>
+                    </a:p>
+                    <a:p>
+                      <a:pPr marL="171450" indent="-171450">
+                        <a:buFont typeface="Arial" panose="020B0604020202020204" pitchFamily="34" charset="0"/>
+                        <a:buChar char="•"/>
+                      </a:pPr>
+                      <a:r>
+                        <a:rPr lang="es-MX" sz="1000" dirty="0"/>
+                        <a:t>La contraseña debe estar oculta con círculos negros y debe estar encriptada </a:t>
                       </a:r>
                     </a:p>
                     <a:p>
@@ -8627,7 +8648,7 @@
                     <a:lstStyle/>
                     <a:p>
                       <a:r>
-                        <a:rPr lang="es-ES" sz="1000" dirty="0"/>
+                        <a:rPr lang="es-MX" sz="1000" dirty="0"/>
                         <a:t>Escenarios: </a:t>
                       </a:r>
                     </a:p>
@@ -8637,8 +8658,8 @@
                         <a:buChar char="•"/>
                       </a:pPr>
                       <a:r>
-                        <a:rPr lang="es-ES" sz="1000" dirty="0"/>
-                        <a:t>Que se pueda recuperar usando los datos pedidos en el sistema</a:t>
+                        <a:rPr lang="es-MX" sz="1000" dirty="0"/>
+                        <a:t>Solicitar el cambio de contraseña</a:t>
                       </a:r>
                     </a:p>
                     <a:p>
@@ -8647,9 +8668,26 @@
                         <a:buChar char="•"/>
                       </a:pPr>
                       <a:r>
-                        <a:rPr lang="es-ES" sz="1000" dirty="0"/>
-                        <a:t>Cuando ya haya cambiado mi contraseña me deje ingresar correctamente las veces que vuelva a ingresar </a:t>
-                      </a:r>
+                        <a:rPr lang="es-MX" sz="1000" dirty="0"/>
+                        <a:t>Se  debe ingresar el correo en el cual desea recibir el código de recuperación </a:t>
+                      </a:r>
+                    </a:p>
+                    <a:p>
+                      <a:pPr marL="171450" indent="-171450">
+                        <a:buFont typeface="Arial" panose="020B0604020202020204" pitchFamily="34" charset="0"/>
+                        <a:buChar char="•"/>
+                      </a:pPr>
+                      <a:r>
+                        <a:rPr lang="es-MX" sz="1000" dirty="0"/>
+                        <a:t>Se ingresa el código y se hace el cambio de contraseña</a:t>
+                      </a:r>
+                    </a:p>
+                    <a:p>
+                      <a:pPr marL="171450" indent="-171450">
+                        <a:buFont typeface="Arial" panose="020B0604020202020204" pitchFamily="34" charset="0"/>
+                        <a:buChar char="•"/>
+                      </a:pPr>
+                      <a:endParaRPr lang="es-MX" sz="1000" dirty="0"/>
                     </a:p>
                     <a:p>
                       <a:r>
@@ -8859,7 +8897,7 @@
                       </a:pPr>
                       <a:r>
                         <a:rPr lang="es-ES" sz="1000" dirty="0"/>
-                        <a:t>Se pueda generar estadísticas de los productos vendidos </a:t>
+                        <a:t>Que se cuente con una opción de hacer estadísticas sobre los productos mas vendidos, menos vendidos y los no vendidos   </a:t>
                       </a:r>
                     </a:p>
                     <a:p>
@@ -8897,101 +8935,6 @@
                 <a:extLst>
                   <a:ext uri="{0D108BD9-81ED-4DB2-BD59-A6C34878D82A}">
                     <a16:rowId xmlns:a16="http://schemas.microsoft.com/office/drawing/2014/main" val="3864823895"/>
-                  </a:ext>
-                </a:extLst>
-              </a:tr>
-              <a:tr h="195646">
-                <a:tc>
-                  <a:txBody>
-                    <a:bodyPr/>
-                    <a:lstStyle/>
-                    <a:p>
-                      <a:r>
-                        <a:rPr lang="es-MX" sz="1000" dirty="0">
-                          <a:solidFill>
-                            <a:schemeClr val="bg1"/>
-                          </a:solidFill>
-                        </a:rPr>
-                        <a:t>US005</a:t>
-                      </a:r>
-                      <a:endParaRPr lang="es-CO" sz="1000" dirty="0">
-                        <a:solidFill>
-                          <a:schemeClr val="bg1"/>
-                        </a:solidFill>
-                      </a:endParaRPr>
-                    </a:p>
-                  </a:txBody>
-                  <a:tcPr>
-                    <a:solidFill>
-                      <a:schemeClr val="accent6"/>
-                    </a:solidFill>
-                  </a:tcPr>
-                </a:tc>
-                <a:tc>
-                  <a:txBody>
-                    <a:bodyPr/>
-                    <a:lstStyle/>
-                    <a:p>
-                      <a:r>
-                        <a:rPr lang="es-MX" sz="1000" dirty="0"/>
-                        <a:t>CU005</a:t>
-                      </a:r>
-                      <a:endParaRPr lang="es-CO" sz="1000" dirty="0"/>
-                    </a:p>
-                  </a:txBody>
-                  <a:tcPr/>
-                </a:tc>
-                <a:tc>
-                  <a:txBody>
-                    <a:bodyPr/>
-                    <a:lstStyle/>
-                    <a:p>
-                      <a:r>
-                        <a:rPr lang="es-MX" sz="1000" dirty="0"/>
-                        <a:t>COMO Administrador NECESITO actualizar la cantidad de productos que se encuentran disponibles en el inventario para tener un Stock real </a:t>
-                      </a:r>
-                      <a:endParaRPr lang="es-CO" sz="1000" dirty="0"/>
-                    </a:p>
-                  </a:txBody>
-                  <a:tcPr/>
-                </a:tc>
-                <a:tc>
-                  <a:txBody>
-                    <a:bodyPr/>
-                    <a:lstStyle/>
-                    <a:p>
-                      <a:r>
-                        <a:rPr lang="es-MX" sz="1000" dirty="0"/>
-                        <a:t>Escenarios:</a:t>
-                      </a:r>
-                    </a:p>
-                    <a:p>
-                      <a:pPr marL="171450" indent="-171450">
-                        <a:buFont typeface="Arial" panose="020B0604020202020204" pitchFamily="34" charset="0"/>
-                        <a:buChar char="•"/>
-                      </a:pPr>
-                      <a:r>
-                        <a:rPr lang="es-MX" sz="1000" dirty="0"/>
-                        <a:t>Que cuando se registre una venta se disminuya la cantidad del producto en el inventario y genere una alerta de esto</a:t>
-                      </a:r>
-                    </a:p>
-                    <a:p>
-                      <a:pPr marL="0" indent="0">
-                        <a:buFont typeface="Arial" panose="020B0604020202020204" pitchFamily="34" charset="0"/>
-                        <a:buNone/>
-                      </a:pPr>
-                      <a:r>
-                        <a:rPr lang="es-MX" sz="1000" dirty="0"/>
-                        <a:t>Necesitamos: nombre , precio y cantidades del producto vendido </a:t>
-                      </a:r>
-                      <a:endParaRPr lang="es-CO" sz="1000" dirty="0"/>
-                    </a:p>
-                  </a:txBody>
-                  <a:tcPr/>
-                </a:tc>
-                <a:extLst>
-                  <a:ext uri="{0D108BD9-81ED-4DB2-BD59-A6C34878D82A}">
-                    <a16:rowId xmlns:a16="http://schemas.microsoft.com/office/drawing/2014/main" val="2744033250"/>
                   </a:ext>
                 </a:extLst>
               </a:tr>
@@ -9045,10 +8988,10 @@
       </p:grpSpPr>
       <p:graphicFrame>
         <p:nvGraphicFramePr>
-          <p:cNvPr id="2" name="Tabla 1">
-            <a:extLst>
-              <a:ext uri="{FF2B5EF4-FFF2-40B4-BE49-F238E27FC236}">
-                <a16:creationId xmlns:a16="http://schemas.microsoft.com/office/drawing/2014/main" id="{7C111445-25DE-8A82-90FB-22E1CC569841}"/>
+          <p:cNvPr id="3" name="Tabla 2">
+            <a:extLst>
+              <a:ext uri="{FF2B5EF4-FFF2-40B4-BE49-F238E27FC236}">
+                <a16:creationId xmlns:a16="http://schemas.microsoft.com/office/drawing/2014/main" id="{328536D4-C322-8EF0-74B9-117DC85DE224}"/>
               </a:ext>
             </a:extLst>
           </p:cNvPr>
@@ -9058,14 +9001,14 @@
           <p:nvPr>
             <p:extLst>
               <p:ext uri="{D42A27DB-BD31-4B8C-83A1-F6EECF244321}">
-                <p14:modId xmlns:p14="http://schemas.microsoft.com/office/powerpoint/2010/main" val="1803726200"/>
+                <p14:modId xmlns:p14="http://schemas.microsoft.com/office/powerpoint/2010/main" val="2841928117"/>
               </p:ext>
             </p:extLst>
           </p:nvPr>
         </p:nvGraphicFramePr>
         <p:xfrm>
-          <a:off x="317824" y="0"/>
-          <a:ext cx="10742759" cy="6853877"/>
+          <a:off x="359769" y="201336"/>
+          <a:ext cx="10742759" cy="6309360"/>
         </p:xfrm>
         <a:graphic>
           <a:graphicData uri="http://schemas.openxmlformats.org/drawingml/2006/table">
@@ -9115,7 +9058,7 @@
                             <a:schemeClr val="bg1"/>
                           </a:solidFill>
                         </a:rPr>
-                        <a:t>US001</a:t>
+                        <a:t>US005</a:t>
                       </a:r>
                       <a:endParaRPr lang="es-CO" sz="1000" dirty="0">
                         <a:solidFill>
@@ -9213,7 +9156,7 @@
                             <a:schemeClr val="tx1"/>
                           </a:solidFill>
                         </a:rPr>
-                        <a:t>Se pueda generar la disponibilidad para el cliente </a:t>
+                        <a:t>Tendrá un botón para poder asignar su disponibilidad </a:t>
                       </a:r>
                     </a:p>
                     <a:p>
@@ -9227,7 +9170,21 @@
                             <a:schemeClr val="tx1"/>
                           </a:solidFill>
                         </a:rPr>
-                        <a:t>Poder actualizar los horarios disponibles</a:t>
+                        <a:t>Deberá escoger el mes, el día y las horas</a:t>
+                      </a:r>
+                    </a:p>
+                    <a:p>
+                      <a:pPr marL="171450" indent="-171450">
+                        <a:buFont typeface="Arial" panose="020B0604020202020204" pitchFamily="34" charset="0"/>
+                        <a:buChar char="•"/>
+                      </a:pPr>
+                      <a:r>
+                        <a:rPr lang="es-ES" sz="1000" b="0" dirty="0">
+                          <a:solidFill>
+                            <a:schemeClr val="tx1"/>
+                          </a:solidFill>
+                        </a:rPr>
+                        <a:t>Por ultimo podrá publicar su disponibilidad</a:t>
                       </a:r>
                     </a:p>
                     <a:p>
@@ -9297,7 +9254,7 @@
                             <a:schemeClr val="bg1"/>
                           </a:solidFill>
                         </a:rPr>
-                        <a:t>US002</a:t>
+                        <a:t>US006</a:t>
                       </a:r>
                       <a:endParaRPr lang="es-CO" sz="1000" dirty="0">
                         <a:solidFill>
@@ -9356,7 +9313,7 @@
                       </a:pPr>
                       <a:r>
                         <a:rPr lang="es-ES" sz="1000" dirty="0"/>
-                        <a:t>Que se genere un stock para poder visualizar los productos que estén en venta</a:t>
+                        <a:t>Poder contar con un stock para poder visualizar los productos que estén en venta</a:t>
                       </a:r>
                     </a:p>
                     <a:p>
@@ -9366,7 +9323,17 @@
                       </a:pPr>
                       <a:r>
                         <a:rPr lang="es-ES" sz="1000" dirty="0"/>
-                        <a:t>Que se pueda hacer la compra de un producto dependiendo de la cantidad y el precio   </a:t>
+                        <a:t>Que se pueda hacer la compra de un producto dependiendo de la cantidad y el precio </a:t>
+                      </a:r>
+                    </a:p>
+                    <a:p>
+                      <a:pPr marL="171450" indent="-171450">
+                        <a:buFont typeface="Arial" panose="020B0604020202020204" pitchFamily="34" charset="0"/>
+                        <a:buChar char="•"/>
+                      </a:pPr>
+                      <a:r>
+                        <a:rPr lang="es-ES" sz="1000" dirty="0"/>
+                        <a:t>Contar con un apartado de carrito de ventas para poder hacer compras después de un tiempo   </a:t>
                       </a:r>
                     </a:p>
                     <a:p>
@@ -9407,7 +9374,7 @@
                             <a:schemeClr val="bg1"/>
                           </a:solidFill>
                         </a:rPr>
-                        <a:t>US003</a:t>
+                        <a:t>US007</a:t>
                       </a:r>
                       <a:endParaRPr lang="es-CO" sz="1000" dirty="0">
                         <a:solidFill>
@@ -9466,7 +9433,7 @@
                       </a:pPr>
                       <a:r>
                         <a:rPr lang="es-ES" sz="1000" dirty="0"/>
-                        <a:t>Se pueda generar una reserva a partir de los horarios disponibles</a:t>
+                        <a:t>Contar con un apartado donde se pueda reservar </a:t>
                       </a:r>
                     </a:p>
                     <a:p>
@@ -9476,7 +9443,7 @@
                       </a:pPr>
                       <a:r>
                         <a:rPr lang="es-ES" sz="1000" dirty="0"/>
-                        <a:t>Poder saber la disponibilidad de los barberos y así poder generar la reserva </a:t>
+                        <a:t>Asignar el barbero de confianza o el que este disponible  </a:t>
                       </a:r>
                     </a:p>
                     <a:p>
@@ -9486,8 +9453,35 @@
                       </a:pPr>
                       <a:r>
                         <a:rPr lang="es-ES" sz="1000" dirty="0"/>
-                        <a:t>Asignar el corte que requiere </a:t>
-                      </a:r>
+                        <a:t> Seleccionar el día y la hora disponible y seleccionar el tipo de corte a realizar </a:t>
+                      </a:r>
+                    </a:p>
+                    <a:p>
+                      <a:pPr marL="285750" indent="-285750">
+                        <a:buFont typeface="Arial" panose="020B0604020202020204" pitchFamily="34" charset="0"/>
+                        <a:buChar char="•"/>
+                      </a:pPr>
+                      <a:r>
+                        <a:rPr lang="es-ES" sz="1000" dirty="0"/>
+                        <a:t>Se hace la reserva del turno </a:t>
+                      </a:r>
+                    </a:p>
+                    <a:p>
+                      <a:pPr marL="285750" indent="-285750">
+                        <a:buFont typeface="Arial" panose="020B0604020202020204" pitchFamily="34" charset="0"/>
+                        <a:buChar char="•"/>
+                      </a:pPr>
+                      <a:r>
+                        <a:rPr lang="es-ES" sz="1000" dirty="0"/>
+                        <a:t>Contara con un recordatorio de su reserva</a:t>
+                      </a:r>
+                    </a:p>
+                    <a:p>
+                      <a:pPr marL="285750" indent="-285750">
+                        <a:buFont typeface="Arial" panose="020B0604020202020204" pitchFamily="34" charset="0"/>
+                        <a:buChar char="•"/>
+                      </a:pPr>
+                      <a:endParaRPr lang="es-ES" sz="1000" dirty="0"/>
                     </a:p>
                     <a:p>
                       <a:r>
@@ -9502,7 +9496,7 @@
                     <a:p>
                       <a:r>
                         <a:rPr lang="es-ES" sz="1000" dirty="0"/>
-                        <a:t> Seleccionar la fecha, hora y día que este disponible, corte a realizar el barbero el cual desea o este disponible  </a:t>
+                        <a:t> Seleccionar la fecha, hora y día que este disponible, corte a realizar,  el barbero el cual desea o este disponible  </a:t>
                       </a:r>
                     </a:p>
                   </a:txBody>
@@ -9526,7 +9520,7 @@
                             <a:schemeClr val="bg1"/>
                           </a:solidFill>
                         </a:rPr>
-                        <a:t>US004</a:t>
+                        <a:t>US008</a:t>
                       </a:r>
                       <a:endParaRPr lang="es-CO" sz="1000" dirty="0">
                         <a:solidFill>
@@ -9585,7 +9579,7 @@
                       </a:pPr>
                       <a:r>
                         <a:rPr lang="es-ES" sz="1000" b="0" dirty="0"/>
-                        <a:t>Que se pueda registrar con los datos requeridos</a:t>
+                        <a:t>Contara con un botón de registro que desplegara un formulario </a:t>
                       </a:r>
                     </a:p>
                     <a:p>
@@ -9595,9 +9589,8 @@
                       </a:pPr>
                       <a:r>
                         <a:rPr lang="es-ES" sz="1000" b="0" dirty="0"/>
-                        <a:t>Cuando ya este registrado pueda hacer su sesión con los mismos datos  </a:t>
-                      </a:r>
-                      <a:endParaRPr lang="es-ES" sz="1000" b="1" dirty="0"/>
+                        <a:t>Deberá seguir los pasos para hacer su registro </a:t>
+                      </a:r>
                     </a:p>
                     <a:p>
                       <a:pPr marL="0" indent="0">
@@ -9650,160 +9643,6 @@
                 <a:extLst>
                   <a:ext uri="{0D108BD9-81ED-4DB2-BD59-A6C34878D82A}">
                     <a16:rowId xmlns:a16="http://schemas.microsoft.com/office/drawing/2014/main" val="3922010544"/>
-                  </a:ext>
-                </a:extLst>
-              </a:tr>
-              <a:tr h="899277">
-                <a:tc>
-                  <a:txBody>
-                    <a:bodyPr/>
-                    <a:lstStyle/>
-                    <a:p>
-                      <a:r>
-                        <a:rPr lang="es-ES" sz="1000" dirty="0">
-                          <a:solidFill>
-                            <a:schemeClr val="bg1"/>
-                          </a:solidFill>
-                        </a:rPr>
-                        <a:t>US004</a:t>
-                      </a:r>
-                      <a:endParaRPr lang="es-CO" sz="1000" dirty="0">
-                        <a:solidFill>
-                          <a:schemeClr val="bg1"/>
-                        </a:solidFill>
-                      </a:endParaRPr>
-                    </a:p>
-                  </a:txBody>
-                  <a:tcPr>
-                    <a:solidFill>
-                      <a:schemeClr val="accent6"/>
-                    </a:solidFill>
-                  </a:tcPr>
-                </a:tc>
-                <a:tc>
-                  <a:txBody>
-                    <a:bodyPr/>
-                    <a:lstStyle/>
-                    <a:p>
-                      <a:r>
-                        <a:rPr lang="es-ES" sz="1000" dirty="0"/>
-                        <a:t>CU008</a:t>
-                      </a:r>
-                      <a:endParaRPr lang="es-CO" sz="1000" dirty="0"/>
-                    </a:p>
-                  </a:txBody>
-                  <a:tcPr/>
-                </a:tc>
-                <a:tc>
-                  <a:txBody>
-                    <a:bodyPr/>
-                    <a:lstStyle/>
-                    <a:p>
-                      <a:r>
-                        <a:rPr lang="es-MX" sz="1000" dirty="0"/>
-                        <a:t>COMO </a:t>
-                      </a:r>
-                      <a:r>
-                        <a:rPr lang="es-MX" sz="1000"/>
-                        <a:t>cliente NECESITO </a:t>
-                      </a:r>
-                      <a:r>
-                        <a:rPr lang="es-MX" sz="1000" dirty="0"/>
-                        <a:t>agregar productos al carrito de compras</a:t>
-                      </a:r>
-                    </a:p>
-                  </a:txBody>
-                  <a:tcPr/>
-                </a:tc>
-                <a:tc>
-                  <a:txBody>
-                    <a:bodyPr/>
-                    <a:lstStyle/>
-                    <a:p>
-                      <a:r>
-                        <a:rPr lang="es-ES" sz="1000" dirty="0"/>
-                        <a:t>Escenarios: </a:t>
-                      </a:r>
-                    </a:p>
-                    <a:p>
-                      <a:pPr marL="171450" indent="-171450">
-                        <a:buFont typeface="Arial" panose="020B0604020202020204" pitchFamily="34" charset="0"/>
-                        <a:buChar char="•"/>
-                      </a:pPr>
-                      <a:r>
-                        <a:rPr lang="es-ES" sz="1000" b="0" dirty="0"/>
-                        <a:t>Poder agregar productos de preferencia </a:t>
-                      </a:r>
-                    </a:p>
-                    <a:p>
-                      <a:pPr marL="171450" indent="-171450">
-                        <a:buFont typeface="Arial" panose="020B0604020202020204" pitchFamily="34" charset="0"/>
-                        <a:buChar char="•"/>
-                      </a:pPr>
-                      <a:r>
-                        <a:rPr lang="es-ES" sz="1000" b="0" dirty="0"/>
-                        <a:t>Que los productos agregados se almacenen en el carrito </a:t>
-                      </a:r>
-                    </a:p>
-                    <a:p>
-                      <a:pPr marL="171450" indent="-171450">
-                        <a:buFont typeface="Arial" panose="020B0604020202020204" pitchFamily="34" charset="0"/>
-                        <a:buChar char="•"/>
-                      </a:pPr>
-                      <a:r>
-                        <a:rPr lang="es-ES" sz="1000" b="0" dirty="0"/>
-                        <a:t>Que se pueda comprar dentro del carrito de compras</a:t>
-                      </a:r>
-                      <a:endParaRPr lang="es-ES" sz="1000" b="1" dirty="0"/>
-                    </a:p>
-                    <a:p>
-                      <a:pPr marL="0" indent="0">
-                        <a:buFont typeface="Arial" panose="020B0604020202020204" pitchFamily="34" charset="0"/>
-                        <a:buNone/>
-                      </a:pPr>
-                      <a:r>
-                        <a:rPr lang="es-ES" sz="1000" b="1" dirty="0"/>
-                        <a:t>Necesitamos</a:t>
-                      </a:r>
-                      <a:r>
-                        <a:rPr lang="es-ES" sz="1000" dirty="0"/>
-                        <a:t>:</a:t>
-                      </a:r>
-                    </a:p>
-                    <a:p>
-                      <a:pPr marL="0" marR="0" lvl="0" indent="0" algn="l" defTabSz="914400" rtl="0" eaLnBrk="1" fontAlgn="auto" latinLnBrk="0" hangingPunct="1">
-                        <a:lnSpc>
-                          <a:spcPct val="100000"/>
-                        </a:lnSpc>
-                        <a:spcBef>
-                          <a:spcPts val="0"/>
-                        </a:spcBef>
-                        <a:spcAft>
-                          <a:spcPts val="0"/>
-                        </a:spcAft>
-                        <a:buClrTx/>
-                        <a:buSzTx/>
-                        <a:buFontTx/>
-                        <a:buNone/>
-                        <a:tabLst/>
-                        <a:defRPr/>
-                      </a:pPr>
-                      <a:r>
-                        <a:rPr lang="es-MX" sz="1000" dirty="0">
-                          <a:effectLst/>
-                        </a:rPr>
-                        <a:t>Seleccionar los productos y la cantidad.</a:t>
-                      </a:r>
-                      <a:endParaRPr lang="es-CO" sz="1000" dirty="0">
-                        <a:effectLst/>
-                      </a:endParaRPr>
-                    </a:p>
-                  </a:txBody>
-                  <a:tcPr/>
-                </a:tc>
-                <a:extLst>
-                  <a:ext uri="{0D108BD9-81ED-4DB2-BD59-A6C34878D82A}">
-                    <a16:rowId xmlns:a16="http://schemas.microsoft.com/office/drawing/2014/main" val="1982062746"/>
                   </a:ext>
                 </a:extLst>
               </a:tr>
@@ -9855,165 +9694,461 @@
           <a:chExt cx="0" cy="0"/>
         </a:xfrm>
       </p:grpSpPr>
-      <p:sp>
-        <p:nvSpPr>
-          <p:cNvPr id="2" name="CuadroTexto 1">
-            <a:extLst>
-              <a:ext uri="{FF2B5EF4-FFF2-40B4-BE49-F238E27FC236}">
-                <a16:creationId xmlns:a16="http://schemas.microsoft.com/office/drawing/2014/main" id="{91FEF253-53C4-B5FA-07C7-0B039B14F52F}"/>
-              </a:ext>
-            </a:extLst>
-          </p:cNvPr>
-          <p:cNvSpPr txBox="1"/>
-          <p:nvPr/>
-        </p:nvSpPr>
-        <p:spPr>
-          <a:xfrm>
-            <a:off x="-895727" y="438791"/>
-            <a:ext cx="12120196" cy="769441"/>
-          </a:xfrm>
-          <a:prstGeom prst="rect">
-            <a:avLst/>
-          </a:prstGeom>
-          <a:noFill/>
-        </p:spPr>
-        <p:txBody>
-          <a:bodyPr wrap="square" rtlCol="0">
-            <a:spAutoFit/>
-          </a:bodyPr>
-          <a:lstStyle/>
-          <a:p>
-            <a:r>
-              <a:rPr lang="es-CO" sz="4400" b="1" dirty="0">
-                <a:solidFill>
-                  <a:srgbClr val="38AA00"/>
-                </a:solidFill>
-                <a:latin typeface="WORK SANS BOLD ROMAN" pitchFamily="2" charset="77"/>
-              </a:rPr>
-              <a:t>		Mockups</a:t>
-            </a:r>
-            <a:endParaRPr lang="es-CO" sz="4000" b="1" dirty="0">
-              <a:solidFill>
-                <a:srgbClr val="38AA00"/>
-              </a:solidFill>
-              <a:latin typeface="Times New Roman" panose="02020603050405020304" pitchFamily="18" charset="0"/>
-              <a:cs typeface="Times New Roman" panose="02020603050405020304" pitchFamily="18" charset="0"/>
-            </a:endParaRPr>
-          </a:p>
-        </p:txBody>
-      </p:sp>
-      <p:cxnSp>
-        <p:nvCxnSpPr>
-          <p:cNvPr id="3" name="Conector recto 2">
-            <a:extLst>
-              <a:ext uri="{FF2B5EF4-FFF2-40B4-BE49-F238E27FC236}">
-                <a16:creationId xmlns:a16="http://schemas.microsoft.com/office/drawing/2014/main" id="{AE0C963B-97B4-4F66-1B49-0B47BC7F0F1A}"/>
-              </a:ext>
-            </a:extLst>
-          </p:cNvPr>
-          <p:cNvCxnSpPr>
-            <a:cxnSpLocks/>
-          </p:cNvCxnSpPr>
-          <p:nvPr/>
-        </p:nvCxnSpPr>
-        <p:spPr>
-          <a:xfrm>
-            <a:off x="950112" y="1189650"/>
-            <a:ext cx="2247544" cy="0"/>
-          </a:xfrm>
-          <a:prstGeom prst="line">
-            <a:avLst/>
-          </a:prstGeom>
-          <a:ln w="12700">
-            <a:solidFill>
-              <a:srgbClr val="38AA00"/>
-            </a:solidFill>
-          </a:ln>
-        </p:spPr>
-        <p:style>
-          <a:lnRef idx="1">
-            <a:schemeClr val="accent1"/>
-          </a:lnRef>
-          <a:fillRef idx="0">
-            <a:schemeClr val="accent1"/>
-          </a:fillRef>
-          <a:effectRef idx="0">
-            <a:schemeClr val="accent1"/>
-          </a:effectRef>
-          <a:fontRef idx="minor">
-            <a:schemeClr val="tx1"/>
-          </a:fontRef>
-        </p:style>
-      </p:cxnSp>
-      <p:sp>
-        <p:nvSpPr>
-          <p:cNvPr id="5" name="CuadroTexto 4">
-            <a:extLst>
-              <a:ext uri="{FF2B5EF4-FFF2-40B4-BE49-F238E27FC236}">
-                <a16:creationId xmlns:a16="http://schemas.microsoft.com/office/drawing/2014/main" id="{7ED86FA8-FAC0-1228-FDA1-04E4CDCC3C99}"/>
-              </a:ext>
-            </a:extLst>
-          </p:cNvPr>
-          <p:cNvSpPr txBox="1"/>
-          <p:nvPr/>
-        </p:nvSpPr>
-        <p:spPr>
-          <a:xfrm>
-            <a:off x="847290" y="1400853"/>
-            <a:ext cx="6459522" cy="369332"/>
-          </a:xfrm>
-          <a:prstGeom prst="rect">
-            <a:avLst/>
-          </a:prstGeom>
-          <a:noFill/>
-        </p:spPr>
-        <p:txBody>
-          <a:bodyPr wrap="square">
-            <a:spAutoFit/>
-          </a:bodyPr>
-          <a:lstStyle/>
-          <a:p>
-            <a:r>
-              <a:rPr lang="es-CO" dirty="0"/>
-              <a:t>https://balsamiq.cloud/so6p1a7/p8zkyv4/r9DE6</a:t>
-            </a:r>
-          </a:p>
-        </p:txBody>
-      </p:sp>
-      <p:pic>
-        <p:nvPicPr>
-          <p:cNvPr id="6" name="Imagen 5">
-            <a:extLst>
-              <a:ext uri="{FF2B5EF4-FFF2-40B4-BE49-F238E27FC236}">
-                <a16:creationId xmlns:a16="http://schemas.microsoft.com/office/drawing/2014/main" id="{378EB914-0C11-88B3-09B8-515AD1C29C0A}"/>
-              </a:ext>
-            </a:extLst>
-          </p:cNvPr>
-          <p:cNvPicPr>
-            <a:picLocks noChangeAspect="1"/>
-          </p:cNvPicPr>
-          <p:nvPr/>
-        </p:nvPicPr>
-        <p:blipFill>
-          <a:blip r:embed="rId3"/>
-          <a:stretch>
-            <a:fillRect/>
-          </a:stretch>
-        </p:blipFill>
-        <p:spPr>
-          <a:xfrm>
-            <a:off x="916175" y="1949189"/>
-            <a:ext cx="8764223" cy="4836017"/>
-          </a:xfrm>
-          <a:prstGeom prst="rect">
-            <a:avLst/>
-          </a:prstGeom>
-        </p:spPr>
-      </p:pic>
+      <p:graphicFrame>
+        <p:nvGraphicFramePr>
+          <p:cNvPr id="2" name="Tabla 1">
+            <a:extLst>
+              <a:ext uri="{FF2B5EF4-FFF2-40B4-BE49-F238E27FC236}">
+                <a16:creationId xmlns:a16="http://schemas.microsoft.com/office/drawing/2014/main" id="{A1EFDAC1-88B1-2CAC-8F4D-B0129DA93C8A}"/>
+              </a:ext>
+            </a:extLst>
+          </p:cNvPr>
+          <p:cNvGraphicFramePr>
+            <a:graphicFrameLocks noGrp="1"/>
+          </p:cNvGraphicFramePr>
+          <p:nvPr>
+            <p:extLst>
+              <p:ext uri="{D42A27DB-BD31-4B8C-83A1-F6EECF244321}">
+                <p14:modId xmlns:p14="http://schemas.microsoft.com/office/powerpoint/2010/main" val="1203093584"/>
+              </p:ext>
+            </p:extLst>
+          </p:nvPr>
+        </p:nvGraphicFramePr>
+        <p:xfrm>
+          <a:off x="573619" y="1355842"/>
+          <a:ext cx="10742759" cy="2926080"/>
+        </p:xfrm>
+        <a:graphic>
+          <a:graphicData uri="http://schemas.openxmlformats.org/drawingml/2006/table">
+            <a:tbl>
+              <a:tblPr firstRow="1" bandRow="1">
+                <a:tableStyleId>{5C22544A-7EE6-4342-B048-85BDC9FD1C3A}</a:tableStyleId>
+              </a:tblPr>
+              <a:tblGrid>
+                <a:gridCol w="1103240">
+                  <a:extLst>
+                    <a:ext uri="{9D8B030D-6E8A-4147-A177-3AD203B41FA5}">
+                      <a16:colId xmlns:a16="http://schemas.microsoft.com/office/drawing/2014/main" val="321582989"/>
+                    </a:ext>
+                  </a:extLst>
+                </a:gridCol>
+                <a:gridCol w="1927904">
+                  <a:extLst>
+                    <a:ext uri="{9D8B030D-6E8A-4147-A177-3AD203B41FA5}">
+                      <a16:colId xmlns:a16="http://schemas.microsoft.com/office/drawing/2014/main" val="3778925154"/>
+                    </a:ext>
+                  </a:extLst>
+                </a:gridCol>
+                <a:gridCol w="4695758">
+                  <a:extLst>
+                    <a:ext uri="{9D8B030D-6E8A-4147-A177-3AD203B41FA5}">
+                      <a16:colId xmlns:a16="http://schemas.microsoft.com/office/drawing/2014/main" val="903937502"/>
+                    </a:ext>
+                  </a:extLst>
+                </a:gridCol>
+                <a:gridCol w="3015857">
+                  <a:extLst>
+                    <a:ext uri="{9D8B030D-6E8A-4147-A177-3AD203B41FA5}">
+                      <a16:colId xmlns:a16="http://schemas.microsoft.com/office/drawing/2014/main" val="523859923"/>
+                    </a:ext>
+                  </a:extLst>
+                </a:gridCol>
+              </a:tblGrid>
+              <a:tr h="195646">
+                <a:tc>
+                  <a:txBody>
+                    <a:bodyPr/>
+                    <a:lstStyle/>
+                    <a:p>
+                      <a:r>
+                        <a:rPr lang="es-ES" sz="1000" dirty="0">
+                          <a:solidFill>
+                            <a:schemeClr val="bg1"/>
+                          </a:solidFill>
+                        </a:rPr>
+                        <a:t>US009</a:t>
+                      </a:r>
+                      <a:endParaRPr lang="es-CO" sz="1000" dirty="0">
+                        <a:solidFill>
+                          <a:schemeClr val="bg1"/>
+                        </a:solidFill>
+                      </a:endParaRPr>
+                    </a:p>
+                  </a:txBody>
+                  <a:tcPr>
+                    <a:solidFill>
+                      <a:schemeClr val="accent6"/>
+                    </a:solidFill>
+                  </a:tcPr>
+                </a:tc>
+                <a:tc>
+                  <a:txBody>
+                    <a:bodyPr/>
+                    <a:lstStyle/>
+                    <a:p>
+                      <a:r>
+                        <a:rPr lang="es-ES" sz="1000" b="0" dirty="0">
+                          <a:solidFill>
+                            <a:schemeClr val="tx1"/>
+                          </a:solidFill>
+                        </a:rPr>
+                        <a:t>CU009</a:t>
+                      </a:r>
+                      <a:endParaRPr lang="es-CO" sz="1000" b="0" dirty="0">
+                        <a:solidFill>
+                          <a:schemeClr val="tx1"/>
+                        </a:solidFill>
+                      </a:endParaRPr>
+                    </a:p>
+                  </a:txBody>
+                  <a:tcPr>
+                    <a:solidFill>
+                      <a:schemeClr val="tx2">
+                        <a:lumMod val="20000"/>
+                        <a:lumOff val="80000"/>
+                      </a:schemeClr>
+                    </a:solidFill>
+                  </a:tcPr>
+                </a:tc>
+                <a:tc>
+                  <a:txBody>
+                    <a:bodyPr/>
+                    <a:lstStyle/>
+                    <a:p>
+                      <a:r>
+                        <a:rPr lang="es-MX" sz="1000" b="0" dirty="0">
+                          <a:solidFill>
+                            <a:schemeClr val="tx1"/>
+                          </a:solidFill>
+                        </a:rPr>
+                        <a:t>COMO cliente NECESITO agregar productos al carrito de compras</a:t>
+                      </a:r>
+                    </a:p>
+                  </a:txBody>
+                  <a:tcPr>
+                    <a:solidFill>
+                      <a:schemeClr val="tx2">
+                        <a:lumMod val="20000"/>
+                        <a:lumOff val="80000"/>
+                      </a:schemeClr>
+                    </a:solidFill>
+                  </a:tcPr>
+                </a:tc>
+                <a:tc>
+                  <a:txBody>
+                    <a:bodyPr/>
+                    <a:lstStyle/>
+                    <a:p>
+                      <a:r>
+                        <a:rPr lang="es-ES" sz="1000" b="0" dirty="0">
+                          <a:solidFill>
+                            <a:schemeClr val="tx1"/>
+                          </a:solidFill>
+                        </a:rPr>
+                        <a:t>Escenarios: </a:t>
+                      </a:r>
+                    </a:p>
+                    <a:p>
+                      <a:pPr marL="171450" indent="-171450">
+                        <a:buFont typeface="Arial" panose="020B0604020202020204" pitchFamily="34" charset="0"/>
+                        <a:buChar char="•"/>
+                      </a:pPr>
+                      <a:r>
+                        <a:rPr lang="es-ES" sz="1000" b="0" dirty="0">
+                          <a:solidFill>
+                            <a:schemeClr val="tx1"/>
+                          </a:solidFill>
+                        </a:rPr>
+                        <a:t>Deberá seleccionar el producto que desea agregar al carrito </a:t>
+                      </a:r>
+                    </a:p>
+                    <a:p>
+                      <a:pPr marL="171450" indent="-171450">
+                        <a:buFont typeface="Arial" panose="020B0604020202020204" pitchFamily="34" charset="0"/>
+                        <a:buChar char="•"/>
+                      </a:pPr>
+                      <a:r>
+                        <a:rPr lang="es-ES" sz="1000" b="0" dirty="0">
+                          <a:solidFill>
+                            <a:schemeClr val="tx1"/>
+                          </a:solidFill>
+                        </a:rPr>
+                        <a:t>Que ingrese la cantidad que desea agregar al carrito</a:t>
+                      </a:r>
+                    </a:p>
+                    <a:p>
+                      <a:pPr marL="171450" indent="-171450">
+                        <a:buFont typeface="Arial" panose="020B0604020202020204" pitchFamily="34" charset="0"/>
+                        <a:buChar char="•"/>
+                      </a:pPr>
+                      <a:r>
+                        <a:rPr lang="es-ES" sz="1000" b="0" dirty="0">
+                          <a:solidFill>
+                            <a:schemeClr val="tx1"/>
+                          </a:solidFill>
+                        </a:rPr>
+                        <a:t>Que los productos agregados se almacenen en el carrito </a:t>
+                      </a:r>
+                    </a:p>
+                    <a:p>
+                      <a:pPr marL="171450" indent="-171450">
+                        <a:buFont typeface="Arial" panose="020B0604020202020204" pitchFamily="34" charset="0"/>
+                        <a:buChar char="•"/>
+                      </a:pPr>
+                      <a:r>
+                        <a:rPr lang="es-ES" sz="1000" b="0" dirty="0">
+                          <a:solidFill>
+                            <a:schemeClr val="tx1"/>
+                          </a:solidFill>
+                        </a:rPr>
+                        <a:t>Que se pueda comprar dentro del carrito </a:t>
+                      </a:r>
+                    </a:p>
+                    <a:p>
+                      <a:pPr marL="0" indent="0">
+                        <a:buFont typeface="Arial" panose="020B0604020202020204" pitchFamily="34" charset="0"/>
+                        <a:buNone/>
+                      </a:pPr>
+                      <a:r>
+                        <a:rPr lang="es-ES" sz="1000" b="0" dirty="0">
+                          <a:solidFill>
+                            <a:schemeClr val="tx1"/>
+                          </a:solidFill>
+                        </a:rPr>
+                        <a:t>Necesitamos:</a:t>
+                      </a:r>
+                    </a:p>
+                    <a:p>
+                      <a:pPr marL="0" marR="0" lvl="0" indent="0" algn="l" defTabSz="914400" rtl="0" eaLnBrk="1" fontAlgn="auto" latinLnBrk="0" hangingPunct="1">
+                        <a:lnSpc>
+                          <a:spcPct val="100000"/>
+                        </a:lnSpc>
+                        <a:spcBef>
+                          <a:spcPts val="0"/>
+                        </a:spcBef>
+                        <a:spcAft>
+                          <a:spcPts val="0"/>
+                        </a:spcAft>
+                        <a:buClrTx/>
+                        <a:buSzTx/>
+                        <a:buFontTx/>
+                        <a:buNone/>
+                        <a:tabLst/>
+                        <a:defRPr/>
+                      </a:pPr>
+                      <a:r>
+                        <a:rPr lang="es-MX" sz="1000" b="0" dirty="0">
+                          <a:solidFill>
+                            <a:schemeClr val="tx1"/>
+                          </a:solidFill>
+                          <a:effectLst/>
+                        </a:rPr>
+                        <a:t>Seleccionar los productos y la cantidad.</a:t>
+                      </a:r>
+                      <a:endParaRPr lang="es-CO" sz="1000" b="0" dirty="0">
+                        <a:solidFill>
+                          <a:schemeClr val="tx1"/>
+                        </a:solidFill>
+                        <a:effectLst/>
+                      </a:endParaRPr>
+                    </a:p>
+                  </a:txBody>
+                  <a:tcPr>
+                    <a:solidFill>
+                      <a:schemeClr val="tx2">
+                        <a:lumMod val="20000"/>
+                        <a:lumOff val="80000"/>
+                      </a:schemeClr>
+                    </a:solidFill>
+                  </a:tcPr>
+                </a:tc>
+                <a:extLst>
+                  <a:ext uri="{0D108BD9-81ED-4DB2-BD59-A6C34878D82A}">
+                    <a16:rowId xmlns:a16="http://schemas.microsoft.com/office/drawing/2014/main" val="1341132561"/>
+                  </a:ext>
+                </a:extLst>
+              </a:tr>
+              <a:tr h="195646">
+                <a:tc>
+                  <a:txBody>
+                    <a:bodyPr/>
+                    <a:lstStyle/>
+                    <a:p>
+                      <a:r>
+                        <a:rPr lang="es-MX" sz="1000" dirty="0">
+                          <a:solidFill>
+                            <a:schemeClr val="bg1"/>
+                          </a:solidFill>
+                        </a:rPr>
+                        <a:t>US0010</a:t>
+                      </a:r>
+                      <a:endParaRPr lang="es-CO" sz="1000" dirty="0">
+                        <a:solidFill>
+                          <a:schemeClr val="bg1"/>
+                        </a:solidFill>
+                      </a:endParaRPr>
+                    </a:p>
+                  </a:txBody>
+                  <a:tcPr>
+                    <a:solidFill>
+                      <a:schemeClr val="accent6"/>
+                    </a:solidFill>
+                  </a:tcPr>
+                </a:tc>
+                <a:tc>
+                  <a:txBody>
+                    <a:bodyPr/>
+                    <a:lstStyle/>
+                    <a:p>
+                      <a:r>
+                        <a:rPr lang="es-MX" sz="1000" b="0" dirty="0">
+                          <a:solidFill>
+                            <a:schemeClr val="tx1"/>
+                          </a:solidFill>
+                        </a:rPr>
+                        <a:t>CU0010</a:t>
+                      </a:r>
+                      <a:endParaRPr lang="es-CO" sz="1000" b="0" dirty="0">
+                        <a:solidFill>
+                          <a:schemeClr val="tx1"/>
+                        </a:solidFill>
+                      </a:endParaRPr>
+                    </a:p>
+                  </a:txBody>
+                  <a:tcPr>
+                    <a:solidFill>
+                      <a:schemeClr val="tx2">
+                        <a:lumMod val="20000"/>
+                        <a:lumOff val="80000"/>
+                      </a:schemeClr>
+                    </a:solidFill>
+                  </a:tcPr>
+                </a:tc>
+                <a:tc>
+                  <a:txBody>
+                    <a:bodyPr/>
+                    <a:lstStyle/>
+                    <a:p>
+                      <a:r>
+                        <a:rPr lang="es-MX" sz="1000" b="0" dirty="0">
+                          <a:solidFill>
+                            <a:schemeClr val="tx1"/>
+                          </a:solidFill>
+                        </a:rPr>
+                        <a:t>COMO Administrador NECESITO actualizar la cantidad de productos que se encuentran disponibles en el inventario para tener un Stock real </a:t>
+                      </a:r>
+                      <a:endParaRPr lang="es-CO" sz="1000" b="0" dirty="0">
+                        <a:solidFill>
+                          <a:schemeClr val="tx1"/>
+                        </a:solidFill>
+                      </a:endParaRPr>
+                    </a:p>
+                  </a:txBody>
+                  <a:tcPr>
+                    <a:solidFill>
+                      <a:schemeClr val="tx2">
+                        <a:lumMod val="20000"/>
+                        <a:lumOff val="80000"/>
+                      </a:schemeClr>
+                    </a:solidFill>
+                  </a:tcPr>
+                </a:tc>
+                <a:tc>
+                  <a:txBody>
+                    <a:bodyPr/>
+                    <a:lstStyle/>
+                    <a:p>
+                      <a:r>
+                        <a:rPr lang="es-MX" sz="1000" b="0" dirty="0">
+                          <a:solidFill>
+                            <a:schemeClr val="tx1"/>
+                          </a:solidFill>
+                        </a:rPr>
+                        <a:t>Escenarios:</a:t>
+                      </a:r>
+                    </a:p>
+                    <a:p>
+                      <a:pPr marL="171450" indent="-171450">
+                        <a:buFont typeface="Arial" panose="020B0604020202020204" pitchFamily="34" charset="0"/>
+                        <a:buChar char="•"/>
+                      </a:pPr>
+                      <a:r>
+                        <a:rPr lang="es-MX" sz="1000" b="0" dirty="0">
+                          <a:solidFill>
+                            <a:schemeClr val="tx1"/>
+                          </a:solidFill>
+                        </a:rPr>
+                        <a:t>Que cuando se registre una venta se disminuya la cantidad del producto en el inventario y genere una alerta de esto</a:t>
+                      </a:r>
+                    </a:p>
+                    <a:p>
+                      <a:pPr marL="171450" indent="-171450">
+                        <a:buFont typeface="Arial" panose="020B0604020202020204" pitchFamily="34" charset="0"/>
+                        <a:buChar char="•"/>
+                      </a:pPr>
+                      <a:r>
+                        <a:rPr lang="es-MX" sz="1000" b="0" dirty="0">
+                          <a:solidFill>
+                            <a:schemeClr val="tx1"/>
+                          </a:solidFill>
+                        </a:rPr>
+                        <a:t>Que el inventario se pueda mantener actualizado  </a:t>
+                      </a:r>
+                    </a:p>
+                    <a:p>
+                      <a:pPr marL="171450" indent="-171450">
+                        <a:buFont typeface="Arial" panose="020B0604020202020204" pitchFamily="34" charset="0"/>
+                        <a:buChar char="•"/>
+                      </a:pPr>
+                      <a:endParaRPr lang="es-MX" sz="1000" b="0" dirty="0">
+                        <a:solidFill>
+                          <a:schemeClr val="tx1"/>
+                        </a:solidFill>
+                      </a:endParaRPr>
+                    </a:p>
+                    <a:p>
+                      <a:pPr marL="0" indent="0">
+                        <a:buFont typeface="Arial" panose="020B0604020202020204" pitchFamily="34" charset="0"/>
+                        <a:buNone/>
+                      </a:pPr>
+                      <a:r>
+                        <a:rPr lang="es-MX" sz="1000" b="0" dirty="0">
+                          <a:solidFill>
+                            <a:schemeClr val="tx1"/>
+                          </a:solidFill>
+                        </a:rPr>
+                        <a:t>Necesitamos: nombre , precio y cantidades del producto vendido </a:t>
+                      </a:r>
+                      <a:endParaRPr lang="es-CO" sz="1000" b="0" dirty="0">
+                        <a:solidFill>
+                          <a:schemeClr val="tx1"/>
+                        </a:solidFill>
+                      </a:endParaRPr>
+                    </a:p>
+                  </a:txBody>
+                  <a:tcPr>
+                    <a:solidFill>
+                      <a:schemeClr val="tx2">
+                        <a:lumMod val="20000"/>
+                        <a:lumOff val="80000"/>
+                      </a:schemeClr>
+                    </a:solidFill>
+                  </a:tcPr>
+                </a:tc>
+                <a:extLst>
+                  <a:ext uri="{0D108BD9-81ED-4DB2-BD59-A6C34878D82A}">
+                    <a16:rowId xmlns:a16="http://schemas.microsoft.com/office/drawing/2014/main" val="3842020864"/>
+                  </a:ext>
+                </a:extLst>
+              </a:tr>
+            </a:tbl>
+          </a:graphicData>
+        </a:graphic>
+      </p:graphicFrame>
     </p:spTree>
     <p:extLst>
       <p:ext uri="{BB962C8B-B14F-4D97-AF65-F5344CB8AC3E}">
-        <p14:creationId xmlns:p14="http://schemas.microsoft.com/office/powerpoint/2010/main" val="1015411362"/>
+        <p14:creationId xmlns:p14="http://schemas.microsoft.com/office/powerpoint/2010/main" val="1715989379"/>
       </p:ext>
     </p:extLst>
   </p:cSld>
@@ -10054,12 +10189,137 @@
           <a:chExt cx="0" cy="0"/>
         </a:xfrm>
       </p:grpSpPr>
+      <p:sp>
+        <p:nvSpPr>
+          <p:cNvPr id="2" name="CuadroTexto 1">
+            <a:extLst>
+              <a:ext uri="{FF2B5EF4-FFF2-40B4-BE49-F238E27FC236}">
+                <a16:creationId xmlns:a16="http://schemas.microsoft.com/office/drawing/2014/main" id="{91FEF253-53C4-B5FA-07C7-0B039B14F52F}"/>
+              </a:ext>
+            </a:extLst>
+          </p:cNvPr>
+          <p:cNvSpPr txBox="1"/>
+          <p:nvPr/>
+        </p:nvSpPr>
+        <p:spPr>
+          <a:xfrm>
+            <a:off x="-895727" y="438791"/>
+            <a:ext cx="12120196" cy="769441"/>
+          </a:xfrm>
+          <a:prstGeom prst="rect">
+            <a:avLst/>
+          </a:prstGeom>
+          <a:noFill/>
+        </p:spPr>
+        <p:txBody>
+          <a:bodyPr wrap="square" rtlCol="0">
+            <a:spAutoFit/>
+          </a:bodyPr>
+          <a:lstStyle/>
+          <a:p>
+            <a:r>
+              <a:rPr lang="es-CO" sz="4400" b="1" dirty="0">
+                <a:solidFill>
+                  <a:srgbClr val="38AA00"/>
+                </a:solidFill>
+                <a:latin typeface="WORK SANS BOLD ROMAN" pitchFamily="2" charset="77"/>
+              </a:rPr>
+              <a:t>		Mockups</a:t>
+            </a:r>
+            <a:endParaRPr lang="es-CO" sz="4000" b="1" dirty="0">
+              <a:solidFill>
+                <a:srgbClr val="38AA00"/>
+              </a:solidFill>
+              <a:latin typeface="Times New Roman" panose="02020603050405020304" pitchFamily="18" charset="0"/>
+              <a:cs typeface="Times New Roman" panose="02020603050405020304" pitchFamily="18" charset="0"/>
+            </a:endParaRPr>
+          </a:p>
+        </p:txBody>
+      </p:sp>
+      <p:cxnSp>
+        <p:nvCxnSpPr>
+          <p:cNvPr id="3" name="Conector recto 2">
+            <a:extLst>
+              <a:ext uri="{FF2B5EF4-FFF2-40B4-BE49-F238E27FC236}">
+                <a16:creationId xmlns:a16="http://schemas.microsoft.com/office/drawing/2014/main" id="{AE0C963B-97B4-4F66-1B49-0B47BC7F0F1A}"/>
+              </a:ext>
+            </a:extLst>
+          </p:cNvPr>
+          <p:cNvCxnSpPr>
+            <a:cxnSpLocks/>
+          </p:cNvCxnSpPr>
+          <p:nvPr/>
+        </p:nvCxnSpPr>
+        <p:spPr>
+          <a:xfrm>
+            <a:off x="950112" y="1189650"/>
+            <a:ext cx="2247544" cy="0"/>
+          </a:xfrm>
+          <a:prstGeom prst="line">
+            <a:avLst/>
+          </a:prstGeom>
+          <a:ln w="12700">
+            <a:solidFill>
+              <a:srgbClr val="38AA00"/>
+            </a:solidFill>
+          </a:ln>
+        </p:spPr>
+        <p:style>
+          <a:lnRef idx="1">
+            <a:schemeClr val="accent1"/>
+          </a:lnRef>
+          <a:fillRef idx="0">
+            <a:schemeClr val="accent1"/>
+          </a:fillRef>
+          <a:effectRef idx="0">
+            <a:schemeClr val="accent1"/>
+          </a:effectRef>
+          <a:fontRef idx="minor">
+            <a:schemeClr val="tx1"/>
+          </a:fontRef>
+        </p:style>
+      </p:cxnSp>
+      <p:sp>
+        <p:nvSpPr>
+          <p:cNvPr id="5" name="CuadroTexto 4">
+            <a:extLst>
+              <a:ext uri="{FF2B5EF4-FFF2-40B4-BE49-F238E27FC236}">
+                <a16:creationId xmlns:a16="http://schemas.microsoft.com/office/drawing/2014/main" id="{7ED86FA8-FAC0-1228-FDA1-04E4CDCC3C99}"/>
+              </a:ext>
+            </a:extLst>
+          </p:cNvPr>
+          <p:cNvSpPr txBox="1"/>
+          <p:nvPr/>
+        </p:nvSpPr>
+        <p:spPr>
+          <a:xfrm>
+            <a:off x="847290" y="1400853"/>
+            <a:ext cx="6459522" cy="369332"/>
+          </a:xfrm>
+          <a:prstGeom prst="rect">
+            <a:avLst/>
+          </a:prstGeom>
+          <a:noFill/>
+        </p:spPr>
+        <p:txBody>
+          <a:bodyPr wrap="square">
+            <a:spAutoFit/>
+          </a:bodyPr>
+          <a:lstStyle/>
+          <a:p>
+            <a:r>
+              <a:rPr lang="es-CO" dirty="0"/>
+              <a:t>https://balsamiq.cloud/so6p1a7/p8zkyv4/r9DE6</a:t>
+            </a:r>
+          </a:p>
+        </p:txBody>
+      </p:sp>
       <p:pic>
         <p:nvPicPr>
-          <p:cNvPr id="5" name="Imagen 4">
-            <a:extLst>
-              <a:ext uri="{FF2B5EF4-FFF2-40B4-BE49-F238E27FC236}">
-                <a16:creationId xmlns:a16="http://schemas.microsoft.com/office/drawing/2014/main" id="{E0A532B1-84F3-B167-16B7-C0BE87734BB7}"/>
+          <p:cNvPr id="6" name="Imagen 5">
+            <a:extLst>
+              <a:ext uri="{FF2B5EF4-FFF2-40B4-BE49-F238E27FC236}">
+                <a16:creationId xmlns:a16="http://schemas.microsoft.com/office/drawing/2014/main" id="{378EB914-0C11-88B3-09B8-515AD1C29C0A}"/>
               </a:ext>
             </a:extLst>
           </p:cNvPr>
@@ -10076,73 +10336,8 @@
         </p:blipFill>
         <p:spPr>
           <a:xfrm>
-            <a:off x="1071844" y="4283221"/>
-            <a:ext cx="8583223" cy="771633"/>
-          </a:xfrm>
-          <a:prstGeom prst="rect">
-            <a:avLst/>
-          </a:prstGeom>
-        </p:spPr>
-      </p:pic>
-      <p:sp>
-        <p:nvSpPr>
-          <p:cNvPr id="7" name="CuadroTexto 6">
-            <a:extLst>
-              <a:ext uri="{FF2B5EF4-FFF2-40B4-BE49-F238E27FC236}">
-                <a16:creationId xmlns:a16="http://schemas.microsoft.com/office/drawing/2014/main" id="{65912F7B-B69A-F972-D2F2-F9FA3D5860AD}"/>
-              </a:ext>
-            </a:extLst>
-          </p:cNvPr>
-          <p:cNvSpPr txBox="1"/>
-          <p:nvPr/>
-        </p:nvSpPr>
-        <p:spPr>
-          <a:xfrm>
-            <a:off x="1120231" y="5226234"/>
-            <a:ext cx="6094602" cy="369332"/>
-          </a:xfrm>
-          <a:prstGeom prst="rect">
-            <a:avLst/>
-          </a:prstGeom>
-          <a:noFill/>
-        </p:spPr>
-        <p:txBody>
-          <a:bodyPr wrap="square">
-            <a:spAutoFit/>
-          </a:bodyPr>
-          <a:lstStyle/>
-          <a:p>
-            <a:r>
-              <a:rPr lang="es-CO" dirty="0"/>
-              <a:t>https://github.com/DavidV4iss/Master-Barber.git</a:t>
-            </a:r>
-          </a:p>
-        </p:txBody>
-      </p:sp>
-      <p:pic>
-        <p:nvPicPr>
-          <p:cNvPr id="4" name="Imagen 3">
-            <a:extLst>
-              <a:ext uri="{FF2B5EF4-FFF2-40B4-BE49-F238E27FC236}">
-                <a16:creationId xmlns:a16="http://schemas.microsoft.com/office/drawing/2014/main" id="{3E60559A-3DD1-74C6-B8D5-6D3ECF695DF2}"/>
-              </a:ext>
-            </a:extLst>
-          </p:cNvPr>
-          <p:cNvPicPr>
-            <a:picLocks noChangeAspect="1"/>
-          </p:cNvPicPr>
-          <p:nvPr/>
-        </p:nvPicPr>
-        <p:blipFill>
-          <a:blip r:embed="rId4"/>
-          <a:stretch>
-            <a:fillRect/>
-          </a:stretch>
-        </p:blipFill>
-        <p:spPr>
-          <a:xfrm>
-            <a:off x="1071844" y="91636"/>
-            <a:ext cx="8583223" cy="4191585"/>
+            <a:off x="916175" y="1949189"/>
+            <a:ext cx="8764223" cy="4836017"/>
           </a:xfrm>
           <a:prstGeom prst="rect">
             <a:avLst/>
@@ -10152,7 +10347,7 @@
     </p:spTree>
     <p:extLst>
       <p:ext uri="{BB962C8B-B14F-4D97-AF65-F5344CB8AC3E}">
-        <p14:creationId xmlns:p14="http://schemas.microsoft.com/office/powerpoint/2010/main" val="3584590276"/>
+        <p14:creationId xmlns:p14="http://schemas.microsoft.com/office/powerpoint/2010/main" val="1015411362"/>
       </p:ext>
     </p:extLst>
   </p:cSld>
@@ -10193,6 +10388,145 @@
           <a:chExt cx="0" cy="0"/>
         </a:xfrm>
       </p:grpSpPr>
+      <p:pic>
+        <p:nvPicPr>
+          <p:cNvPr id="5" name="Imagen 4">
+            <a:extLst>
+              <a:ext uri="{FF2B5EF4-FFF2-40B4-BE49-F238E27FC236}">
+                <a16:creationId xmlns:a16="http://schemas.microsoft.com/office/drawing/2014/main" id="{E0A532B1-84F3-B167-16B7-C0BE87734BB7}"/>
+              </a:ext>
+            </a:extLst>
+          </p:cNvPr>
+          <p:cNvPicPr>
+            <a:picLocks noChangeAspect="1"/>
+          </p:cNvPicPr>
+          <p:nvPr/>
+        </p:nvPicPr>
+        <p:blipFill>
+          <a:blip r:embed="rId3"/>
+          <a:stretch>
+            <a:fillRect/>
+          </a:stretch>
+        </p:blipFill>
+        <p:spPr>
+          <a:xfrm>
+            <a:off x="1071844" y="4283221"/>
+            <a:ext cx="8583223" cy="771633"/>
+          </a:xfrm>
+          <a:prstGeom prst="rect">
+            <a:avLst/>
+          </a:prstGeom>
+        </p:spPr>
+      </p:pic>
+      <p:sp>
+        <p:nvSpPr>
+          <p:cNvPr id="7" name="CuadroTexto 6">
+            <a:extLst>
+              <a:ext uri="{FF2B5EF4-FFF2-40B4-BE49-F238E27FC236}">
+                <a16:creationId xmlns:a16="http://schemas.microsoft.com/office/drawing/2014/main" id="{65912F7B-B69A-F972-D2F2-F9FA3D5860AD}"/>
+              </a:ext>
+            </a:extLst>
+          </p:cNvPr>
+          <p:cNvSpPr txBox="1"/>
+          <p:nvPr/>
+        </p:nvSpPr>
+        <p:spPr>
+          <a:xfrm>
+            <a:off x="1120231" y="5226234"/>
+            <a:ext cx="6094602" cy="369332"/>
+          </a:xfrm>
+          <a:prstGeom prst="rect">
+            <a:avLst/>
+          </a:prstGeom>
+          <a:noFill/>
+        </p:spPr>
+        <p:txBody>
+          <a:bodyPr wrap="square">
+            <a:spAutoFit/>
+          </a:bodyPr>
+          <a:lstStyle/>
+          <a:p>
+            <a:r>
+              <a:rPr lang="es-CO" dirty="0"/>
+              <a:t>https://github.com/DavidV4iss/Master-Barber.git</a:t>
+            </a:r>
+          </a:p>
+        </p:txBody>
+      </p:sp>
+      <p:pic>
+        <p:nvPicPr>
+          <p:cNvPr id="4" name="Imagen 3">
+            <a:extLst>
+              <a:ext uri="{FF2B5EF4-FFF2-40B4-BE49-F238E27FC236}">
+                <a16:creationId xmlns:a16="http://schemas.microsoft.com/office/drawing/2014/main" id="{3E60559A-3DD1-74C6-B8D5-6D3ECF695DF2}"/>
+              </a:ext>
+            </a:extLst>
+          </p:cNvPr>
+          <p:cNvPicPr>
+            <a:picLocks noChangeAspect="1"/>
+          </p:cNvPicPr>
+          <p:nvPr/>
+        </p:nvPicPr>
+        <p:blipFill>
+          <a:blip r:embed="rId4"/>
+          <a:stretch>
+            <a:fillRect/>
+          </a:stretch>
+        </p:blipFill>
+        <p:spPr>
+          <a:xfrm>
+            <a:off x="1071844" y="91636"/>
+            <a:ext cx="8583223" cy="4191585"/>
+          </a:xfrm>
+          <a:prstGeom prst="rect">
+            <a:avLst/>
+          </a:prstGeom>
+        </p:spPr>
+      </p:pic>
+    </p:spTree>
+    <p:extLst>
+      <p:ext uri="{BB962C8B-B14F-4D97-AF65-F5344CB8AC3E}">
+        <p14:creationId xmlns:p14="http://schemas.microsoft.com/office/powerpoint/2010/main" val="3584590276"/>
+      </p:ext>
+    </p:extLst>
+  </p:cSld>
+  <p:clrMapOvr>
+    <a:masterClrMapping/>
+  </p:clrMapOvr>
+</p:sld>
+</file>
+
+<file path=ppt/slides/slide28.xml><?xml version="1.0" encoding="utf-8"?>
+<p:sld xmlns:a="http://schemas.openxmlformats.org/drawingml/2006/main" xmlns:r="http://schemas.openxmlformats.org/officeDocument/2006/relationships" xmlns:p="http://schemas.openxmlformats.org/presentationml/2006/main">
+  <p:cSld>
+    <p:bg>
+      <p:bgPr>
+        <a:blipFill dpi="0" rotWithShape="1">
+          <a:blip r:embed="rId2">
+            <a:lum/>
+          </a:blip>
+          <a:srcRect/>
+          <a:stretch>
+            <a:fillRect/>
+          </a:stretch>
+        </a:blipFill>
+        <a:effectLst/>
+      </p:bgPr>
+    </p:bg>
+    <p:spTree>
+      <p:nvGrpSpPr>
+        <p:cNvPr id="1" name=""/>
+        <p:cNvGrpSpPr/>
+        <p:nvPr/>
+      </p:nvGrpSpPr>
+      <p:grpSpPr>
+        <a:xfrm>
+          <a:off x="0" y="0"/>
+          <a:ext cx="0" cy="0"/>
+          <a:chOff x="0" y="0"/>
+          <a:chExt cx="0" cy="0"/>
+        </a:xfrm>
+      </p:grpSpPr>
       <p:sp>
         <p:nvSpPr>
           <p:cNvPr id="4" name="CuadroTexto 3">
@@ -10312,7 +10646,7 @@
 </p:sld>
 </file>
 
-<file path=ppt/slides/slide28.xml><?xml version="1.0" encoding="utf-8"?>
+<file path=ppt/slides/slide29.xml><?xml version="1.0" encoding="utf-8"?>
 <p:sld xmlns:a="http://schemas.openxmlformats.org/drawingml/2006/main" xmlns:r="http://schemas.openxmlformats.org/officeDocument/2006/relationships" xmlns:p="http://schemas.openxmlformats.org/presentationml/2006/main">
   <p:cSld>
     <p:bg>
